--- a/Turma Home Jan2018/1° Sabado/Aula 1/Apresentação Aula de Excel 1.pptx
+++ b/Turma Home Jan2018/1° Sabado/Aula 1/Apresentação Aula de Excel 1.pptx
@@ -5,7 +5,7 @@
     <p:sldMasterId id="2147483678" r:id="rId1"/>
   </p:sldMasterIdLst>
   <p:notesMasterIdLst>
-    <p:notesMasterId r:id="rId32"/>
+    <p:notesMasterId r:id="rId31"/>
   </p:notesMasterIdLst>
   <p:sldIdLst>
     <p:sldId id="256" r:id="rId2"/>
@@ -20,24 +20,23 @@
     <p:sldId id="271" r:id="rId11"/>
     <p:sldId id="273" r:id="rId12"/>
     <p:sldId id="275" r:id="rId13"/>
-    <p:sldId id="276" r:id="rId14"/>
-    <p:sldId id="277" r:id="rId15"/>
-    <p:sldId id="278" r:id="rId16"/>
-    <p:sldId id="279" r:id="rId17"/>
-    <p:sldId id="280" r:id="rId18"/>
-    <p:sldId id="281" r:id="rId19"/>
-    <p:sldId id="283" r:id="rId20"/>
-    <p:sldId id="284" r:id="rId21"/>
-    <p:sldId id="286" r:id="rId22"/>
-    <p:sldId id="285" r:id="rId23"/>
-    <p:sldId id="289" r:id="rId24"/>
-    <p:sldId id="291" r:id="rId25"/>
-    <p:sldId id="292" r:id="rId26"/>
-    <p:sldId id="290" r:id="rId27"/>
-    <p:sldId id="268" r:id="rId28"/>
-    <p:sldId id="288" r:id="rId29"/>
-    <p:sldId id="267" r:id="rId30"/>
-    <p:sldId id="260" r:id="rId31"/>
+    <p:sldId id="277" r:id="rId14"/>
+    <p:sldId id="278" r:id="rId15"/>
+    <p:sldId id="279" r:id="rId16"/>
+    <p:sldId id="280" r:id="rId17"/>
+    <p:sldId id="281" r:id="rId18"/>
+    <p:sldId id="283" r:id="rId19"/>
+    <p:sldId id="284" r:id="rId20"/>
+    <p:sldId id="286" r:id="rId21"/>
+    <p:sldId id="285" r:id="rId22"/>
+    <p:sldId id="289" r:id="rId23"/>
+    <p:sldId id="291" r:id="rId24"/>
+    <p:sldId id="292" r:id="rId25"/>
+    <p:sldId id="290" r:id="rId26"/>
+    <p:sldId id="268" r:id="rId27"/>
+    <p:sldId id="288" r:id="rId28"/>
+    <p:sldId id="267" r:id="rId29"/>
+    <p:sldId id="260" r:id="rId30"/>
   </p:sldIdLst>
   <p:sldSz cx="12192000" cy="6858000"/>
   <p:notesSz cx="6858000" cy="9144000"/>
@@ -226,7 +225,7 @@
           <a:p>
             <a:fld id="{184BBF33-DD10-46B2-A0A7-44165F3356F0}" type="datetimeFigureOut">
               <a:rPr lang="pt-BR" smtClean="0"/>
-              <a:t>11/01/2019</a:t>
+              <a:t>12/01/2019</a:t>
             </a:fld>
             <a:endParaRPr lang="pt-BR"/>
           </a:p>
@@ -672,7 +671,7 @@
           <a:p>
             <a:fld id="{11612DAF-FD73-4975-A585-30AE5A550125}" type="datetimeFigureOut">
               <a:rPr lang="pt-BR" smtClean="0"/>
-              <a:t>11/01/2019</a:t>
+              <a:t>12/01/2019</a:t>
             </a:fld>
             <a:endParaRPr lang="pt-BR"/>
           </a:p>
@@ -852,7 +851,7 @@
           <a:p>
             <a:fld id="{11612DAF-FD73-4975-A585-30AE5A550125}" type="datetimeFigureOut">
               <a:rPr lang="pt-BR" smtClean="0"/>
-              <a:t>11/01/2019</a:t>
+              <a:t>12/01/2019</a:t>
             </a:fld>
             <a:endParaRPr lang="pt-BR"/>
           </a:p>
@@ -1042,7 +1041,7 @@
           <a:p>
             <a:fld id="{11612DAF-FD73-4975-A585-30AE5A550125}" type="datetimeFigureOut">
               <a:rPr lang="pt-BR" smtClean="0"/>
-              <a:t>11/01/2019</a:t>
+              <a:t>12/01/2019</a:t>
             </a:fld>
             <a:endParaRPr lang="pt-BR"/>
           </a:p>
@@ -1222,7 +1221,7 @@
           <a:p>
             <a:fld id="{11612DAF-FD73-4975-A585-30AE5A550125}" type="datetimeFigureOut">
               <a:rPr lang="pt-BR" smtClean="0"/>
-              <a:t>11/01/2019</a:t>
+              <a:t>12/01/2019</a:t>
             </a:fld>
             <a:endParaRPr lang="pt-BR"/>
           </a:p>
@@ -1479,7 +1478,7 @@
           <a:p>
             <a:fld id="{11612DAF-FD73-4975-A585-30AE5A550125}" type="datetimeFigureOut">
               <a:rPr lang="pt-BR" smtClean="0"/>
-              <a:t>11/01/2019</a:t>
+              <a:t>12/01/2019</a:t>
             </a:fld>
             <a:endParaRPr lang="pt-BR"/>
           </a:p>
@@ -1776,7 +1775,7 @@
           <a:p>
             <a:fld id="{11612DAF-FD73-4975-A585-30AE5A550125}" type="datetimeFigureOut">
               <a:rPr lang="pt-BR" smtClean="0"/>
-              <a:t>11/01/2019</a:t>
+              <a:t>12/01/2019</a:t>
             </a:fld>
             <a:endParaRPr lang="pt-BR"/>
           </a:p>
@@ -2212,7 +2211,7 @@
           <a:p>
             <a:fld id="{11612DAF-FD73-4975-A585-30AE5A550125}" type="datetimeFigureOut">
               <a:rPr lang="pt-BR" smtClean="0"/>
-              <a:t>11/01/2019</a:t>
+              <a:t>12/01/2019</a:t>
             </a:fld>
             <a:endParaRPr lang="pt-BR"/>
           </a:p>
@@ -2341,7 +2340,7 @@
           <a:p>
             <a:fld id="{11612DAF-FD73-4975-A585-30AE5A550125}" type="datetimeFigureOut">
               <a:rPr lang="pt-BR" smtClean="0"/>
-              <a:t>11/01/2019</a:t>
+              <a:t>12/01/2019</a:t>
             </a:fld>
             <a:endParaRPr lang="pt-BR"/>
           </a:p>
@@ -2448,7 +2447,7 @@
           <a:p>
             <a:fld id="{11612DAF-FD73-4975-A585-30AE5A550125}" type="datetimeFigureOut">
               <a:rPr lang="pt-BR" smtClean="0"/>
-              <a:t>11/01/2019</a:t>
+              <a:t>12/01/2019</a:t>
             </a:fld>
             <a:endParaRPr lang="pt-BR"/>
           </a:p>
@@ -2735,7 +2734,7 @@
           <a:p>
             <a:fld id="{11612DAF-FD73-4975-A585-30AE5A550125}" type="datetimeFigureOut">
               <a:rPr lang="pt-BR" smtClean="0"/>
-              <a:t>11/01/2019</a:t>
+              <a:t>12/01/2019</a:t>
             </a:fld>
             <a:endParaRPr lang="pt-BR"/>
           </a:p>
@@ -3002,7 +3001,7 @@
           <a:p>
             <a:fld id="{11612DAF-FD73-4975-A585-30AE5A550125}" type="datetimeFigureOut">
               <a:rPr lang="pt-BR" smtClean="0"/>
-              <a:t>11/01/2019</a:t>
+              <a:t>12/01/2019</a:t>
             </a:fld>
             <a:endParaRPr lang="pt-BR"/>
           </a:p>
@@ -3225,7 +3224,7 @@
           <a:p>
             <a:fld id="{11612DAF-FD73-4975-A585-30AE5A550125}" type="datetimeFigureOut">
               <a:rPr lang="pt-BR" smtClean="0"/>
-              <a:t>11/01/2019</a:t>
+              <a:t>12/01/2019</a:t>
             </a:fld>
             <a:endParaRPr lang="pt-BR"/>
           </a:p>
@@ -5150,28 +5149,21 @@
       </p:sp>
       <p:pic>
         <p:nvPicPr>
-          <p:cNvPr id="11" name="Imagem 10" descr="Recorte de Tela"/>
+          <p:cNvPr id="4" name="Imagem 3"/>
           <p:cNvPicPr>
             <a:picLocks noChangeAspect="1"/>
           </p:cNvPicPr>
           <p:nvPr/>
         </p:nvPicPr>
-        <p:blipFill>
-          <a:blip r:embed="rId2">
-            <a:extLst>
-              <a:ext uri="{28A0092B-C50C-407E-A947-70E740481C1C}">
-                <a14:useLocalDpi xmlns:a14="http://schemas.microsoft.com/office/drawing/2010/main" val="0"/>
-              </a:ext>
-            </a:extLst>
-          </a:blip>
-          <a:stretch>
-            <a:fillRect/>
-          </a:stretch>
+        <p:blipFill rotWithShape="1">
+          <a:blip r:embed="rId2"/>
+          <a:srcRect l="12808" t="28404" r="35154" b="41502"/>
+          <a:stretch/>
         </p:blipFill>
         <p:spPr>
           <a:xfrm>
-            <a:off x="-4765" y="1560891"/>
-            <a:ext cx="12044359" cy="4417877"/>
+            <a:off x="196947" y="1560892"/>
+            <a:ext cx="11823839" cy="3644154"/>
           </a:xfrm>
           <a:prstGeom prst="rect">
             <a:avLst/>
@@ -5181,7 +5173,7 @@
     </p:spTree>
     <p:extLst>
       <p:ext uri="{BB962C8B-B14F-4D97-AF65-F5344CB8AC3E}">
-        <p14:creationId xmlns:p14="http://schemas.microsoft.com/office/powerpoint/2010/main" val="1375453654"/>
+        <p14:creationId xmlns:p14="http://schemas.microsoft.com/office/powerpoint/2010/main" val="3136806695"/>
       </p:ext>
     </p:extLst>
   </p:cSld>
@@ -5340,21 +5332,28 @@
       </p:sp>
       <p:pic>
         <p:nvPicPr>
-          <p:cNvPr id="4" name="Imagem 3"/>
+          <p:cNvPr id="5" name="Imagem 4" descr="Recorte de Tela"/>
           <p:cNvPicPr>
             <a:picLocks noChangeAspect="1"/>
           </p:cNvPicPr>
           <p:nvPr/>
         </p:nvPicPr>
-        <p:blipFill rotWithShape="1">
-          <a:blip r:embed="rId2"/>
-          <a:srcRect l="12808" t="28404" r="35154" b="41502"/>
-          <a:stretch/>
+        <p:blipFill>
+          <a:blip r:embed="rId2">
+            <a:extLst>
+              <a:ext uri="{28A0092B-C50C-407E-A947-70E740481C1C}">
+                <a14:useLocalDpi xmlns:a14="http://schemas.microsoft.com/office/drawing/2010/main" val="0"/>
+              </a:ext>
+            </a:extLst>
+          </a:blip>
+          <a:stretch>
+            <a:fillRect/>
+          </a:stretch>
         </p:blipFill>
         <p:spPr>
           <a:xfrm>
-            <a:off x="196947" y="1560892"/>
-            <a:ext cx="11823839" cy="3644154"/>
+            <a:off x="115506" y="1560891"/>
+            <a:ext cx="11870168" cy="5284777"/>
           </a:xfrm>
           <a:prstGeom prst="rect">
             <a:avLst/>
@@ -5364,7 +5363,7 @@
     </p:spTree>
     <p:extLst>
       <p:ext uri="{BB962C8B-B14F-4D97-AF65-F5344CB8AC3E}">
-        <p14:creationId xmlns:p14="http://schemas.microsoft.com/office/powerpoint/2010/main" val="3136806695"/>
+        <p14:creationId xmlns:p14="http://schemas.microsoft.com/office/powerpoint/2010/main" val="3605180905"/>
       </p:ext>
     </p:extLst>
   </p:cSld>
@@ -5543,8 +5542,8 @@
         </p:blipFill>
         <p:spPr>
           <a:xfrm>
-            <a:off x="115506" y="1560891"/>
-            <a:ext cx="11870168" cy="5284777"/>
+            <a:off x="192110" y="1837326"/>
+            <a:ext cx="11798253" cy="4258728"/>
           </a:xfrm>
           <a:prstGeom prst="rect">
             <a:avLst/>
@@ -5554,7 +5553,7 @@
     </p:spTree>
     <p:extLst>
       <p:ext uri="{BB962C8B-B14F-4D97-AF65-F5344CB8AC3E}">
-        <p14:creationId xmlns:p14="http://schemas.microsoft.com/office/powerpoint/2010/main" val="3605180905"/>
+        <p14:creationId xmlns:p14="http://schemas.microsoft.com/office/powerpoint/2010/main" val="3097573017"/>
       </p:ext>
     </p:extLst>
   </p:cSld>
@@ -5733,8 +5732,8 @@
         </p:blipFill>
         <p:spPr>
           <a:xfrm>
-            <a:off x="192110" y="1837326"/>
-            <a:ext cx="11798253" cy="4258728"/>
+            <a:off x="191599" y="1560891"/>
+            <a:ext cx="10640523" cy="5278805"/>
           </a:xfrm>
           <a:prstGeom prst="rect">
             <a:avLst/>
@@ -5744,7 +5743,7 @@
     </p:spTree>
     <p:extLst>
       <p:ext uri="{BB962C8B-B14F-4D97-AF65-F5344CB8AC3E}">
-        <p14:creationId xmlns:p14="http://schemas.microsoft.com/office/powerpoint/2010/main" val="3097573017"/>
+        <p14:creationId xmlns:p14="http://schemas.microsoft.com/office/powerpoint/2010/main" val="3612310956"/>
       </p:ext>
     </p:extLst>
   </p:cSld>
@@ -5923,8 +5922,8 @@
         </p:blipFill>
         <p:spPr>
           <a:xfrm>
-            <a:off x="191599" y="1560891"/>
-            <a:ext cx="10640523" cy="5278805"/>
+            <a:off x="406232" y="1703964"/>
+            <a:ext cx="11952584" cy="4710904"/>
           </a:xfrm>
           <a:prstGeom prst="rect">
             <a:avLst/>
@@ -5934,7 +5933,7 @@
     </p:spTree>
     <p:extLst>
       <p:ext uri="{BB962C8B-B14F-4D97-AF65-F5344CB8AC3E}">
-        <p14:creationId xmlns:p14="http://schemas.microsoft.com/office/powerpoint/2010/main" val="3612310956"/>
+        <p14:creationId xmlns:p14="http://schemas.microsoft.com/office/powerpoint/2010/main" val="3593514780"/>
       </p:ext>
     </p:extLst>
   </p:cSld>
@@ -6113,8 +6112,8 @@
         </p:blipFill>
         <p:spPr>
           <a:xfrm>
-            <a:off x="406232" y="1703964"/>
-            <a:ext cx="11952584" cy="4710904"/>
+            <a:off x="226052" y="1677918"/>
+            <a:ext cx="8538120" cy="5376276"/>
           </a:xfrm>
           <a:prstGeom prst="rect">
             <a:avLst/>
@@ -6124,7 +6123,7 @@
     </p:spTree>
     <p:extLst>
       <p:ext uri="{BB962C8B-B14F-4D97-AF65-F5344CB8AC3E}">
-        <p14:creationId xmlns:p14="http://schemas.microsoft.com/office/powerpoint/2010/main" val="3593514780"/>
+        <p14:creationId xmlns:p14="http://schemas.microsoft.com/office/powerpoint/2010/main" val="299395696"/>
       </p:ext>
     </p:extLst>
   </p:cSld>
@@ -6266,7 +6265,7 @@
                 <a:latin typeface="Arial" panose="020B0604020202020204" pitchFamily="34" charset="0"/>
                 <a:cs typeface="Arial" panose="020B0604020202020204" pitchFamily="34" charset="0"/>
               </a:rPr>
-              <a:t>Mensagem de Erro</a:t>
+              <a:t>Agilidade</a:t>
             </a:r>
             <a:r>
               <a:rPr lang="pt-BR" sz="8000" dirty="0">
@@ -6281,40 +6280,618 @@
           </a:p>
         </p:txBody>
       </p:sp>
-      <p:pic>
-        <p:nvPicPr>
-          <p:cNvPr id="5" name="Imagem 4" descr="Recorte de Tela"/>
-          <p:cNvPicPr>
-            <a:picLocks noChangeAspect="1"/>
-          </p:cNvPicPr>
+      <p:sp>
+        <p:nvSpPr>
+          <p:cNvPr id="4" name="Retângulo 3"/>
+          <p:cNvSpPr/>
           <p:nvPr/>
-        </p:nvPicPr>
-        <p:blipFill>
-          <a:blip r:embed="rId2">
-            <a:extLst>
-              <a:ext uri="{28A0092B-C50C-407E-A947-70E740481C1C}">
-                <a14:useLocalDpi xmlns:a14="http://schemas.microsoft.com/office/drawing/2010/main" val="0"/>
-              </a:ext>
-            </a:extLst>
-          </a:blip>
-          <a:stretch>
-            <a:fillRect/>
-          </a:stretch>
-        </p:blipFill>
+        </p:nvSpPr>
         <p:spPr>
           <a:xfrm>
-            <a:off x="226052" y="1677918"/>
-            <a:ext cx="8538120" cy="5376276"/>
+            <a:off x="431409" y="1560892"/>
+            <a:ext cx="11146302" cy="4801314"/>
           </a:xfrm>
           <a:prstGeom prst="rect">
             <a:avLst/>
           </a:prstGeom>
         </p:spPr>
-      </p:pic>
+        <p:txBody>
+          <a:bodyPr wrap="square">
+            <a:spAutoFit/>
+          </a:bodyPr>
+          <a:lstStyle/>
+          <a:p>
+            <a:pPr indent="-283464" defTabSz="1218804" fontAlgn="auto">
+              <a:spcBef>
+                <a:spcPct val="0"/>
+              </a:spcBef>
+              <a:spcAft>
+                <a:spcPts val="0"/>
+              </a:spcAft>
+              <a:buFont typeface="Arial" pitchFamily="34" charset="0"/>
+              <a:buChar char="•"/>
+              <a:defRPr/>
+            </a:pPr>
+            <a:r>
+              <a:rPr lang="pt-BR" dirty="0">
+                <a:solidFill>
+                  <a:srgbClr val="255EA9"/>
+                </a:solidFill>
+                <a:latin typeface="Arial" panose="020B0604020202020204" pitchFamily="34" charset="0"/>
+                <a:ea typeface="+mj-ea"/>
+                <a:cs typeface="Arial" panose="020B0604020202020204" pitchFamily="34" charset="0"/>
+              </a:rPr>
+              <a:t>Para que uma célula possa receber algum tipo de dado ou formatação, é necessário que ela seja selecionada previamente, ou seja, que se torne célula ativa; para isso, você deve mover o retângulo de seleção da célula, utilizando um dos muitos métodos disponíveis.</a:t>
+            </a:r>
+          </a:p>
+          <a:p>
+            <a:pPr indent="-283464" defTabSz="1218804" fontAlgn="auto">
+              <a:spcBef>
+                <a:spcPct val="0"/>
+              </a:spcBef>
+              <a:spcAft>
+                <a:spcPts val="0"/>
+              </a:spcAft>
+              <a:buFont typeface="Arial" pitchFamily="34" charset="0"/>
+              <a:buChar char="•"/>
+              <a:defRPr/>
+            </a:pPr>
+            <a:endParaRPr lang="pt-BR" dirty="0">
+              <a:solidFill>
+                <a:srgbClr val="255EA9"/>
+              </a:solidFill>
+              <a:latin typeface="Arial" panose="020B0604020202020204" pitchFamily="34" charset="0"/>
+              <a:ea typeface="+mj-ea"/>
+              <a:cs typeface="Arial" panose="020B0604020202020204" pitchFamily="34" charset="0"/>
+            </a:endParaRPr>
+          </a:p>
+          <a:p>
+            <a:pPr indent="-283464" defTabSz="1218804" fontAlgn="auto">
+              <a:spcBef>
+                <a:spcPct val="0"/>
+              </a:spcBef>
+              <a:spcAft>
+                <a:spcPts val="0"/>
+              </a:spcAft>
+              <a:buFont typeface="Arial" pitchFamily="34" charset="0"/>
+              <a:buChar char="•"/>
+              <a:defRPr/>
+            </a:pPr>
+            <a:r>
+              <a:rPr lang="pt-BR" b="1" dirty="0">
+                <a:solidFill>
+                  <a:srgbClr val="255EA9"/>
+                </a:solidFill>
+                <a:latin typeface="Arial" panose="020B0604020202020204" pitchFamily="34" charset="0"/>
+                <a:ea typeface="+mj-ea"/>
+                <a:cs typeface="Arial" panose="020B0604020202020204" pitchFamily="34" charset="0"/>
+              </a:rPr>
+              <a:t>As teclas de seta servem pra mover o retângulo para a célula na direção indicada por ela;</a:t>
+            </a:r>
+          </a:p>
+          <a:p>
+            <a:pPr marL="0" lvl="1" indent="-237744" defTabSz="1218804" fontAlgn="auto">
+              <a:spcBef>
+                <a:spcPct val="0"/>
+              </a:spcBef>
+              <a:spcAft>
+                <a:spcPts val="0"/>
+              </a:spcAft>
+              <a:buFont typeface="Arial" pitchFamily="34" charset="0"/>
+              <a:buChar char="–"/>
+              <a:defRPr/>
+            </a:pPr>
+            <a:r>
+              <a:rPr lang="pt-BR" dirty="0">
+                <a:solidFill>
+                  <a:srgbClr val="255EA9"/>
+                </a:solidFill>
+                <a:latin typeface="Arial" panose="020B0604020202020204" pitchFamily="34" charset="0"/>
+                <a:ea typeface="+mj-ea"/>
+                <a:cs typeface="Arial" panose="020B0604020202020204" pitchFamily="34" charset="0"/>
+              </a:rPr>
+              <a:t>Mover uma célula para a direita: </a:t>
+            </a:r>
+            <a:r>
+              <a:rPr lang="pt-BR" dirty="0">
+                <a:solidFill>
+                  <a:srgbClr val="255EA9"/>
+                </a:solidFill>
+                <a:latin typeface="Arial" panose="020B0604020202020204" pitchFamily="34" charset="0"/>
+                <a:ea typeface="+mj-ea"/>
+                <a:cs typeface="Arial" panose="020B0604020202020204" pitchFamily="34" charset="0"/>
+                <a:sym typeface="Wingdings"/>
+              </a:rPr>
+              <a:t></a:t>
+            </a:r>
+            <a:endParaRPr lang="pt-BR" dirty="0">
+              <a:solidFill>
+                <a:srgbClr val="255EA9"/>
+              </a:solidFill>
+              <a:latin typeface="Arial" panose="020B0604020202020204" pitchFamily="34" charset="0"/>
+              <a:ea typeface="+mj-ea"/>
+              <a:cs typeface="Arial" panose="020B0604020202020204" pitchFamily="34" charset="0"/>
+            </a:endParaRPr>
+          </a:p>
+          <a:p>
+            <a:pPr marL="0" lvl="1" indent="-237744" defTabSz="1218804" fontAlgn="auto">
+              <a:spcBef>
+                <a:spcPct val="0"/>
+              </a:spcBef>
+              <a:spcAft>
+                <a:spcPts val="0"/>
+              </a:spcAft>
+              <a:buFont typeface="Arial" pitchFamily="34" charset="0"/>
+              <a:buChar char="–"/>
+              <a:defRPr/>
+            </a:pPr>
+            <a:r>
+              <a:rPr lang="pt-BR" dirty="0">
+                <a:solidFill>
+                  <a:srgbClr val="255EA9"/>
+                </a:solidFill>
+                <a:latin typeface="Arial" panose="020B0604020202020204" pitchFamily="34" charset="0"/>
+                <a:ea typeface="+mj-ea"/>
+                <a:cs typeface="Arial" panose="020B0604020202020204" pitchFamily="34" charset="0"/>
+              </a:rPr>
+              <a:t>Mover uma célula para a esquerda: </a:t>
+            </a:r>
+            <a:r>
+              <a:rPr lang="pt-BR" dirty="0">
+                <a:solidFill>
+                  <a:srgbClr val="255EA9"/>
+                </a:solidFill>
+                <a:latin typeface="Arial" panose="020B0604020202020204" pitchFamily="34" charset="0"/>
+                <a:ea typeface="+mj-ea"/>
+                <a:cs typeface="Arial" panose="020B0604020202020204" pitchFamily="34" charset="0"/>
+                <a:sym typeface="Wingdings"/>
+              </a:rPr>
+              <a:t></a:t>
+            </a:r>
+            <a:endParaRPr lang="pt-BR" dirty="0">
+              <a:solidFill>
+                <a:srgbClr val="255EA9"/>
+              </a:solidFill>
+              <a:latin typeface="Arial" panose="020B0604020202020204" pitchFamily="34" charset="0"/>
+              <a:ea typeface="+mj-ea"/>
+              <a:cs typeface="Arial" panose="020B0604020202020204" pitchFamily="34" charset="0"/>
+            </a:endParaRPr>
+          </a:p>
+          <a:p>
+            <a:pPr marL="0" lvl="1" indent="-237744" defTabSz="1218804" fontAlgn="auto">
+              <a:spcBef>
+                <a:spcPct val="0"/>
+              </a:spcBef>
+              <a:spcAft>
+                <a:spcPts val="0"/>
+              </a:spcAft>
+              <a:buFont typeface="Arial" pitchFamily="34" charset="0"/>
+              <a:buChar char="–"/>
+              <a:defRPr/>
+            </a:pPr>
+            <a:r>
+              <a:rPr lang="pt-BR" dirty="0">
+                <a:solidFill>
+                  <a:srgbClr val="255EA9"/>
+                </a:solidFill>
+                <a:latin typeface="Arial" panose="020B0604020202020204" pitchFamily="34" charset="0"/>
+                <a:ea typeface="+mj-ea"/>
+                <a:cs typeface="Arial" panose="020B0604020202020204" pitchFamily="34" charset="0"/>
+              </a:rPr>
+              <a:t>Mover uma célula para cima:  </a:t>
+            </a:r>
+            <a:r>
+              <a:rPr lang="pt-BR" dirty="0">
+                <a:solidFill>
+                  <a:srgbClr val="255EA9"/>
+                </a:solidFill>
+                <a:latin typeface="Arial" panose="020B0604020202020204" pitchFamily="34" charset="0"/>
+                <a:ea typeface="+mj-ea"/>
+                <a:cs typeface="Arial" panose="020B0604020202020204" pitchFamily="34" charset="0"/>
+                <a:sym typeface="Wingdings"/>
+              </a:rPr>
+              <a:t></a:t>
+            </a:r>
+            <a:endParaRPr lang="pt-BR" dirty="0">
+              <a:solidFill>
+                <a:srgbClr val="255EA9"/>
+              </a:solidFill>
+              <a:latin typeface="Arial" panose="020B0604020202020204" pitchFamily="34" charset="0"/>
+              <a:ea typeface="+mj-ea"/>
+              <a:cs typeface="Arial" panose="020B0604020202020204" pitchFamily="34" charset="0"/>
+            </a:endParaRPr>
+          </a:p>
+          <a:p>
+            <a:pPr marL="0" lvl="1" indent="-237744" defTabSz="1218804" fontAlgn="auto">
+              <a:spcBef>
+                <a:spcPct val="0"/>
+              </a:spcBef>
+              <a:spcAft>
+                <a:spcPts val="0"/>
+              </a:spcAft>
+              <a:buFont typeface="Arial" pitchFamily="34" charset="0"/>
+              <a:buChar char="–"/>
+              <a:defRPr/>
+            </a:pPr>
+            <a:r>
+              <a:rPr lang="pt-BR" dirty="0">
+                <a:solidFill>
+                  <a:srgbClr val="255EA9"/>
+                </a:solidFill>
+                <a:latin typeface="Arial" panose="020B0604020202020204" pitchFamily="34" charset="0"/>
+                <a:ea typeface="+mj-ea"/>
+                <a:cs typeface="Arial" panose="020B0604020202020204" pitchFamily="34" charset="0"/>
+              </a:rPr>
+              <a:t>Mover uma célula para a baixo: </a:t>
+            </a:r>
+            <a:r>
+              <a:rPr lang="pt-BR" dirty="0">
+                <a:solidFill>
+                  <a:srgbClr val="255EA9"/>
+                </a:solidFill>
+                <a:latin typeface="Arial" panose="020B0604020202020204" pitchFamily="34" charset="0"/>
+                <a:ea typeface="+mj-ea"/>
+                <a:cs typeface="Arial" panose="020B0604020202020204" pitchFamily="34" charset="0"/>
+                <a:sym typeface="Wingdings"/>
+              </a:rPr>
+              <a:t></a:t>
+            </a:r>
+          </a:p>
+          <a:p>
+            <a:pPr marL="0" lvl="1" indent="-237744" defTabSz="1218804" fontAlgn="auto">
+              <a:spcBef>
+                <a:spcPct val="0"/>
+              </a:spcBef>
+              <a:spcAft>
+                <a:spcPts val="0"/>
+              </a:spcAft>
+              <a:buFont typeface="Arial" pitchFamily="34" charset="0"/>
+              <a:buChar char="–"/>
+              <a:defRPr/>
+            </a:pPr>
+            <a:endParaRPr lang="pt-BR" dirty="0">
+              <a:solidFill>
+                <a:srgbClr val="255EA9"/>
+              </a:solidFill>
+              <a:latin typeface="Arial" panose="020B0604020202020204" pitchFamily="34" charset="0"/>
+              <a:ea typeface="+mj-ea"/>
+              <a:cs typeface="Arial" panose="020B0604020202020204" pitchFamily="34" charset="0"/>
+            </a:endParaRPr>
+          </a:p>
+          <a:p>
+            <a:pPr indent="-283464" defTabSz="1218804" fontAlgn="auto">
+              <a:spcBef>
+                <a:spcPct val="0"/>
+              </a:spcBef>
+              <a:spcAft>
+                <a:spcPts val="0"/>
+              </a:spcAft>
+              <a:buFont typeface="Arial" pitchFamily="34" charset="0"/>
+              <a:buChar char="•"/>
+              <a:defRPr/>
+            </a:pPr>
+            <a:r>
+              <a:rPr lang="pt-BR" b="1" dirty="0">
+                <a:solidFill>
+                  <a:srgbClr val="255EA9"/>
+                </a:solidFill>
+                <a:latin typeface="Arial" panose="020B0604020202020204" pitchFamily="34" charset="0"/>
+                <a:ea typeface="+mj-ea"/>
+                <a:cs typeface="Arial" panose="020B0604020202020204" pitchFamily="34" charset="0"/>
+              </a:rPr>
+              <a:t> As teclas de seta em combinações com outras teclas servem para acelerar a movimentação;</a:t>
+            </a:r>
+          </a:p>
+          <a:p>
+            <a:pPr marL="0" lvl="1" indent="-237744" defTabSz="1218804" fontAlgn="auto">
+              <a:spcBef>
+                <a:spcPct val="0"/>
+              </a:spcBef>
+              <a:spcAft>
+                <a:spcPts val="0"/>
+              </a:spcAft>
+              <a:buFont typeface="Arial" pitchFamily="34" charset="0"/>
+              <a:buChar char="–"/>
+              <a:defRPr/>
+            </a:pPr>
+            <a:r>
+              <a:rPr lang="pt-BR" dirty="0">
+                <a:solidFill>
+                  <a:srgbClr val="255EA9"/>
+                </a:solidFill>
+                <a:latin typeface="Arial" panose="020B0604020202020204" pitchFamily="34" charset="0"/>
+                <a:ea typeface="+mj-ea"/>
+                <a:cs typeface="Arial" panose="020B0604020202020204" pitchFamily="34" charset="0"/>
+              </a:rPr>
+              <a:t>Última coluna da linha atual:  </a:t>
+            </a:r>
+            <a:r>
+              <a:rPr lang="pt-BR" dirty="0" err="1">
+                <a:solidFill>
+                  <a:srgbClr val="255EA9"/>
+                </a:solidFill>
+                <a:latin typeface="Arial" panose="020B0604020202020204" pitchFamily="34" charset="0"/>
+                <a:ea typeface="+mj-ea"/>
+                <a:cs typeface="Arial" panose="020B0604020202020204" pitchFamily="34" charset="0"/>
+              </a:rPr>
+              <a:t>CTRL</a:t>
+            </a:r>
+            <a:r>
+              <a:rPr lang="pt-BR" dirty="0">
+                <a:solidFill>
+                  <a:srgbClr val="255EA9"/>
+                </a:solidFill>
+                <a:latin typeface="Arial" panose="020B0604020202020204" pitchFamily="34" charset="0"/>
+                <a:ea typeface="+mj-ea"/>
+                <a:cs typeface="Arial" panose="020B0604020202020204" pitchFamily="34" charset="0"/>
+              </a:rPr>
+              <a:t> +</a:t>
+            </a:r>
+            <a:r>
+              <a:rPr lang="pt-BR" dirty="0">
+                <a:solidFill>
+                  <a:srgbClr val="255EA9"/>
+                </a:solidFill>
+                <a:latin typeface="Arial" panose="020B0604020202020204" pitchFamily="34" charset="0"/>
+                <a:ea typeface="+mj-ea"/>
+                <a:cs typeface="Arial" panose="020B0604020202020204" pitchFamily="34" charset="0"/>
+                <a:sym typeface="Wingdings"/>
+              </a:rPr>
+              <a:t></a:t>
+            </a:r>
+            <a:r>
+              <a:rPr lang="pt-BR" dirty="0">
+                <a:solidFill>
+                  <a:srgbClr val="255EA9"/>
+                </a:solidFill>
+                <a:latin typeface="Arial" panose="020B0604020202020204" pitchFamily="34" charset="0"/>
+                <a:ea typeface="+mj-ea"/>
+                <a:cs typeface="Arial" panose="020B0604020202020204" pitchFamily="34" charset="0"/>
+              </a:rPr>
+              <a:t> </a:t>
+            </a:r>
+          </a:p>
+          <a:p>
+            <a:pPr marL="0" lvl="1" indent="-237744" defTabSz="1218804" fontAlgn="auto">
+              <a:spcBef>
+                <a:spcPct val="0"/>
+              </a:spcBef>
+              <a:spcAft>
+                <a:spcPts val="0"/>
+              </a:spcAft>
+              <a:buFont typeface="Arial" pitchFamily="34" charset="0"/>
+              <a:buChar char="–"/>
+              <a:defRPr/>
+            </a:pPr>
+            <a:r>
+              <a:rPr lang="pt-BR" dirty="0">
+                <a:solidFill>
+                  <a:srgbClr val="255EA9"/>
+                </a:solidFill>
+                <a:latin typeface="Arial" panose="020B0604020202020204" pitchFamily="34" charset="0"/>
+                <a:ea typeface="+mj-ea"/>
+                <a:cs typeface="Arial" panose="020B0604020202020204" pitchFamily="34" charset="0"/>
+              </a:rPr>
+              <a:t>Primeira coluna da linha atual: </a:t>
+            </a:r>
+            <a:r>
+              <a:rPr lang="pt-BR" dirty="0" err="1">
+                <a:solidFill>
+                  <a:srgbClr val="255EA9"/>
+                </a:solidFill>
+                <a:latin typeface="Arial" panose="020B0604020202020204" pitchFamily="34" charset="0"/>
+                <a:ea typeface="+mj-ea"/>
+                <a:cs typeface="Arial" panose="020B0604020202020204" pitchFamily="34" charset="0"/>
+              </a:rPr>
+              <a:t>CTRL</a:t>
+            </a:r>
+            <a:r>
+              <a:rPr lang="pt-BR" dirty="0">
+                <a:solidFill>
+                  <a:srgbClr val="255EA9"/>
+                </a:solidFill>
+                <a:latin typeface="Arial" panose="020B0604020202020204" pitchFamily="34" charset="0"/>
+                <a:ea typeface="+mj-ea"/>
+                <a:cs typeface="Arial" panose="020B0604020202020204" pitchFamily="34" charset="0"/>
+              </a:rPr>
+              <a:t> +</a:t>
+            </a:r>
+            <a:r>
+              <a:rPr lang="pt-BR" dirty="0">
+                <a:solidFill>
+                  <a:srgbClr val="255EA9"/>
+                </a:solidFill>
+                <a:latin typeface="Arial" panose="020B0604020202020204" pitchFamily="34" charset="0"/>
+                <a:ea typeface="+mj-ea"/>
+                <a:cs typeface="Arial" panose="020B0604020202020204" pitchFamily="34" charset="0"/>
+                <a:sym typeface="Wingdings"/>
+              </a:rPr>
+              <a:t></a:t>
+            </a:r>
+            <a:endParaRPr lang="pt-BR" dirty="0">
+              <a:solidFill>
+                <a:srgbClr val="255EA9"/>
+              </a:solidFill>
+              <a:latin typeface="Arial" panose="020B0604020202020204" pitchFamily="34" charset="0"/>
+              <a:ea typeface="+mj-ea"/>
+              <a:cs typeface="Arial" panose="020B0604020202020204" pitchFamily="34" charset="0"/>
+            </a:endParaRPr>
+          </a:p>
+          <a:p>
+            <a:pPr marL="0" lvl="1" indent="-237744" defTabSz="1218804" fontAlgn="auto">
+              <a:spcBef>
+                <a:spcPct val="0"/>
+              </a:spcBef>
+              <a:spcAft>
+                <a:spcPts val="0"/>
+              </a:spcAft>
+              <a:buFont typeface="Arial" pitchFamily="34" charset="0"/>
+              <a:buChar char="–"/>
+              <a:defRPr/>
+            </a:pPr>
+            <a:r>
+              <a:rPr lang="pt-BR" dirty="0">
+                <a:solidFill>
+                  <a:srgbClr val="255EA9"/>
+                </a:solidFill>
+                <a:latin typeface="Arial" panose="020B0604020202020204" pitchFamily="34" charset="0"/>
+                <a:ea typeface="+mj-ea"/>
+                <a:cs typeface="Arial" panose="020B0604020202020204" pitchFamily="34" charset="0"/>
+              </a:rPr>
+              <a:t>Última linha com dados da coluna atual: </a:t>
+            </a:r>
+            <a:r>
+              <a:rPr lang="pt-BR" dirty="0" err="1">
+                <a:solidFill>
+                  <a:srgbClr val="255EA9"/>
+                </a:solidFill>
+                <a:latin typeface="Arial" panose="020B0604020202020204" pitchFamily="34" charset="0"/>
+                <a:ea typeface="+mj-ea"/>
+                <a:cs typeface="Arial" panose="020B0604020202020204" pitchFamily="34" charset="0"/>
+              </a:rPr>
+              <a:t>CTRL</a:t>
+            </a:r>
+            <a:r>
+              <a:rPr lang="pt-BR" dirty="0">
+                <a:solidFill>
+                  <a:srgbClr val="255EA9"/>
+                </a:solidFill>
+                <a:latin typeface="Arial" panose="020B0604020202020204" pitchFamily="34" charset="0"/>
+                <a:ea typeface="+mj-ea"/>
+                <a:cs typeface="Arial" panose="020B0604020202020204" pitchFamily="34" charset="0"/>
+              </a:rPr>
+              <a:t> +</a:t>
+            </a:r>
+            <a:r>
+              <a:rPr lang="pt-BR" dirty="0">
+                <a:solidFill>
+                  <a:srgbClr val="255EA9"/>
+                </a:solidFill>
+                <a:latin typeface="Arial" panose="020B0604020202020204" pitchFamily="34" charset="0"/>
+                <a:ea typeface="+mj-ea"/>
+                <a:cs typeface="Arial" panose="020B0604020202020204" pitchFamily="34" charset="0"/>
+                <a:sym typeface="Wingdings"/>
+              </a:rPr>
+              <a:t></a:t>
+            </a:r>
+            <a:endParaRPr lang="pt-BR" dirty="0">
+              <a:solidFill>
+                <a:srgbClr val="255EA9"/>
+              </a:solidFill>
+              <a:latin typeface="Arial" panose="020B0604020202020204" pitchFamily="34" charset="0"/>
+              <a:ea typeface="+mj-ea"/>
+              <a:cs typeface="Arial" panose="020B0604020202020204" pitchFamily="34" charset="0"/>
+            </a:endParaRPr>
+          </a:p>
+          <a:p>
+            <a:pPr marL="0" lvl="1" indent="-237744" defTabSz="1218804" fontAlgn="auto">
+              <a:spcBef>
+                <a:spcPct val="0"/>
+              </a:spcBef>
+              <a:spcAft>
+                <a:spcPts val="0"/>
+              </a:spcAft>
+              <a:buFont typeface="Arial" pitchFamily="34" charset="0"/>
+              <a:buChar char="–"/>
+              <a:defRPr/>
+            </a:pPr>
+            <a:r>
+              <a:rPr lang="pt-BR" dirty="0">
+                <a:solidFill>
+                  <a:srgbClr val="255EA9"/>
+                </a:solidFill>
+                <a:latin typeface="Arial" panose="020B0604020202020204" pitchFamily="34" charset="0"/>
+                <a:ea typeface="+mj-ea"/>
+                <a:cs typeface="Arial" panose="020B0604020202020204" pitchFamily="34" charset="0"/>
+              </a:rPr>
+              <a:t>Primeira linda com dados da coluna atual: </a:t>
+            </a:r>
+            <a:r>
+              <a:rPr lang="pt-BR" dirty="0" err="1">
+                <a:solidFill>
+                  <a:srgbClr val="255EA9"/>
+                </a:solidFill>
+                <a:latin typeface="Arial" panose="020B0604020202020204" pitchFamily="34" charset="0"/>
+                <a:ea typeface="+mj-ea"/>
+                <a:cs typeface="Arial" panose="020B0604020202020204" pitchFamily="34" charset="0"/>
+              </a:rPr>
+              <a:t>CTRL</a:t>
+            </a:r>
+            <a:r>
+              <a:rPr lang="pt-BR" dirty="0">
+                <a:solidFill>
+                  <a:srgbClr val="255EA9"/>
+                </a:solidFill>
+                <a:latin typeface="Arial" panose="020B0604020202020204" pitchFamily="34" charset="0"/>
+                <a:ea typeface="+mj-ea"/>
+                <a:cs typeface="Arial" panose="020B0604020202020204" pitchFamily="34" charset="0"/>
+              </a:rPr>
+              <a:t> +</a:t>
+            </a:r>
+            <a:r>
+              <a:rPr lang="pt-BR" dirty="0">
+                <a:solidFill>
+                  <a:srgbClr val="255EA9"/>
+                </a:solidFill>
+                <a:latin typeface="Arial" panose="020B0604020202020204" pitchFamily="34" charset="0"/>
+                <a:ea typeface="+mj-ea"/>
+                <a:cs typeface="Arial" panose="020B0604020202020204" pitchFamily="34" charset="0"/>
+                <a:sym typeface="Wingdings"/>
+              </a:rPr>
+              <a:t></a:t>
+            </a:r>
+          </a:p>
+          <a:p>
+            <a:pPr marL="0" lvl="1" indent="-237744" defTabSz="1218804" fontAlgn="auto">
+              <a:spcBef>
+                <a:spcPct val="0"/>
+              </a:spcBef>
+              <a:spcAft>
+                <a:spcPts val="0"/>
+              </a:spcAft>
+              <a:buFont typeface="Arial" pitchFamily="34" charset="0"/>
+              <a:buChar char="–"/>
+              <a:defRPr/>
+            </a:pPr>
+            <a:endParaRPr lang="pt-BR" dirty="0">
+              <a:solidFill>
+                <a:srgbClr val="255EA9"/>
+              </a:solidFill>
+              <a:latin typeface="Arial" panose="020B0604020202020204" pitchFamily="34" charset="0"/>
+              <a:ea typeface="+mj-ea"/>
+              <a:cs typeface="Arial" panose="020B0604020202020204" pitchFamily="34" charset="0"/>
+            </a:endParaRPr>
+          </a:p>
+          <a:p>
+            <a:pPr indent="-283464" defTabSz="1218804" fontAlgn="auto">
+              <a:spcBef>
+                <a:spcPct val="0"/>
+              </a:spcBef>
+              <a:spcAft>
+                <a:spcPts val="0"/>
+              </a:spcAft>
+              <a:buFont typeface="Arial" pitchFamily="34" charset="0"/>
+              <a:buChar char="•"/>
+              <a:defRPr/>
+            </a:pPr>
+            <a:r>
+              <a:rPr lang="pt-BR" dirty="0">
+                <a:solidFill>
+                  <a:srgbClr val="255EA9"/>
+                </a:solidFill>
+                <a:latin typeface="Arial" panose="020B0604020202020204" pitchFamily="34" charset="0"/>
+                <a:ea typeface="+mj-ea"/>
+                <a:cs typeface="Arial" panose="020B0604020202020204" pitchFamily="34" charset="0"/>
+              </a:rPr>
+              <a:t>Observações: Use o mouse para selecionar uma célula específica.</a:t>
+            </a:r>
+          </a:p>
+        </p:txBody>
+      </p:sp>
     </p:spTree>
     <p:extLst>
       <p:ext uri="{BB962C8B-B14F-4D97-AF65-F5344CB8AC3E}">
-        <p14:creationId xmlns:p14="http://schemas.microsoft.com/office/powerpoint/2010/main" val="299395696"/>
+        <p14:creationId xmlns:p14="http://schemas.microsoft.com/office/powerpoint/2010/main" val="2523899801"/>
       </p:ext>
     </p:extLst>
   </p:cSld>
@@ -6805,7 +7382,7 @@
         <p:spPr>
           <a:xfrm>
             <a:off x="431409" y="1560892"/>
-            <a:ext cx="11146302" cy="4801314"/>
+            <a:ext cx="11146302" cy="4708981"/>
           </a:xfrm>
           <a:prstGeom prst="rect">
             <a:avLst/>
@@ -6817,19 +7394,19 @@
           </a:bodyPr>
           <a:lstStyle/>
           <a:p>
-            <a:pPr indent="-283464" defTabSz="1218804" fontAlgn="auto">
+            <a:pPr marL="2286" indent="-285750" defTabSz="1218804" fontAlgn="auto">
               <a:spcBef>
                 <a:spcPct val="0"/>
               </a:spcBef>
               <a:spcAft>
                 <a:spcPts val="0"/>
               </a:spcAft>
-              <a:buFont typeface="Arial" pitchFamily="34" charset="0"/>
-              <a:buChar char="•"/>
+              <a:buFont typeface="Wingdings" panose="05000000000000000000" pitchFamily="2" charset="2"/>
+              <a:buChar char="Ø"/>
               <a:defRPr/>
             </a:pPr>
             <a:r>
-              <a:rPr lang="pt-BR" dirty="0">
+              <a:rPr lang="pt-BR" sz="2000" dirty="0">
                 <a:solidFill>
                   <a:srgbClr val="255EA9"/>
                 </a:solidFill>
@@ -6837,22 +7414,44 @@
                 <a:ea typeface="+mj-ea"/>
                 <a:cs typeface="Arial" panose="020B0604020202020204" pitchFamily="34" charset="0"/>
               </a:rPr>
-              <a:t>Para que uma célula possa receber algum tipo de dado ou formatação, é necessário que ela seja selecionada previamente, ou seja, que se torne célula ativa; para isso, você deve mover o retângulo de seleção da célula, utilizando um dos muitos métodos disponíveis.</a:t>
-            </a:r>
-          </a:p>
-          <a:p>
-            <a:pPr indent="-283464" defTabSz="1218804" fontAlgn="auto">
+              <a:t>Para selecionar toda a planilha: posicionar o cursor na primeira célula da planilha e pressionar </a:t>
+            </a:r>
+            <a:r>
+              <a:rPr lang="pt-BR" sz="2000" dirty="0" err="1">
+                <a:solidFill>
+                  <a:srgbClr val="255EA9"/>
+                </a:solidFill>
+                <a:latin typeface="Arial" panose="020B0604020202020204" pitchFamily="34" charset="0"/>
+                <a:ea typeface="+mj-ea"/>
+                <a:cs typeface="Arial" panose="020B0604020202020204" pitchFamily="34" charset="0"/>
+              </a:rPr>
+              <a:t>Control</a:t>
+            </a:r>
+            <a:r>
+              <a:rPr lang="pt-BR" sz="2000" dirty="0">
+                <a:solidFill>
+                  <a:srgbClr val="255EA9"/>
+                </a:solidFill>
+                <a:latin typeface="Arial" panose="020B0604020202020204" pitchFamily="34" charset="0"/>
+                <a:ea typeface="+mj-ea"/>
+                <a:cs typeface="Arial" panose="020B0604020202020204" pitchFamily="34" charset="0"/>
+              </a:rPr>
+              <a:t> Shift End. </a:t>
+            </a:r>
+          </a:p>
+          <a:p>
+            <a:pPr marL="2286" indent="-285750" defTabSz="1218804" fontAlgn="auto">
               <a:spcBef>
                 <a:spcPct val="0"/>
               </a:spcBef>
               <a:spcAft>
                 <a:spcPts val="0"/>
               </a:spcAft>
-              <a:buFont typeface="Arial" pitchFamily="34" charset="0"/>
-              <a:buChar char="•"/>
+              <a:buFont typeface="Wingdings" panose="05000000000000000000" pitchFamily="2" charset="2"/>
+              <a:buChar char="Ø"/>
               <a:defRPr/>
             </a:pPr>
-            <a:endParaRPr lang="pt-BR" dirty="0">
+            <a:endParaRPr lang="pt-BR" sz="2000" dirty="0">
               <a:solidFill>
                 <a:srgbClr val="255EA9"/>
               </a:solidFill>
@@ -6862,19 +7461,19 @@
             </a:endParaRPr>
           </a:p>
           <a:p>
-            <a:pPr indent="-283464" defTabSz="1218804" fontAlgn="auto">
+            <a:pPr marL="2286" indent="-285750" defTabSz="1218804" fontAlgn="auto">
               <a:spcBef>
                 <a:spcPct val="0"/>
               </a:spcBef>
               <a:spcAft>
                 <a:spcPts val="0"/>
               </a:spcAft>
-              <a:buFont typeface="Arial" pitchFamily="34" charset="0"/>
-              <a:buChar char="•"/>
+              <a:buFont typeface="Wingdings" panose="05000000000000000000" pitchFamily="2" charset="2"/>
+              <a:buChar char="Ø"/>
               <a:defRPr/>
             </a:pPr>
             <a:r>
-              <a:rPr lang="pt-BR" b="1" dirty="0">
+              <a:rPr lang="pt-BR" sz="2000" dirty="0">
                 <a:solidFill>
                   <a:srgbClr val="255EA9"/>
                 </a:solidFill>
@@ -6882,45 +7481,44 @@
                 <a:ea typeface="+mj-ea"/>
                 <a:cs typeface="Arial" panose="020B0604020202020204" pitchFamily="34" charset="0"/>
               </a:rPr>
-              <a:t>As teclas de seta servem pra mover o retângulo para a célula na direção indicada por ela;</a:t>
-            </a:r>
-          </a:p>
-          <a:p>
-            <a:pPr marL="0" lvl="1" indent="-237744" defTabSz="1218804" fontAlgn="auto">
+              <a:t>Para selecionar toda planilha estando o cursor posicionado em qualquer uma das células da respectiva planilha pressione </a:t>
+            </a:r>
+            <a:r>
+              <a:rPr lang="pt-BR" sz="2000" dirty="0" err="1">
+                <a:solidFill>
+                  <a:srgbClr val="255EA9"/>
+                </a:solidFill>
+                <a:latin typeface="Arial" panose="020B0604020202020204" pitchFamily="34" charset="0"/>
+                <a:ea typeface="+mj-ea"/>
+                <a:cs typeface="Arial" panose="020B0604020202020204" pitchFamily="34" charset="0"/>
+              </a:rPr>
+              <a:t>Control</a:t>
+            </a:r>
+            <a:r>
+              <a:rPr lang="pt-BR" sz="2000" dirty="0">
+                <a:solidFill>
+                  <a:srgbClr val="255EA9"/>
+                </a:solidFill>
+                <a:latin typeface="Arial" panose="020B0604020202020204" pitchFamily="34" charset="0"/>
+                <a:ea typeface="+mj-ea"/>
+                <a:cs typeface="Arial" panose="020B0604020202020204" pitchFamily="34" charset="0"/>
+              </a:rPr>
+              <a:t> Shift *. </a:t>
+            </a:r>
+          </a:p>
+          <a:p>
+            <a:pPr marL="2286" indent="-285750" defTabSz="1218804" fontAlgn="auto">
               <a:spcBef>
                 <a:spcPct val="0"/>
               </a:spcBef>
               <a:spcAft>
                 <a:spcPts val="0"/>
               </a:spcAft>
-              <a:buFont typeface="Arial" pitchFamily="34" charset="0"/>
-              <a:buChar char="–"/>
+              <a:buFont typeface="Wingdings" panose="05000000000000000000" pitchFamily="2" charset="2"/>
+              <a:buChar char="Ø"/>
               <a:defRPr/>
             </a:pPr>
-            <a:r>
-              <a:rPr lang="pt-BR" dirty="0">
-                <a:solidFill>
-                  <a:srgbClr val="255EA9"/>
-                </a:solidFill>
-                <a:latin typeface="Arial" panose="020B0604020202020204" pitchFamily="34" charset="0"/>
-                <a:ea typeface="+mj-ea"/>
-                <a:cs typeface="Arial" panose="020B0604020202020204" pitchFamily="34" charset="0"/>
-              </a:rPr>
-              <a:t>Mover uma célula para a direita: </a:t>
-            </a:r>
-            <a:r>
-              <a:rPr lang="pt-BR" dirty="0">
-                <a:solidFill>
-                  <a:srgbClr val="255EA9"/>
-                </a:solidFill>
-                <a:latin typeface="Arial" panose="020B0604020202020204" pitchFamily="34" charset="0"/>
-                <a:ea typeface="+mj-ea"/>
-                <a:cs typeface="Arial" panose="020B0604020202020204" pitchFamily="34" charset="0"/>
-                <a:sym typeface="Wingdings"/>
-              </a:rPr>
-              <a:t></a:t>
-            </a:r>
-            <a:endParaRPr lang="pt-BR" dirty="0">
+            <a:endParaRPr lang="pt-BR" sz="2000" dirty="0">
               <a:solidFill>
                 <a:srgbClr val="255EA9"/>
               </a:solidFill>
@@ -6930,19 +7528,19 @@
             </a:endParaRPr>
           </a:p>
           <a:p>
-            <a:pPr marL="0" lvl="1" indent="-237744" defTabSz="1218804" fontAlgn="auto">
+            <a:pPr marL="2286" indent="-285750" defTabSz="1218804" fontAlgn="auto">
               <a:spcBef>
                 <a:spcPct val="0"/>
               </a:spcBef>
               <a:spcAft>
                 <a:spcPts val="0"/>
               </a:spcAft>
-              <a:buFont typeface="Arial" pitchFamily="34" charset="0"/>
-              <a:buChar char="–"/>
+              <a:buFont typeface="Wingdings" panose="05000000000000000000" pitchFamily="2" charset="2"/>
+              <a:buChar char="Ø"/>
               <a:defRPr/>
             </a:pPr>
             <a:r>
-              <a:rPr lang="pt-BR" dirty="0">
+              <a:rPr lang="pt-BR" sz="2000" dirty="0">
                 <a:solidFill>
                   <a:srgbClr val="255EA9"/>
                 </a:solidFill>
@@ -6950,21 +7548,44 @@
                 <a:ea typeface="+mj-ea"/>
                 <a:cs typeface="Arial" panose="020B0604020202020204" pitchFamily="34" charset="0"/>
               </a:rPr>
-              <a:t>Mover uma célula para a esquerda: </a:t>
-            </a:r>
-            <a:r>
-              <a:rPr lang="pt-BR" dirty="0">
+              <a:t>Para selecionar toda a coluna: basta posicionar o cursor na coluna desejada e teclar </a:t>
+            </a:r>
+            <a:r>
+              <a:rPr lang="pt-BR" sz="2000" dirty="0" err="1">
                 <a:solidFill>
                   <a:srgbClr val="255EA9"/>
                 </a:solidFill>
                 <a:latin typeface="Arial" panose="020B0604020202020204" pitchFamily="34" charset="0"/>
                 <a:ea typeface="+mj-ea"/>
                 <a:cs typeface="Arial" panose="020B0604020202020204" pitchFamily="34" charset="0"/>
-                <a:sym typeface="Wingdings"/>
-              </a:rPr>
-              <a:t></a:t>
-            </a:r>
-            <a:endParaRPr lang="pt-BR" dirty="0">
+              </a:rPr>
+              <a:t>Control</a:t>
+            </a:r>
+            <a:r>
+              <a:rPr lang="pt-BR" sz="2000" dirty="0">
+                <a:solidFill>
+                  <a:srgbClr val="255EA9"/>
+                </a:solidFill>
+                <a:latin typeface="Arial" panose="020B0604020202020204" pitchFamily="34" charset="0"/>
+                <a:ea typeface="+mj-ea"/>
+                <a:cs typeface="Arial" panose="020B0604020202020204" pitchFamily="34" charset="0"/>
+              </a:rPr>
+              <a:t> Barra de Espaços. </a:t>
+            </a:r>
+          </a:p>
+          <a:p>
+            <a:pPr marL="2286" indent="-285750" defTabSz="1218804" fontAlgn="auto">
+              <a:spcBef>
+                <a:spcPct val="0"/>
+              </a:spcBef>
+              <a:spcAft>
+                <a:spcPts val="0"/>
+              </a:spcAft>
+              <a:buFont typeface="Wingdings" panose="05000000000000000000" pitchFamily="2" charset="2"/>
+              <a:buChar char="Ø"/>
+              <a:defRPr/>
+            </a:pPr>
+            <a:endParaRPr lang="pt-BR" sz="2000" dirty="0">
               <a:solidFill>
                 <a:srgbClr val="255EA9"/>
               </a:solidFill>
@@ -6974,19 +7595,19 @@
             </a:endParaRPr>
           </a:p>
           <a:p>
-            <a:pPr marL="0" lvl="1" indent="-237744" defTabSz="1218804" fontAlgn="auto">
+            <a:pPr marL="2286" indent="-285750" defTabSz="1218804" fontAlgn="auto">
               <a:spcBef>
                 <a:spcPct val="0"/>
               </a:spcBef>
               <a:spcAft>
                 <a:spcPts val="0"/>
               </a:spcAft>
-              <a:buFont typeface="Arial" pitchFamily="34" charset="0"/>
-              <a:buChar char="–"/>
+              <a:buFont typeface="Wingdings" panose="05000000000000000000" pitchFamily="2" charset="2"/>
+              <a:buChar char="Ø"/>
               <a:defRPr/>
             </a:pPr>
             <a:r>
-              <a:rPr lang="pt-BR" dirty="0">
+              <a:rPr lang="pt-BR" sz="2000" dirty="0">
                 <a:solidFill>
                   <a:srgbClr val="255EA9"/>
                 </a:solidFill>
@@ -6994,21 +7615,22 @@
                 <a:ea typeface="+mj-ea"/>
                 <a:cs typeface="Arial" panose="020B0604020202020204" pitchFamily="34" charset="0"/>
               </a:rPr>
-              <a:t>Mover uma célula para cima:  </a:t>
-            </a:r>
-            <a:r>
-              <a:rPr lang="pt-BR" dirty="0">
-                <a:solidFill>
-                  <a:srgbClr val="255EA9"/>
-                </a:solidFill>
-                <a:latin typeface="Arial" panose="020B0604020202020204" pitchFamily="34" charset="0"/>
-                <a:ea typeface="+mj-ea"/>
-                <a:cs typeface="Arial" panose="020B0604020202020204" pitchFamily="34" charset="0"/>
-                <a:sym typeface="Wingdings"/>
-              </a:rPr>
-              <a:t></a:t>
-            </a:r>
-            <a:endParaRPr lang="pt-BR" dirty="0">
+              <a:t>Para selecionar toda linha: basta posicionar o cursor na linha desejada e teclar Shift Barra de Espaços. </a:t>
+            </a:r>
+          </a:p>
+          <a:p>
+            <a:pPr marL="2286" indent="-285750" defTabSz="1218804" fontAlgn="auto">
+              <a:spcBef>
+                <a:spcPct val="0"/>
+              </a:spcBef>
+              <a:spcAft>
+                <a:spcPts val="0"/>
+              </a:spcAft>
+              <a:buFont typeface="Wingdings" panose="05000000000000000000" pitchFamily="2" charset="2"/>
+              <a:buChar char="Ø"/>
+              <a:defRPr/>
+            </a:pPr>
+            <a:endParaRPr lang="pt-BR" sz="2000" dirty="0">
               <a:solidFill>
                 <a:srgbClr val="255EA9"/>
               </a:solidFill>
@@ -7018,19 +7640,19 @@
             </a:endParaRPr>
           </a:p>
           <a:p>
-            <a:pPr marL="0" lvl="1" indent="-237744" defTabSz="1218804" fontAlgn="auto">
+            <a:pPr marL="2286" indent="-285750" defTabSz="1218804" fontAlgn="auto">
               <a:spcBef>
                 <a:spcPct val="0"/>
               </a:spcBef>
               <a:spcAft>
                 <a:spcPts val="0"/>
               </a:spcAft>
-              <a:buFont typeface="Arial" pitchFamily="34" charset="0"/>
-              <a:buChar char="–"/>
+              <a:buFont typeface="Wingdings" panose="05000000000000000000" pitchFamily="2" charset="2"/>
+              <a:buChar char="Ø"/>
               <a:defRPr/>
             </a:pPr>
             <a:r>
-              <a:rPr lang="pt-BR" dirty="0">
+              <a:rPr lang="pt-BR" sz="2000" dirty="0">
                 <a:solidFill>
                   <a:srgbClr val="255EA9"/>
                 </a:solidFill>
@@ -7038,34 +7660,44 @@
                 <a:ea typeface="+mj-ea"/>
                 <a:cs typeface="Arial" panose="020B0604020202020204" pitchFamily="34" charset="0"/>
               </a:rPr>
-              <a:t>Mover uma célula para a baixo: </a:t>
-            </a:r>
-            <a:r>
-              <a:rPr lang="pt-BR" dirty="0">
+              <a:t>Para selecionar uma coluna da planilha: </a:t>
+            </a:r>
+            <a:r>
+              <a:rPr lang="pt-BR" sz="2000" dirty="0" err="1">
                 <a:solidFill>
                   <a:srgbClr val="255EA9"/>
                 </a:solidFill>
                 <a:latin typeface="Arial" panose="020B0604020202020204" pitchFamily="34" charset="0"/>
                 <a:ea typeface="+mj-ea"/>
                 <a:cs typeface="Arial" panose="020B0604020202020204" pitchFamily="34" charset="0"/>
-                <a:sym typeface="Wingdings"/>
-              </a:rPr>
-              <a:t></a:t>
-            </a:r>
-          </a:p>
-          <a:p>
-            <a:pPr marL="0" lvl="1" indent="-237744" defTabSz="1218804" fontAlgn="auto">
+              </a:rPr>
+              <a:t>CTRL</a:t>
+            </a:r>
+            <a:r>
+              <a:rPr lang="pt-BR" sz="2000" dirty="0">
+                <a:solidFill>
+                  <a:srgbClr val="255EA9"/>
+                </a:solidFill>
+                <a:latin typeface="Arial" panose="020B0604020202020204" pitchFamily="34" charset="0"/>
+                <a:ea typeface="+mj-ea"/>
+                <a:cs typeface="Arial" panose="020B0604020202020204" pitchFamily="34" charset="0"/>
+              </a:rPr>
+              <a:t> Shift Seta para baixo.</a:t>
+            </a:r>
+          </a:p>
+          <a:p>
+            <a:pPr marL="2286" indent="-285750" defTabSz="1218804" fontAlgn="auto">
               <a:spcBef>
                 <a:spcPct val="0"/>
               </a:spcBef>
               <a:spcAft>
                 <a:spcPts val="0"/>
               </a:spcAft>
-              <a:buFont typeface="Arial" pitchFamily="34" charset="0"/>
-              <a:buChar char="–"/>
+              <a:buFont typeface="Wingdings" panose="05000000000000000000" pitchFamily="2" charset="2"/>
+              <a:buChar char="Ø"/>
               <a:defRPr/>
             </a:pPr>
-            <a:endParaRPr lang="pt-BR" dirty="0">
+            <a:endParaRPr lang="pt-BR" sz="2000" dirty="0">
               <a:solidFill>
                 <a:srgbClr val="255EA9"/>
               </a:solidFill>
@@ -7075,19 +7707,19 @@
             </a:endParaRPr>
           </a:p>
           <a:p>
-            <a:pPr indent="-283464" defTabSz="1218804" fontAlgn="auto">
+            <a:pPr marL="2286" indent="-285750" defTabSz="1218804" fontAlgn="auto">
               <a:spcBef>
                 <a:spcPct val="0"/>
               </a:spcBef>
               <a:spcAft>
                 <a:spcPts val="0"/>
               </a:spcAft>
-              <a:buFont typeface="Arial" pitchFamily="34" charset="0"/>
-              <a:buChar char="•"/>
+              <a:buFont typeface="Wingdings" panose="05000000000000000000" pitchFamily="2" charset="2"/>
+              <a:buChar char="Ø"/>
               <a:defRPr/>
             </a:pPr>
             <a:r>
-              <a:rPr lang="pt-BR" b="1" dirty="0">
+              <a:rPr lang="pt-BR" sz="2000" dirty="0">
                 <a:solidFill>
                   <a:srgbClr val="255EA9"/>
                 </a:solidFill>
@@ -7095,23 +7727,10 @@
                 <a:ea typeface="+mj-ea"/>
                 <a:cs typeface="Arial" panose="020B0604020202020204" pitchFamily="34" charset="0"/>
               </a:rPr>
-              <a:t> As teclas de seta em combinações com outras teclas servem para acelerar a movimentação;</a:t>
-            </a:r>
-          </a:p>
-          <a:p>
-            <a:pPr marL="0" lvl="1" indent="-237744" defTabSz="1218804" fontAlgn="auto">
-              <a:spcBef>
-                <a:spcPct val="0"/>
-              </a:spcBef>
-              <a:spcAft>
-                <a:spcPts val="0"/>
-              </a:spcAft>
-              <a:buFont typeface="Arial" pitchFamily="34" charset="0"/>
-              <a:buChar char="–"/>
-              <a:defRPr/>
-            </a:pPr>
-            <a:r>
-              <a:rPr lang="pt-BR" dirty="0">
+              <a:t>Para selecionar uma linha da planilha: </a:t>
+            </a:r>
+            <a:r>
+              <a:rPr lang="pt-BR" sz="2000" dirty="0" err="1">
                 <a:solidFill>
                   <a:srgbClr val="255EA9"/>
                 </a:solidFill>
@@ -7119,10 +7738,10 @@
                 <a:ea typeface="+mj-ea"/>
                 <a:cs typeface="Arial" panose="020B0604020202020204" pitchFamily="34" charset="0"/>
               </a:rPr>
-              <a:t>Última coluna da linha atual:  </a:t>
-            </a:r>
-            <a:r>
-              <a:rPr lang="pt-BR" dirty="0" err="1">
+              <a:t>CTRL</a:t>
+            </a:r>
+            <a:r>
+              <a:rPr lang="pt-BR" sz="2000" dirty="0">
                 <a:solidFill>
                   <a:srgbClr val="255EA9"/>
                 </a:solidFill>
@@ -7130,276 +7749,7 @@
                 <a:ea typeface="+mj-ea"/>
                 <a:cs typeface="Arial" panose="020B0604020202020204" pitchFamily="34" charset="0"/>
               </a:rPr>
-              <a:t>CTRL</a:t>
-            </a:r>
-            <a:r>
-              <a:rPr lang="pt-BR" dirty="0">
-                <a:solidFill>
-                  <a:srgbClr val="255EA9"/>
-                </a:solidFill>
-                <a:latin typeface="Arial" panose="020B0604020202020204" pitchFamily="34" charset="0"/>
-                <a:ea typeface="+mj-ea"/>
-                <a:cs typeface="Arial" panose="020B0604020202020204" pitchFamily="34" charset="0"/>
-              </a:rPr>
-              <a:t> +</a:t>
-            </a:r>
-            <a:r>
-              <a:rPr lang="pt-BR" dirty="0">
-                <a:solidFill>
-                  <a:srgbClr val="255EA9"/>
-                </a:solidFill>
-                <a:latin typeface="Arial" panose="020B0604020202020204" pitchFamily="34" charset="0"/>
-                <a:ea typeface="+mj-ea"/>
-                <a:cs typeface="Arial" panose="020B0604020202020204" pitchFamily="34" charset="0"/>
-                <a:sym typeface="Wingdings"/>
-              </a:rPr>
-              <a:t></a:t>
-            </a:r>
-            <a:r>
-              <a:rPr lang="pt-BR" dirty="0">
-                <a:solidFill>
-                  <a:srgbClr val="255EA9"/>
-                </a:solidFill>
-                <a:latin typeface="Arial" panose="020B0604020202020204" pitchFamily="34" charset="0"/>
-                <a:ea typeface="+mj-ea"/>
-                <a:cs typeface="Arial" panose="020B0604020202020204" pitchFamily="34" charset="0"/>
-              </a:rPr>
-              <a:t> </a:t>
-            </a:r>
-          </a:p>
-          <a:p>
-            <a:pPr marL="0" lvl="1" indent="-237744" defTabSz="1218804" fontAlgn="auto">
-              <a:spcBef>
-                <a:spcPct val="0"/>
-              </a:spcBef>
-              <a:spcAft>
-                <a:spcPts val="0"/>
-              </a:spcAft>
-              <a:buFont typeface="Arial" pitchFamily="34" charset="0"/>
-              <a:buChar char="–"/>
-              <a:defRPr/>
-            </a:pPr>
-            <a:r>
-              <a:rPr lang="pt-BR" dirty="0">
-                <a:solidFill>
-                  <a:srgbClr val="255EA9"/>
-                </a:solidFill>
-                <a:latin typeface="Arial" panose="020B0604020202020204" pitchFamily="34" charset="0"/>
-                <a:ea typeface="+mj-ea"/>
-                <a:cs typeface="Arial" panose="020B0604020202020204" pitchFamily="34" charset="0"/>
-              </a:rPr>
-              <a:t>Primeira coluna da linha atual: </a:t>
-            </a:r>
-            <a:r>
-              <a:rPr lang="pt-BR" dirty="0" err="1">
-                <a:solidFill>
-                  <a:srgbClr val="255EA9"/>
-                </a:solidFill>
-                <a:latin typeface="Arial" panose="020B0604020202020204" pitchFamily="34" charset="0"/>
-                <a:ea typeface="+mj-ea"/>
-                <a:cs typeface="Arial" panose="020B0604020202020204" pitchFamily="34" charset="0"/>
-              </a:rPr>
-              <a:t>CTRL</a:t>
-            </a:r>
-            <a:r>
-              <a:rPr lang="pt-BR" dirty="0">
-                <a:solidFill>
-                  <a:srgbClr val="255EA9"/>
-                </a:solidFill>
-                <a:latin typeface="Arial" panose="020B0604020202020204" pitchFamily="34" charset="0"/>
-                <a:ea typeface="+mj-ea"/>
-                <a:cs typeface="Arial" panose="020B0604020202020204" pitchFamily="34" charset="0"/>
-              </a:rPr>
-              <a:t> +</a:t>
-            </a:r>
-            <a:r>
-              <a:rPr lang="pt-BR" dirty="0">
-                <a:solidFill>
-                  <a:srgbClr val="255EA9"/>
-                </a:solidFill>
-                <a:latin typeface="Arial" panose="020B0604020202020204" pitchFamily="34" charset="0"/>
-                <a:ea typeface="+mj-ea"/>
-                <a:cs typeface="Arial" panose="020B0604020202020204" pitchFamily="34" charset="0"/>
-                <a:sym typeface="Wingdings"/>
-              </a:rPr>
-              <a:t></a:t>
-            </a:r>
-            <a:endParaRPr lang="pt-BR" dirty="0">
-              <a:solidFill>
-                <a:srgbClr val="255EA9"/>
-              </a:solidFill>
-              <a:latin typeface="Arial" panose="020B0604020202020204" pitchFamily="34" charset="0"/>
-              <a:ea typeface="+mj-ea"/>
-              <a:cs typeface="Arial" panose="020B0604020202020204" pitchFamily="34" charset="0"/>
-            </a:endParaRPr>
-          </a:p>
-          <a:p>
-            <a:pPr marL="0" lvl="1" indent="-237744" defTabSz="1218804" fontAlgn="auto">
-              <a:spcBef>
-                <a:spcPct val="0"/>
-              </a:spcBef>
-              <a:spcAft>
-                <a:spcPts val="0"/>
-              </a:spcAft>
-              <a:buFont typeface="Arial" pitchFamily="34" charset="0"/>
-              <a:buChar char="–"/>
-              <a:defRPr/>
-            </a:pPr>
-            <a:r>
-              <a:rPr lang="pt-BR" dirty="0">
-                <a:solidFill>
-                  <a:srgbClr val="255EA9"/>
-                </a:solidFill>
-                <a:latin typeface="Arial" panose="020B0604020202020204" pitchFamily="34" charset="0"/>
-                <a:ea typeface="+mj-ea"/>
-                <a:cs typeface="Arial" panose="020B0604020202020204" pitchFamily="34" charset="0"/>
-              </a:rPr>
-              <a:t>Última linha com dados da coluna atual: </a:t>
-            </a:r>
-            <a:r>
-              <a:rPr lang="pt-BR" dirty="0" err="1">
-                <a:solidFill>
-                  <a:srgbClr val="255EA9"/>
-                </a:solidFill>
-                <a:latin typeface="Arial" panose="020B0604020202020204" pitchFamily="34" charset="0"/>
-                <a:ea typeface="+mj-ea"/>
-                <a:cs typeface="Arial" panose="020B0604020202020204" pitchFamily="34" charset="0"/>
-              </a:rPr>
-              <a:t>CTRL</a:t>
-            </a:r>
-            <a:r>
-              <a:rPr lang="pt-BR" dirty="0">
-                <a:solidFill>
-                  <a:srgbClr val="255EA9"/>
-                </a:solidFill>
-                <a:latin typeface="Arial" panose="020B0604020202020204" pitchFamily="34" charset="0"/>
-                <a:ea typeface="+mj-ea"/>
-                <a:cs typeface="Arial" panose="020B0604020202020204" pitchFamily="34" charset="0"/>
-              </a:rPr>
-              <a:t> +</a:t>
-            </a:r>
-            <a:r>
-              <a:rPr lang="pt-BR" dirty="0">
-                <a:solidFill>
-                  <a:srgbClr val="255EA9"/>
-                </a:solidFill>
-                <a:latin typeface="Arial" panose="020B0604020202020204" pitchFamily="34" charset="0"/>
-                <a:ea typeface="+mj-ea"/>
-                <a:cs typeface="Arial" panose="020B0604020202020204" pitchFamily="34" charset="0"/>
-                <a:sym typeface="Wingdings"/>
-              </a:rPr>
-              <a:t></a:t>
-            </a:r>
-            <a:endParaRPr lang="pt-BR" dirty="0">
-              <a:solidFill>
-                <a:srgbClr val="255EA9"/>
-              </a:solidFill>
-              <a:latin typeface="Arial" panose="020B0604020202020204" pitchFamily="34" charset="0"/>
-              <a:ea typeface="+mj-ea"/>
-              <a:cs typeface="Arial" panose="020B0604020202020204" pitchFamily="34" charset="0"/>
-            </a:endParaRPr>
-          </a:p>
-          <a:p>
-            <a:pPr marL="0" lvl="1" indent="-237744" defTabSz="1218804" fontAlgn="auto">
-              <a:spcBef>
-                <a:spcPct val="0"/>
-              </a:spcBef>
-              <a:spcAft>
-                <a:spcPts val="0"/>
-              </a:spcAft>
-              <a:buFont typeface="Arial" pitchFamily="34" charset="0"/>
-              <a:buChar char="–"/>
-              <a:defRPr/>
-            </a:pPr>
-            <a:r>
-              <a:rPr lang="pt-BR" dirty="0">
-                <a:solidFill>
-                  <a:srgbClr val="255EA9"/>
-                </a:solidFill>
-                <a:latin typeface="Arial" panose="020B0604020202020204" pitchFamily="34" charset="0"/>
-                <a:ea typeface="+mj-ea"/>
-                <a:cs typeface="Arial" panose="020B0604020202020204" pitchFamily="34" charset="0"/>
-              </a:rPr>
-              <a:t>Primeira linda com dados da coluna atual: </a:t>
-            </a:r>
-            <a:r>
-              <a:rPr lang="pt-BR" dirty="0" err="1">
-                <a:solidFill>
-                  <a:srgbClr val="255EA9"/>
-                </a:solidFill>
-                <a:latin typeface="Arial" panose="020B0604020202020204" pitchFamily="34" charset="0"/>
-                <a:ea typeface="+mj-ea"/>
-                <a:cs typeface="Arial" panose="020B0604020202020204" pitchFamily="34" charset="0"/>
-              </a:rPr>
-              <a:t>CTRL</a:t>
-            </a:r>
-            <a:r>
-              <a:rPr lang="pt-BR" dirty="0">
-                <a:solidFill>
-                  <a:srgbClr val="255EA9"/>
-                </a:solidFill>
-                <a:latin typeface="Arial" panose="020B0604020202020204" pitchFamily="34" charset="0"/>
-                <a:ea typeface="+mj-ea"/>
-                <a:cs typeface="Arial" panose="020B0604020202020204" pitchFamily="34" charset="0"/>
-              </a:rPr>
-              <a:t> +</a:t>
-            </a:r>
-            <a:r>
-              <a:rPr lang="pt-BR" dirty="0">
-                <a:solidFill>
-                  <a:srgbClr val="255EA9"/>
-                </a:solidFill>
-                <a:latin typeface="Arial" panose="020B0604020202020204" pitchFamily="34" charset="0"/>
-                <a:ea typeface="+mj-ea"/>
-                <a:cs typeface="Arial" panose="020B0604020202020204" pitchFamily="34" charset="0"/>
-                <a:sym typeface="Wingdings"/>
-              </a:rPr>
-              <a:t></a:t>
-            </a:r>
-          </a:p>
-          <a:p>
-            <a:pPr marL="0" lvl="1" indent="-237744" defTabSz="1218804" fontAlgn="auto">
-              <a:spcBef>
-                <a:spcPct val="0"/>
-              </a:spcBef>
-              <a:spcAft>
-                <a:spcPts val="0"/>
-              </a:spcAft>
-              <a:buFont typeface="Arial" pitchFamily="34" charset="0"/>
-              <a:buChar char="–"/>
-              <a:defRPr/>
-            </a:pPr>
-            <a:endParaRPr lang="pt-BR" dirty="0">
-              <a:solidFill>
-                <a:srgbClr val="255EA9"/>
-              </a:solidFill>
-              <a:latin typeface="Arial" panose="020B0604020202020204" pitchFamily="34" charset="0"/>
-              <a:ea typeface="+mj-ea"/>
-              <a:cs typeface="Arial" panose="020B0604020202020204" pitchFamily="34" charset="0"/>
-            </a:endParaRPr>
-          </a:p>
-          <a:p>
-            <a:pPr indent="-283464" defTabSz="1218804" fontAlgn="auto">
-              <a:spcBef>
-                <a:spcPct val="0"/>
-              </a:spcBef>
-              <a:spcAft>
-                <a:spcPts val="0"/>
-              </a:spcAft>
-              <a:buFont typeface="Arial" pitchFamily="34" charset="0"/>
-              <a:buChar char="•"/>
-              <a:defRPr/>
-            </a:pPr>
-            <a:r>
-              <a:rPr lang="pt-BR" dirty="0">
-                <a:solidFill>
-                  <a:srgbClr val="255EA9"/>
-                </a:solidFill>
-                <a:latin typeface="Arial" panose="020B0604020202020204" pitchFamily="34" charset="0"/>
-                <a:ea typeface="+mj-ea"/>
-                <a:cs typeface="Arial" panose="020B0604020202020204" pitchFamily="34" charset="0"/>
-              </a:rPr>
-              <a:t>Observações: Use o mouse para selecionar uma célula específica.</a:t>
+              <a:t> Shift Seta para direita .</a:t>
             </a:r>
           </a:p>
         </p:txBody>
@@ -7407,7 +7757,7 @@
     </p:spTree>
     <p:extLst>
       <p:ext uri="{BB962C8B-B14F-4D97-AF65-F5344CB8AC3E}">
-        <p14:creationId xmlns:p14="http://schemas.microsoft.com/office/powerpoint/2010/main" val="2523899801"/>
+        <p14:creationId xmlns:p14="http://schemas.microsoft.com/office/powerpoint/2010/main" val="4201699772"/>
       </p:ext>
     </p:extLst>
   </p:cSld>
@@ -7564,547 +7914,6 @@
           </a:p>
         </p:txBody>
       </p:sp>
-      <p:sp>
-        <p:nvSpPr>
-          <p:cNvPr id="4" name="Retângulo 3"/>
-          <p:cNvSpPr/>
-          <p:nvPr/>
-        </p:nvSpPr>
-        <p:spPr>
-          <a:xfrm>
-            <a:off x="431409" y="1560892"/>
-            <a:ext cx="11146302" cy="4708981"/>
-          </a:xfrm>
-          <a:prstGeom prst="rect">
-            <a:avLst/>
-          </a:prstGeom>
-        </p:spPr>
-        <p:txBody>
-          <a:bodyPr wrap="square">
-            <a:spAutoFit/>
-          </a:bodyPr>
-          <a:lstStyle/>
-          <a:p>
-            <a:pPr marL="2286" indent="-285750" defTabSz="1218804" fontAlgn="auto">
-              <a:spcBef>
-                <a:spcPct val="0"/>
-              </a:spcBef>
-              <a:spcAft>
-                <a:spcPts val="0"/>
-              </a:spcAft>
-              <a:buFont typeface="Wingdings" panose="05000000000000000000" pitchFamily="2" charset="2"/>
-              <a:buChar char="Ø"/>
-              <a:defRPr/>
-            </a:pPr>
-            <a:r>
-              <a:rPr lang="pt-BR" sz="2000" dirty="0">
-                <a:solidFill>
-                  <a:srgbClr val="255EA9"/>
-                </a:solidFill>
-                <a:latin typeface="Arial" panose="020B0604020202020204" pitchFamily="34" charset="0"/>
-                <a:ea typeface="+mj-ea"/>
-                <a:cs typeface="Arial" panose="020B0604020202020204" pitchFamily="34" charset="0"/>
-              </a:rPr>
-              <a:t>Para selecionar toda a planilha: posicionar o cursor na primeira célula da planilha e pressionar </a:t>
-            </a:r>
-            <a:r>
-              <a:rPr lang="pt-BR" sz="2000" dirty="0" err="1">
-                <a:solidFill>
-                  <a:srgbClr val="255EA9"/>
-                </a:solidFill>
-                <a:latin typeface="Arial" panose="020B0604020202020204" pitchFamily="34" charset="0"/>
-                <a:ea typeface="+mj-ea"/>
-                <a:cs typeface="Arial" panose="020B0604020202020204" pitchFamily="34" charset="0"/>
-              </a:rPr>
-              <a:t>Control</a:t>
-            </a:r>
-            <a:r>
-              <a:rPr lang="pt-BR" sz="2000" dirty="0">
-                <a:solidFill>
-                  <a:srgbClr val="255EA9"/>
-                </a:solidFill>
-                <a:latin typeface="Arial" panose="020B0604020202020204" pitchFamily="34" charset="0"/>
-                <a:ea typeface="+mj-ea"/>
-                <a:cs typeface="Arial" panose="020B0604020202020204" pitchFamily="34" charset="0"/>
-              </a:rPr>
-              <a:t> Shift End. </a:t>
-            </a:r>
-          </a:p>
-          <a:p>
-            <a:pPr marL="2286" indent="-285750" defTabSz="1218804" fontAlgn="auto">
-              <a:spcBef>
-                <a:spcPct val="0"/>
-              </a:spcBef>
-              <a:spcAft>
-                <a:spcPts val="0"/>
-              </a:spcAft>
-              <a:buFont typeface="Wingdings" panose="05000000000000000000" pitchFamily="2" charset="2"/>
-              <a:buChar char="Ø"/>
-              <a:defRPr/>
-            </a:pPr>
-            <a:endParaRPr lang="pt-BR" sz="2000" dirty="0">
-              <a:solidFill>
-                <a:srgbClr val="255EA9"/>
-              </a:solidFill>
-              <a:latin typeface="Arial" panose="020B0604020202020204" pitchFamily="34" charset="0"/>
-              <a:ea typeface="+mj-ea"/>
-              <a:cs typeface="Arial" panose="020B0604020202020204" pitchFamily="34" charset="0"/>
-            </a:endParaRPr>
-          </a:p>
-          <a:p>
-            <a:pPr marL="2286" indent="-285750" defTabSz="1218804" fontAlgn="auto">
-              <a:spcBef>
-                <a:spcPct val="0"/>
-              </a:spcBef>
-              <a:spcAft>
-                <a:spcPts val="0"/>
-              </a:spcAft>
-              <a:buFont typeface="Wingdings" panose="05000000000000000000" pitchFamily="2" charset="2"/>
-              <a:buChar char="Ø"/>
-              <a:defRPr/>
-            </a:pPr>
-            <a:r>
-              <a:rPr lang="pt-BR" sz="2000" dirty="0">
-                <a:solidFill>
-                  <a:srgbClr val="255EA9"/>
-                </a:solidFill>
-                <a:latin typeface="Arial" panose="020B0604020202020204" pitchFamily="34" charset="0"/>
-                <a:ea typeface="+mj-ea"/>
-                <a:cs typeface="Arial" panose="020B0604020202020204" pitchFamily="34" charset="0"/>
-              </a:rPr>
-              <a:t>Para selecionar toda planilha estando o cursor posicionado em qualquer uma das células da respectiva planilha pressione </a:t>
-            </a:r>
-            <a:r>
-              <a:rPr lang="pt-BR" sz="2000" dirty="0" err="1">
-                <a:solidFill>
-                  <a:srgbClr val="255EA9"/>
-                </a:solidFill>
-                <a:latin typeface="Arial" panose="020B0604020202020204" pitchFamily="34" charset="0"/>
-                <a:ea typeface="+mj-ea"/>
-                <a:cs typeface="Arial" panose="020B0604020202020204" pitchFamily="34" charset="0"/>
-              </a:rPr>
-              <a:t>Control</a:t>
-            </a:r>
-            <a:r>
-              <a:rPr lang="pt-BR" sz="2000" dirty="0">
-                <a:solidFill>
-                  <a:srgbClr val="255EA9"/>
-                </a:solidFill>
-                <a:latin typeface="Arial" panose="020B0604020202020204" pitchFamily="34" charset="0"/>
-                <a:ea typeface="+mj-ea"/>
-                <a:cs typeface="Arial" panose="020B0604020202020204" pitchFamily="34" charset="0"/>
-              </a:rPr>
-              <a:t> Shift *. </a:t>
-            </a:r>
-          </a:p>
-          <a:p>
-            <a:pPr marL="2286" indent="-285750" defTabSz="1218804" fontAlgn="auto">
-              <a:spcBef>
-                <a:spcPct val="0"/>
-              </a:spcBef>
-              <a:spcAft>
-                <a:spcPts val="0"/>
-              </a:spcAft>
-              <a:buFont typeface="Wingdings" panose="05000000000000000000" pitchFamily="2" charset="2"/>
-              <a:buChar char="Ø"/>
-              <a:defRPr/>
-            </a:pPr>
-            <a:endParaRPr lang="pt-BR" sz="2000" dirty="0">
-              <a:solidFill>
-                <a:srgbClr val="255EA9"/>
-              </a:solidFill>
-              <a:latin typeface="Arial" panose="020B0604020202020204" pitchFamily="34" charset="0"/>
-              <a:ea typeface="+mj-ea"/>
-              <a:cs typeface="Arial" panose="020B0604020202020204" pitchFamily="34" charset="0"/>
-            </a:endParaRPr>
-          </a:p>
-          <a:p>
-            <a:pPr marL="2286" indent="-285750" defTabSz="1218804" fontAlgn="auto">
-              <a:spcBef>
-                <a:spcPct val="0"/>
-              </a:spcBef>
-              <a:spcAft>
-                <a:spcPts val="0"/>
-              </a:spcAft>
-              <a:buFont typeface="Wingdings" panose="05000000000000000000" pitchFamily="2" charset="2"/>
-              <a:buChar char="Ø"/>
-              <a:defRPr/>
-            </a:pPr>
-            <a:r>
-              <a:rPr lang="pt-BR" sz="2000" dirty="0">
-                <a:solidFill>
-                  <a:srgbClr val="255EA9"/>
-                </a:solidFill>
-                <a:latin typeface="Arial" panose="020B0604020202020204" pitchFamily="34" charset="0"/>
-                <a:ea typeface="+mj-ea"/>
-                <a:cs typeface="Arial" panose="020B0604020202020204" pitchFamily="34" charset="0"/>
-              </a:rPr>
-              <a:t>Para selecionar toda a coluna: basta posicionar o cursor na coluna desejada e teclar </a:t>
-            </a:r>
-            <a:r>
-              <a:rPr lang="pt-BR" sz="2000" dirty="0" err="1">
-                <a:solidFill>
-                  <a:srgbClr val="255EA9"/>
-                </a:solidFill>
-                <a:latin typeface="Arial" panose="020B0604020202020204" pitchFamily="34" charset="0"/>
-                <a:ea typeface="+mj-ea"/>
-                <a:cs typeface="Arial" panose="020B0604020202020204" pitchFamily="34" charset="0"/>
-              </a:rPr>
-              <a:t>Control</a:t>
-            </a:r>
-            <a:r>
-              <a:rPr lang="pt-BR" sz="2000" dirty="0">
-                <a:solidFill>
-                  <a:srgbClr val="255EA9"/>
-                </a:solidFill>
-                <a:latin typeface="Arial" panose="020B0604020202020204" pitchFamily="34" charset="0"/>
-                <a:ea typeface="+mj-ea"/>
-                <a:cs typeface="Arial" panose="020B0604020202020204" pitchFamily="34" charset="0"/>
-              </a:rPr>
-              <a:t> Barra de Espaços. </a:t>
-            </a:r>
-          </a:p>
-          <a:p>
-            <a:pPr marL="2286" indent="-285750" defTabSz="1218804" fontAlgn="auto">
-              <a:spcBef>
-                <a:spcPct val="0"/>
-              </a:spcBef>
-              <a:spcAft>
-                <a:spcPts val="0"/>
-              </a:spcAft>
-              <a:buFont typeface="Wingdings" panose="05000000000000000000" pitchFamily="2" charset="2"/>
-              <a:buChar char="Ø"/>
-              <a:defRPr/>
-            </a:pPr>
-            <a:endParaRPr lang="pt-BR" sz="2000" dirty="0">
-              <a:solidFill>
-                <a:srgbClr val="255EA9"/>
-              </a:solidFill>
-              <a:latin typeface="Arial" panose="020B0604020202020204" pitchFamily="34" charset="0"/>
-              <a:ea typeface="+mj-ea"/>
-              <a:cs typeface="Arial" panose="020B0604020202020204" pitchFamily="34" charset="0"/>
-            </a:endParaRPr>
-          </a:p>
-          <a:p>
-            <a:pPr marL="2286" indent="-285750" defTabSz="1218804" fontAlgn="auto">
-              <a:spcBef>
-                <a:spcPct val="0"/>
-              </a:spcBef>
-              <a:spcAft>
-                <a:spcPts val="0"/>
-              </a:spcAft>
-              <a:buFont typeface="Wingdings" panose="05000000000000000000" pitchFamily="2" charset="2"/>
-              <a:buChar char="Ø"/>
-              <a:defRPr/>
-            </a:pPr>
-            <a:r>
-              <a:rPr lang="pt-BR" sz="2000" dirty="0">
-                <a:solidFill>
-                  <a:srgbClr val="255EA9"/>
-                </a:solidFill>
-                <a:latin typeface="Arial" panose="020B0604020202020204" pitchFamily="34" charset="0"/>
-                <a:ea typeface="+mj-ea"/>
-                <a:cs typeface="Arial" panose="020B0604020202020204" pitchFamily="34" charset="0"/>
-              </a:rPr>
-              <a:t>Para selecionar toda linha: basta posicionar o cursor na linha desejada e teclar Shift Barra de Espaços. </a:t>
-            </a:r>
-          </a:p>
-          <a:p>
-            <a:pPr marL="2286" indent="-285750" defTabSz="1218804" fontAlgn="auto">
-              <a:spcBef>
-                <a:spcPct val="0"/>
-              </a:spcBef>
-              <a:spcAft>
-                <a:spcPts val="0"/>
-              </a:spcAft>
-              <a:buFont typeface="Wingdings" panose="05000000000000000000" pitchFamily="2" charset="2"/>
-              <a:buChar char="Ø"/>
-              <a:defRPr/>
-            </a:pPr>
-            <a:endParaRPr lang="pt-BR" sz="2000" dirty="0">
-              <a:solidFill>
-                <a:srgbClr val="255EA9"/>
-              </a:solidFill>
-              <a:latin typeface="Arial" panose="020B0604020202020204" pitchFamily="34" charset="0"/>
-              <a:ea typeface="+mj-ea"/>
-              <a:cs typeface="Arial" panose="020B0604020202020204" pitchFamily="34" charset="0"/>
-            </a:endParaRPr>
-          </a:p>
-          <a:p>
-            <a:pPr marL="2286" indent="-285750" defTabSz="1218804" fontAlgn="auto">
-              <a:spcBef>
-                <a:spcPct val="0"/>
-              </a:spcBef>
-              <a:spcAft>
-                <a:spcPts val="0"/>
-              </a:spcAft>
-              <a:buFont typeface="Wingdings" panose="05000000000000000000" pitchFamily="2" charset="2"/>
-              <a:buChar char="Ø"/>
-              <a:defRPr/>
-            </a:pPr>
-            <a:r>
-              <a:rPr lang="pt-BR" sz="2000" dirty="0">
-                <a:solidFill>
-                  <a:srgbClr val="255EA9"/>
-                </a:solidFill>
-                <a:latin typeface="Arial" panose="020B0604020202020204" pitchFamily="34" charset="0"/>
-                <a:ea typeface="+mj-ea"/>
-                <a:cs typeface="Arial" panose="020B0604020202020204" pitchFamily="34" charset="0"/>
-              </a:rPr>
-              <a:t>Para selecionar uma coluna da planilha: </a:t>
-            </a:r>
-            <a:r>
-              <a:rPr lang="pt-BR" sz="2000" dirty="0" err="1">
-                <a:solidFill>
-                  <a:srgbClr val="255EA9"/>
-                </a:solidFill>
-                <a:latin typeface="Arial" panose="020B0604020202020204" pitchFamily="34" charset="0"/>
-                <a:ea typeface="+mj-ea"/>
-                <a:cs typeface="Arial" panose="020B0604020202020204" pitchFamily="34" charset="0"/>
-              </a:rPr>
-              <a:t>CTRL</a:t>
-            </a:r>
-            <a:r>
-              <a:rPr lang="pt-BR" sz="2000" dirty="0">
-                <a:solidFill>
-                  <a:srgbClr val="255EA9"/>
-                </a:solidFill>
-                <a:latin typeface="Arial" panose="020B0604020202020204" pitchFamily="34" charset="0"/>
-                <a:ea typeface="+mj-ea"/>
-                <a:cs typeface="Arial" panose="020B0604020202020204" pitchFamily="34" charset="0"/>
-              </a:rPr>
-              <a:t> Shift Seta para baixo.</a:t>
-            </a:r>
-          </a:p>
-          <a:p>
-            <a:pPr marL="2286" indent="-285750" defTabSz="1218804" fontAlgn="auto">
-              <a:spcBef>
-                <a:spcPct val="0"/>
-              </a:spcBef>
-              <a:spcAft>
-                <a:spcPts val="0"/>
-              </a:spcAft>
-              <a:buFont typeface="Wingdings" panose="05000000000000000000" pitchFamily="2" charset="2"/>
-              <a:buChar char="Ø"/>
-              <a:defRPr/>
-            </a:pPr>
-            <a:endParaRPr lang="pt-BR" sz="2000" dirty="0">
-              <a:solidFill>
-                <a:srgbClr val="255EA9"/>
-              </a:solidFill>
-              <a:latin typeface="Arial" panose="020B0604020202020204" pitchFamily="34" charset="0"/>
-              <a:ea typeface="+mj-ea"/>
-              <a:cs typeface="Arial" panose="020B0604020202020204" pitchFamily="34" charset="0"/>
-            </a:endParaRPr>
-          </a:p>
-          <a:p>
-            <a:pPr marL="2286" indent="-285750" defTabSz="1218804" fontAlgn="auto">
-              <a:spcBef>
-                <a:spcPct val="0"/>
-              </a:spcBef>
-              <a:spcAft>
-                <a:spcPts val="0"/>
-              </a:spcAft>
-              <a:buFont typeface="Wingdings" panose="05000000000000000000" pitchFamily="2" charset="2"/>
-              <a:buChar char="Ø"/>
-              <a:defRPr/>
-            </a:pPr>
-            <a:r>
-              <a:rPr lang="pt-BR" sz="2000" dirty="0">
-                <a:solidFill>
-                  <a:srgbClr val="255EA9"/>
-                </a:solidFill>
-                <a:latin typeface="Arial" panose="020B0604020202020204" pitchFamily="34" charset="0"/>
-                <a:ea typeface="+mj-ea"/>
-                <a:cs typeface="Arial" panose="020B0604020202020204" pitchFamily="34" charset="0"/>
-              </a:rPr>
-              <a:t>Para selecionar uma linha da planilha: </a:t>
-            </a:r>
-            <a:r>
-              <a:rPr lang="pt-BR" sz="2000" dirty="0" err="1">
-                <a:solidFill>
-                  <a:srgbClr val="255EA9"/>
-                </a:solidFill>
-                <a:latin typeface="Arial" panose="020B0604020202020204" pitchFamily="34" charset="0"/>
-                <a:ea typeface="+mj-ea"/>
-                <a:cs typeface="Arial" panose="020B0604020202020204" pitchFamily="34" charset="0"/>
-              </a:rPr>
-              <a:t>CTRL</a:t>
-            </a:r>
-            <a:r>
-              <a:rPr lang="pt-BR" sz="2000" dirty="0">
-                <a:solidFill>
-                  <a:srgbClr val="255EA9"/>
-                </a:solidFill>
-                <a:latin typeface="Arial" panose="020B0604020202020204" pitchFamily="34" charset="0"/>
-                <a:ea typeface="+mj-ea"/>
-                <a:cs typeface="Arial" panose="020B0604020202020204" pitchFamily="34" charset="0"/>
-              </a:rPr>
-              <a:t> Shift Seta para direita .</a:t>
-            </a:r>
-          </a:p>
-        </p:txBody>
-      </p:sp>
-    </p:spTree>
-    <p:extLst>
-      <p:ext uri="{BB962C8B-B14F-4D97-AF65-F5344CB8AC3E}">
-        <p14:creationId xmlns:p14="http://schemas.microsoft.com/office/powerpoint/2010/main" val="4201699772"/>
-      </p:ext>
-    </p:extLst>
-  </p:cSld>
-  <p:clrMapOvr>
-    <a:masterClrMapping/>
-  </p:clrMapOvr>
-  <mc:AlternateContent xmlns:mc="http://schemas.openxmlformats.org/markup-compatibility/2006" xmlns:p159="http://schemas.microsoft.com/office/powerpoint/2015/09/main">
-    <mc:Choice Requires="p159">
-      <p:transition xmlns:p14="http://schemas.microsoft.com/office/powerpoint/2010/main" spd="slow" p14:dur="2000">
-        <p159:morph option="byObject"/>
-      </p:transition>
-    </mc:Choice>
-    <mc:Fallback xmlns="">
-      <p:transition spd="slow">
-        <p:fade/>
-      </p:transition>
-    </mc:Fallback>
-  </mc:AlternateContent>
-</p:sld>
-</file>
-
-<file path=ppt/slides/slide22.xml><?xml version="1.0" encoding="utf-8"?>
-<p:sld xmlns:a="http://schemas.openxmlformats.org/drawingml/2006/main" xmlns:r="http://schemas.openxmlformats.org/officeDocument/2006/relationships" xmlns:p="http://schemas.openxmlformats.org/presentationml/2006/main">
-  <p:cSld>
-    <p:spTree>
-      <p:nvGrpSpPr>
-        <p:cNvPr id="1" name=""/>
-        <p:cNvGrpSpPr/>
-        <p:nvPr/>
-      </p:nvGrpSpPr>
-      <p:grpSpPr>
-        <a:xfrm>
-          <a:off x="0" y="0"/>
-          <a:ext cx="0" cy="0"/>
-          <a:chOff x="0" y="0"/>
-          <a:chExt cx="0" cy="0"/>
-        </a:xfrm>
-      </p:grpSpPr>
-      <p:sp>
-        <p:nvSpPr>
-          <p:cNvPr id="6" name="Retângulo 5"/>
-          <p:cNvSpPr/>
-          <p:nvPr/>
-        </p:nvSpPr>
-        <p:spPr>
-          <a:xfrm flipH="1">
-            <a:off x="-4763" y="165794"/>
-            <a:ext cx="12192000" cy="1309753"/>
-          </a:xfrm>
-          <a:prstGeom prst="rect">
-            <a:avLst/>
-          </a:prstGeom>
-          <a:solidFill>
-            <a:srgbClr val="DC474B"/>
-          </a:solidFill>
-          <a:ln>
-            <a:noFill/>
-          </a:ln>
-          <a:effectLst>
-            <a:glow>
-              <a:schemeClr val="accent1"/>
-            </a:glow>
-          </a:effectLst>
-        </p:spPr>
-        <p:style>
-          <a:lnRef idx="2">
-            <a:schemeClr val="accent1">
-              <a:shade val="50000"/>
-            </a:schemeClr>
-          </a:lnRef>
-          <a:fillRef idx="1">
-            <a:schemeClr val="accent1"/>
-          </a:fillRef>
-          <a:effectRef idx="0">
-            <a:schemeClr val="accent1"/>
-          </a:effectRef>
-          <a:fontRef idx="minor">
-            <a:schemeClr val="lt1"/>
-          </a:fontRef>
-        </p:style>
-        <p:txBody>
-          <a:bodyPr rtlCol="0" anchor="ctr"/>
-          <a:lstStyle/>
-          <a:p>
-            <a:pPr algn="ctr"/>
-            <a:endParaRPr lang="pt-BR"/>
-          </a:p>
-        </p:txBody>
-      </p:sp>
-      <p:sp>
-        <p:nvSpPr>
-          <p:cNvPr id="2" name="Título 1"/>
-          <p:cNvSpPr>
-            <a:spLocks noGrp="1"/>
-          </p:cNvSpPr>
-          <p:nvPr>
-            <p:ph type="ctrTitle"/>
-          </p:nvPr>
-        </p:nvSpPr>
-        <p:spPr>
-          <a:xfrm>
-            <a:off x="-4764" y="80449"/>
-            <a:ext cx="8290635" cy="1223237"/>
-          </a:xfrm>
-          <a:ln>
-            <a:noFill/>
-          </a:ln>
-          <a:effectLst>
-            <a:outerShdw blurRad="44450" dist="27940" dir="5400000" algn="ctr">
-              <a:schemeClr val="tx1">
-                <a:alpha val="32000"/>
-              </a:schemeClr>
-            </a:outerShdw>
-          </a:effectLst>
-          <a:scene3d>
-            <a:camera prst="orthographicFront">
-              <a:rot lat="0" lon="0" rev="0"/>
-            </a:camera>
-            <a:lightRig rig="balanced" dir="t">
-              <a:rot lat="0" lon="0" rev="8700000"/>
-            </a:lightRig>
-          </a:scene3d>
-          <a:sp3d>
-            <a:bevelT w="190500" h="38100"/>
-          </a:sp3d>
-        </p:spPr>
-        <p:txBody>
-          <a:bodyPr>
-            <a:noAutofit/>
-          </a:bodyPr>
-          <a:lstStyle/>
-          <a:p>
-            <a:pPr algn="l"/>
-            <a:r>
-              <a:rPr lang="pt-BR" sz="6600" dirty="0">
-                <a:solidFill>
-                  <a:schemeClr val="bg1"/>
-                </a:solidFill>
-                <a:latin typeface="Arial" panose="020B0604020202020204" pitchFamily="34" charset="0"/>
-                <a:cs typeface="Arial" panose="020B0604020202020204" pitchFamily="34" charset="0"/>
-              </a:rPr>
-              <a:t>Agilidade</a:t>
-            </a:r>
-            <a:r>
-              <a:rPr lang="pt-BR" sz="8000" dirty="0">
-                <a:solidFill>
-                  <a:schemeClr val="bg1"/>
-                </a:solidFill>
-                <a:latin typeface="Arial" panose="020B0604020202020204" pitchFamily="34" charset="0"/>
-                <a:cs typeface="Arial" panose="020B0604020202020204" pitchFamily="34" charset="0"/>
-              </a:rPr>
-              <a:t>:</a:t>
-            </a:r>
-          </a:p>
-        </p:txBody>
-      </p:sp>
       <p:pic>
         <p:nvPicPr>
           <p:cNvPr id="7" name="Picture 7" descr="http://3.bp.blogspot.com/-iOqrmwjHraM/TqgdJ7EvIxI/AAAAAAAAEpg/yTJpVGoPos8/s400/4.jpg"/>
@@ -8156,7 +7965,7 @@
 </p:sld>
 </file>
 
-<file path=ppt/slides/slide23.xml><?xml version="1.0" encoding="utf-8"?>
+<file path=ppt/slides/slide22.xml><?xml version="1.0" encoding="utf-8"?>
 <p:sld xmlns:a="http://schemas.openxmlformats.org/drawingml/2006/main" xmlns:r="http://schemas.openxmlformats.org/officeDocument/2006/relationships" xmlns:p="http://schemas.openxmlformats.org/presentationml/2006/main">
   <p:cSld>
     <p:spTree>
@@ -8721,7 +8530,7 @@
 </p:sld>
 </file>
 
-<file path=ppt/slides/slide24.xml><?xml version="1.0" encoding="utf-8"?>
+<file path=ppt/slides/slide23.xml><?xml version="1.0" encoding="utf-8"?>
 <p:sld xmlns:a="http://schemas.openxmlformats.org/drawingml/2006/main" xmlns:r="http://schemas.openxmlformats.org/officeDocument/2006/relationships" xmlns:p="http://schemas.openxmlformats.org/presentationml/2006/main">
   <p:cSld>
     <p:spTree>
@@ -8972,7 +8781,7 @@
 </p:sld>
 </file>
 
-<file path=ppt/slides/slide25.xml><?xml version="1.0" encoding="utf-8"?>
+<file path=ppt/slides/slide24.xml><?xml version="1.0" encoding="utf-8"?>
 <p:sld xmlns:a="http://schemas.openxmlformats.org/drawingml/2006/main" xmlns:r="http://schemas.openxmlformats.org/officeDocument/2006/relationships" xmlns:p="http://schemas.openxmlformats.org/presentationml/2006/main">
   <p:cSld>
     <p:spTree>
@@ -9223,7 +9032,7 @@
 </p:sld>
 </file>
 
-<file path=ppt/slides/slide26.xml><?xml version="1.0" encoding="utf-8"?>
+<file path=ppt/slides/slide25.xml><?xml version="1.0" encoding="utf-8"?>
 <p:sld xmlns:a="http://schemas.openxmlformats.org/drawingml/2006/main" xmlns:r="http://schemas.openxmlformats.org/officeDocument/2006/relationships" xmlns:p="http://schemas.openxmlformats.org/presentationml/2006/main">
   <p:cSld>
     <p:spTree>
@@ -9979,7 +9788,7 @@
 </p:sld>
 </file>
 
-<file path=ppt/slides/slide27.xml><?xml version="1.0" encoding="utf-8"?>
+<file path=ppt/slides/slide26.xml><?xml version="1.0" encoding="utf-8"?>
 <p:sld xmlns:a="http://schemas.openxmlformats.org/drawingml/2006/main" xmlns:r="http://schemas.openxmlformats.org/officeDocument/2006/relationships" xmlns:p="http://schemas.openxmlformats.org/presentationml/2006/main">
   <p:cSld>
     <p:spTree>
@@ -10397,7 +10206,7 @@
 </p:sld>
 </file>
 
-<file path=ppt/slides/slide28.xml><?xml version="1.0" encoding="utf-8"?>
+<file path=ppt/slides/slide27.xml><?xml version="1.0" encoding="utf-8"?>
 <p:sld xmlns:a="http://schemas.openxmlformats.org/drawingml/2006/main" xmlns:r="http://schemas.openxmlformats.org/officeDocument/2006/relationships" xmlns:p="http://schemas.openxmlformats.org/presentationml/2006/main">
   <p:cSld>
     <p:spTree>
@@ -11525,7 +11334,7 @@
 </p:sld>
 </file>
 
-<file path=ppt/slides/slide29.xml><?xml version="1.0" encoding="utf-8"?>
+<file path=ppt/slides/slide28.xml><?xml version="1.0" encoding="utf-8"?>
 <p:sld xmlns:a="http://schemas.openxmlformats.org/drawingml/2006/main" xmlns:r="http://schemas.openxmlformats.org/officeDocument/2006/relationships" xmlns:p="http://schemas.openxmlformats.org/presentationml/2006/main">
   <p:cSld>
     <p:spTree>
@@ -12913,328 +12722,7 @@
 </p:sld>
 </file>
 
-<file path=ppt/slides/slide3.xml><?xml version="1.0" encoding="utf-8"?>
-<p:sld xmlns:a="http://schemas.openxmlformats.org/drawingml/2006/main" xmlns:r="http://schemas.openxmlformats.org/officeDocument/2006/relationships" xmlns:p="http://schemas.openxmlformats.org/presentationml/2006/main">
-  <p:cSld>
-    <p:spTree>
-      <p:nvGrpSpPr>
-        <p:cNvPr id="1" name=""/>
-        <p:cNvGrpSpPr/>
-        <p:nvPr/>
-      </p:nvGrpSpPr>
-      <p:grpSpPr>
-        <a:xfrm>
-          <a:off x="0" y="0"/>
-          <a:ext cx="0" cy="0"/>
-          <a:chOff x="0" y="0"/>
-          <a:chExt cx="0" cy="0"/>
-        </a:xfrm>
-      </p:grpSpPr>
-      <p:sp>
-        <p:nvSpPr>
-          <p:cNvPr id="6" name="Retângulo 5"/>
-          <p:cNvSpPr/>
-          <p:nvPr/>
-        </p:nvSpPr>
-        <p:spPr>
-          <a:xfrm flipH="1">
-            <a:off x="-4763" y="165794"/>
-            <a:ext cx="12192000" cy="1309753"/>
-          </a:xfrm>
-          <a:prstGeom prst="rect">
-            <a:avLst/>
-          </a:prstGeom>
-          <a:solidFill>
-            <a:srgbClr val="DC474B"/>
-          </a:solidFill>
-          <a:ln>
-            <a:noFill/>
-          </a:ln>
-          <a:effectLst>
-            <a:glow>
-              <a:schemeClr val="accent1"/>
-            </a:glow>
-          </a:effectLst>
-        </p:spPr>
-        <p:style>
-          <a:lnRef idx="2">
-            <a:schemeClr val="accent1">
-              <a:shade val="50000"/>
-            </a:schemeClr>
-          </a:lnRef>
-          <a:fillRef idx="1">
-            <a:schemeClr val="accent1"/>
-          </a:fillRef>
-          <a:effectRef idx="0">
-            <a:schemeClr val="accent1"/>
-          </a:effectRef>
-          <a:fontRef idx="minor">
-            <a:schemeClr val="lt1"/>
-          </a:fontRef>
-        </p:style>
-        <p:txBody>
-          <a:bodyPr rtlCol="0" anchor="ctr"/>
-          <a:lstStyle/>
-          <a:p>
-            <a:pPr algn="ctr"/>
-            <a:endParaRPr lang="pt-BR"/>
-          </a:p>
-        </p:txBody>
-      </p:sp>
-      <p:sp>
-        <p:nvSpPr>
-          <p:cNvPr id="2" name="Título 1"/>
-          <p:cNvSpPr>
-            <a:spLocks noGrp="1"/>
-          </p:cNvSpPr>
-          <p:nvPr>
-            <p:ph type="ctrTitle"/>
-          </p:nvPr>
-        </p:nvSpPr>
-        <p:spPr>
-          <a:xfrm>
-            <a:off x="-4763" y="80449"/>
-            <a:ext cx="5378621" cy="1223237"/>
-          </a:xfrm>
-          <a:ln>
-            <a:noFill/>
-          </a:ln>
-          <a:effectLst>
-            <a:outerShdw blurRad="44450" dist="27940" dir="5400000" algn="ctr">
-              <a:schemeClr val="tx1">
-                <a:alpha val="32000"/>
-              </a:schemeClr>
-            </a:outerShdw>
-          </a:effectLst>
-          <a:scene3d>
-            <a:camera prst="orthographicFront">
-              <a:rot lat="0" lon="0" rev="0"/>
-            </a:camera>
-            <a:lightRig rig="balanced" dir="t">
-              <a:rot lat="0" lon="0" rev="8700000"/>
-            </a:lightRig>
-          </a:scene3d>
-          <a:sp3d>
-            <a:bevelT w="190500" h="38100"/>
-          </a:sp3d>
-        </p:spPr>
-        <p:txBody>
-          <a:bodyPr>
-            <a:noAutofit/>
-          </a:bodyPr>
-          <a:lstStyle/>
-          <a:p>
-            <a:r>
-              <a:rPr lang="pt-BR" sz="8000" dirty="0">
-                <a:solidFill>
-                  <a:schemeClr val="bg1"/>
-                </a:solidFill>
-                <a:latin typeface="Arial" panose="020B0604020202020204" pitchFamily="34" charset="0"/>
-                <a:cs typeface="Arial" panose="020B0604020202020204" pitchFamily="34" charset="0"/>
-              </a:rPr>
-              <a:t>Professor</a:t>
-            </a:r>
-            <a:r>
-              <a:rPr lang="pt-BR" sz="9600" dirty="0">
-                <a:solidFill>
-                  <a:schemeClr val="bg1"/>
-                </a:solidFill>
-                <a:latin typeface="Arial" panose="020B0604020202020204" pitchFamily="34" charset="0"/>
-                <a:cs typeface="Arial" panose="020B0604020202020204" pitchFamily="34" charset="0"/>
-              </a:rPr>
-              <a:t>:</a:t>
-            </a:r>
-          </a:p>
-        </p:txBody>
-      </p:sp>
-      <p:sp>
-        <p:nvSpPr>
-          <p:cNvPr id="7" name="Título 1"/>
-          <p:cNvSpPr txBox="1">
-            <a:spLocks/>
-          </p:cNvSpPr>
-          <p:nvPr/>
-        </p:nvSpPr>
-        <p:spPr>
-          <a:xfrm>
-            <a:off x="312635" y="1670815"/>
-            <a:ext cx="11363550" cy="4791109"/>
-          </a:xfrm>
-          <a:prstGeom prst="rect">
-            <a:avLst/>
-          </a:prstGeom>
-          <a:ln>
-            <a:noFill/>
-          </a:ln>
-          <a:effectLst>
-            <a:outerShdw blurRad="44450" dist="27940" dir="5400000" algn="ctr">
-              <a:srgbClr val="000000">
-                <a:alpha val="32000"/>
-              </a:srgbClr>
-            </a:outerShdw>
-          </a:effectLst>
-          <a:scene3d>
-            <a:camera prst="orthographicFront">
-              <a:rot lat="0" lon="0" rev="0"/>
-            </a:camera>
-            <a:lightRig rig="balanced" dir="t">
-              <a:rot lat="0" lon="0" rev="8700000"/>
-            </a:lightRig>
-          </a:scene3d>
-          <a:sp3d>
-            <a:bevelT w="190500" h="38100"/>
-          </a:sp3d>
-        </p:spPr>
-        <p:txBody>
-          <a:bodyPr vert="horz" lIns="91440" tIns="45720" rIns="91440" bIns="45720" rtlCol="0" anchor="ctr">
-            <a:noAutofit/>
-          </a:bodyPr>
-          <a:lstStyle>
-            <a:lvl1pPr algn="ctr" defTabSz="1218804" rtl="0" eaLnBrk="1" latinLnBrk="0" hangingPunct="1">
-              <a:spcBef>
-                <a:spcPct val="0"/>
-              </a:spcBef>
-              <a:buNone/>
-              <a:defRPr sz="5865" kern="1200">
-                <a:solidFill>
-                  <a:schemeClr val="tx1"/>
-                </a:solidFill>
-                <a:latin typeface="+mj-lt"/>
-                <a:ea typeface="+mj-ea"/>
-                <a:cs typeface="+mj-cs"/>
-              </a:defRPr>
-            </a:lvl1pPr>
-          </a:lstStyle>
-          <a:p>
-            <a:pPr algn="l"/>
-            <a:r>
-              <a:rPr lang="pt-BR" sz="2400" dirty="0">
-                <a:solidFill>
-                  <a:srgbClr val="255EA9"/>
-                </a:solidFill>
-                <a:latin typeface="Arial" panose="020B0604020202020204" pitchFamily="34" charset="0"/>
-                <a:cs typeface="Arial" panose="020B0604020202020204" pitchFamily="34" charset="0"/>
-              </a:rPr>
-              <a:t>Márcio Rosa,</a:t>
-            </a:r>
-          </a:p>
-          <a:p>
-            <a:pPr algn="l"/>
-            <a:endParaRPr lang="pt-BR" sz="2400" dirty="0">
-              <a:solidFill>
-                <a:srgbClr val="255EA9"/>
-              </a:solidFill>
-              <a:latin typeface="Arial" panose="020B0604020202020204" pitchFamily="34" charset="0"/>
-              <a:cs typeface="Arial" panose="020B0604020202020204" pitchFamily="34" charset="0"/>
-            </a:endParaRPr>
-          </a:p>
-          <a:p>
-            <a:pPr algn="l"/>
-            <a:r>
-              <a:rPr lang="pt-BR" sz="2400" dirty="0">
-                <a:solidFill>
-                  <a:srgbClr val="255EA9"/>
-                </a:solidFill>
-                <a:latin typeface="Arial" panose="020B0604020202020204" pitchFamily="34" charset="0"/>
-                <a:cs typeface="Arial" panose="020B0604020202020204" pitchFamily="34" charset="0"/>
-              </a:rPr>
-              <a:t>10 anos de experiência na com Excel trabalhando diariamente gerando informações rápidas e com qualidade.</a:t>
-            </a:r>
-          </a:p>
-          <a:p>
-            <a:pPr algn="l"/>
-            <a:endParaRPr lang="pt-BR" sz="2400" dirty="0">
-              <a:solidFill>
-                <a:srgbClr val="255EA9"/>
-              </a:solidFill>
-              <a:latin typeface="Arial" panose="020B0604020202020204" pitchFamily="34" charset="0"/>
-              <a:cs typeface="Arial" panose="020B0604020202020204" pitchFamily="34" charset="0"/>
-            </a:endParaRPr>
-          </a:p>
-          <a:p>
-            <a:pPr algn="l"/>
-            <a:r>
-              <a:rPr lang="pt-BR" sz="2400" dirty="0">
-                <a:solidFill>
-                  <a:srgbClr val="255EA9"/>
-                </a:solidFill>
-                <a:latin typeface="Arial" panose="020B0604020202020204" pitchFamily="34" charset="0"/>
-                <a:cs typeface="Arial" panose="020B0604020202020204" pitchFamily="34" charset="0"/>
-              </a:rPr>
-              <a:t>Formado em Sistemas de Informação pela </a:t>
-            </a:r>
-            <a:r>
-              <a:rPr lang="pt-BR" sz="2400" dirty="0" err="1">
-                <a:solidFill>
-                  <a:srgbClr val="255EA9"/>
-                </a:solidFill>
-                <a:latin typeface="Arial" panose="020B0604020202020204" pitchFamily="34" charset="0"/>
-                <a:cs typeface="Arial" panose="020B0604020202020204" pitchFamily="34" charset="0"/>
-              </a:rPr>
-              <a:t>ESAMC</a:t>
-            </a:r>
-            <a:r>
-              <a:rPr lang="pt-BR" sz="2400" dirty="0">
-                <a:solidFill>
-                  <a:srgbClr val="255EA9"/>
-                </a:solidFill>
-                <a:latin typeface="Arial" panose="020B0604020202020204" pitchFamily="34" charset="0"/>
-                <a:cs typeface="Arial" panose="020B0604020202020204" pitchFamily="34" charset="0"/>
-              </a:rPr>
-              <a:t>, desenvolvi planilhas de valor agregado nos setores de PCP, administrativo e finanças, reduzindo tempo e otimizando tarefas repetitivas.</a:t>
-            </a:r>
-          </a:p>
-          <a:p>
-            <a:pPr algn="l"/>
-            <a:endParaRPr lang="pt-BR" sz="2400" dirty="0">
-              <a:solidFill>
-                <a:srgbClr val="255EA9"/>
-              </a:solidFill>
-              <a:latin typeface="Arial" panose="020B0604020202020204" pitchFamily="34" charset="0"/>
-              <a:cs typeface="Arial" panose="020B0604020202020204" pitchFamily="34" charset="0"/>
-            </a:endParaRPr>
-          </a:p>
-          <a:p>
-            <a:pPr algn="l"/>
-            <a:r>
-              <a:rPr lang="pt-BR" sz="2400" dirty="0">
-                <a:solidFill>
-                  <a:srgbClr val="255EA9"/>
-                </a:solidFill>
-                <a:latin typeface="Arial" panose="020B0604020202020204" pitchFamily="34" charset="0"/>
-                <a:cs typeface="Arial" panose="020B0604020202020204" pitchFamily="34" charset="0"/>
-              </a:rPr>
-              <a:t>Atuando com consultoria empresarial a 4 anos, durante 3 anos estou dividindo meus conhecimentos ensinando Excel de uma forma objetiva, pratica, ágil e com logica de programação para resolução de diversos desafios.</a:t>
-            </a:r>
-          </a:p>
-        </p:txBody>
-      </p:sp>
-    </p:spTree>
-    <p:extLst>
-      <p:ext uri="{BB962C8B-B14F-4D97-AF65-F5344CB8AC3E}">
-        <p14:creationId xmlns:p14="http://schemas.microsoft.com/office/powerpoint/2010/main" val="278266415"/>
-      </p:ext>
-    </p:extLst>
-  </p:cSld>
-  <p:clrMapOvr>
-    <a:masterClrMapping/>
-  </p:clrMapOvr>
-  <mc:AlternateContent xmlns:mc="http://schemas.openxmlformats.org/markup-compatibility/2006" xmlns:p159="http://schemas.microsoft.com/office/powerpoint/2015/09/main">
-    <mc:Choice Requires="p159">
-      <p:transition xmlns:p14="http://schemas.microsoft.com/office/powerpoint/2010/main" spd="slow" p14:dur="2000">
-        <p159:morph option="byObject"/>
-      </p:transition>
-    </mc:Choice>
-    <mc:Fallback xmlns="">
-      <p:transition spd="slow">
-        <p:fade/>
-      </p:transition>
-    </mc:Fallback>
-  </mc:AlternateContent>
-</p:sld>
-</file>
-
-<file path=ppt/slides/slide30.xml><?xml version="1.0" encoding="utf-8"?>
+<file path=ppt/slides/slide29.xml><?xml version="1.0" encoding="utf-8"?>
 <p:sld xmlns:a="http://schemas.openxmlformats.org/drawingml/2006/main" xmlns:r="http://schemas.openxmlformats.org/officeDocument/2006/relationships" xmlns:p="http://schemas.openxmlformats.org/presentationml/2006/main">
   <p:cSld>
     <p:spTree>
@@ -14255,6 +13743,327 @@
       <p:bldP spid="12" grpId="1"/>
     </p:bldLst>
   </p:timing>
+</p:sld>
+</file>
+
+<file path=ppt/slides/slide3.xml><?xml version="1.0" encoding="utf-8"?>
+<p:sld xmlns:a="http://schemas.openxmlformats.org/drawingml/2006/main" xmlns:r="http://schemas.openxmlformats.org/officeDocument/2006/relationships" xmlns:p="http://schemas.openxmlformats.org/presentationml/2006/main">
+  <p:cSld>
+    <p:spTree>
+      <p:nvGrpSpPr>
+        <p:cNvPr id="1" name=""/>
+        <p:cNvGrpSpPr/>
+        <p:nvPr/>
+      </p:nvGrpSpPr>
+      <p:grpSpPr>
+        <a:xfrm>
+          <a:off x="0" y="0"/>
+          <a:ext cx="0" cy="0"/>
+          <a:chOff x="0" y="0"/>
+          <a:chExt cx="0" cy="0"/>
+        </a:xfrm>
+      </p:grpSpPr>
+      <p:sp>
+        <p:nvSpPr>
+          <p:cNvPr id="6" name="Retângulo 5"/>
+          <p:cNvSpPr/>
+          <p:nvPr/>
+        </p:nvSpPr>
+        <p:spPr>
+          <a:xfrm flipH="1">
+            <a:off x="-4763" y="165794"/>
+            <a:ext cx="12192000" cy="1309753"/>
+          </a:xfrm>
+          <a:prstGeom prst="rect">
+            <a:avLst/>
+          </a:prstGeom>
+          <a:solidFill>
+            <a:srgbClr val="DC474B"/>
+          </a:solidFill>
+          <a:ln>
+            <a:noFill/>
+          </a:ln>
+          <a:effectLst>
+            <a:glow>
+              <a:schemeClr val="accent1"/>
+            </a:glow>
+          </a:effectLst>
+        </p:spPr>
+        <p:style>
+          <a:lnRef idx="2">
+            <a:schemeClr val="accent1">
+              <a:shade val="50000"/>
+            </a:schemeClr>
+          </a:lnRef>
+          <a:fillRef idx="1">
+            <a:schemeClr val="accent1"/>
+          </a:fillRef>
+          <a:effectRef idx="0">
+            <a:schemeClr val="accent1"/>
+          </a:effectRef>
+          <a:fontRef idx="minor">
+            <a:schemeClr val="lt1"/>
+          </a:fontRef>
+        </p:style>
+        <p:txBody>
+          <a:bodyPr rtlCol="0" anchor="ctr"/>
+          <a:lstStyle/>
+          <a:p>
+            <a:pPr algn="ctr"/>
+            <a:endParaRPr lang="pt-BR"/>
+          </a:p>
+        </p:txBody>
+      </p:sp>
+      <p:sp>
+        <p:nvSpPr>
+          <p:cNvPr id="2" name="Título 1"/>
+          <p:cNvSpPr>
+            <a:spLocks noGrp="1"/>
+          </p:cNvSpPr>
+          <p:nvPr>
+            <p:ph type="ctrTitle"/>
+          </p:nvPr>
+        </p:nvSpPr>
+        <p:spPr>
+          <a:xfrm>
+            <a:off x="-4763" y="80449"/>
+            <a:ext cx="5378621" cy="1223237"/>
+          </a:xfrm>
+          <a:ln>
+            <a:noFill/>
+          </a:ln>
+          <a:effectLst>
+            <a:outerShdw blurRad="44450" dist="27940" dir="5400000" algn="ctr">
+              <a:schemeClr val="tx1">
+                <a:alpha val="32000"/>
+              </a:schemeClr>
+            </a:outerShdw>
+          </a:effectLst>
+          <a:scene3d>
+            <a:camera prst="orthographicFront">
+              <a:rot lat="0" lon="0" rev="0"/>
+            </a:camera>
+            <a:lightRig rig="balanced" dir="t">
+              <a:rot lat="0" lon="0" rev="8700000"/>
+            </a:lightRig>
+          </a:scene3d>
+          <a:sp3d>
+            <a:bevelT w="190500" h="38100"/>
+          </a:sp3d>
+        </p:spPr>
+        <p:txBody>
+          <a:bodyPr>
+            <a:noAutofit/>
+          </a:bodyPr>
+          <a:lstStyle/>
+          <a:p>
+            <a:r>
+              <a:rPr lang="pt-BR" sz="8000" dirty="0">
+                <a:solidFill>
+                  <a:schemeClr val="bg1"/>
+                </a:solidFill>
+                <a:latin typeface="Arial" panose="020B0604020202020204" pitchFamily="34" charset="0"/>
+                <a:cs typeface="Arial" panose="020B0604020202020204" pitchFamily="34" charset="0"/>
+              </a:rPr>
+              <a:t>Professor</a:t>
+            </a:r>
+            <a:r>
+              <a:rPr lang="pt-BR" sz="9600" dirty="0">
+                <a:solidFill>
+                  <a:schemeClr val="bg1"/>
+                </a:solidFill>
+                <a:latin typeface="Arial" panose="020B0604020202020204" pitchFamily="34" charset="0"/>
+                <a:cs typeface="Arial" panose="020B0604020202020204" pitchFamily="34" charset="0"/>
+              </a:rPr>
+              <a:t>:</a:t>
+            </a:r>
+          </a:p>
+        </p:txBody>
+      </p:sp>
+      <p:sp>
+        <p:nvSpPr>
+          <p:cNvPr id="7" name="Título 1"/>
+          <p:cNvSpPr txBox="1">
+            <a:spLocks/>
+          </p:cNvSpPr>
+          <p:nvPr/>
+        </p:nvSpPr>
+        <p:spPr>
+          <a:xfrm>
+            <a:off x="312635" y="1670815"/>
+            <a:ext cx="11363550" cy="4791109"/>
+          </a:xfrm>
+          <a:prstGeom prst="rect">
+            <a:avLst/>
+          </a:prstGeom>
+          <a:ln>
+            <a:noFill/>
+          </a:ln>
+          <a:effectLst>
+            <a:outerShdw blurRad="44450" dist="27940" dir="5400000" algn="ctr">
+              <a:srgbClr val="000000">
+                <a:alpha val="32000"/>
+              </a:srgbClr>
+            </a:outerShdw>
+          </a:effectLst>
+          <a:scene3d>
+            <a:camera prst="orthographicFront">
+              <a:rot lat="0" lon="0" rev="0"/>
+            </a:camera>
+            <a:lightRig rig="balanced" dir="t">
+              <a:rot lat="0" lon="0" rev="8700000"/>
+            </a:lightRig>
+          </a:scene3d>
+          <a:sp3d>
+            <a:bevelT w="190500" h="38100"/>
+          </a:sp3d>
+        </p:spPr>
+        <p:txBody>
+          <a:bodyPr vert="horz" lIns="91440" tIns="45720" rIns="91440" bIns="45720" rtlCol="0" anchor="ctr">
+            <a:noAutofit/>
+          </a:bodyPr>
+          <a:lstStyle>
+            <a:lvl1pPr algn="ctr" defTabSz="1218804" rtl="0" eaLnBrk="1" latinLnBrk="0" hangingPunct="1">
+              <a:spcBef>
+                <a:spcPct val="0"/>
+              </a:spcBef>
+              <a:buNone/>
+              <a:defRPr sz="5865" kern="1200">
+                <a:solidFill>
+                  <a:schemeClr val="tx1"/>
+                </a:solidFill>
+                <a:latin typeface="+mj-lt"/>
+                <a:ea typeface="+mj-ea"/>
+                <a:cs typeface="+mj-cs"/>
+              </a:defRPr>
+            </a:lvl1pPr>
+          </a:lstStyle>
+          <a:p>
+            <a:pPr algn="l"/>
+            <a:r>
+              <a:rPr lang="pt-BR" sz="2400" dirty="0">
+                <a:solidFill>
+                  <a:srgbClr val="255EA9"/>
+                </a:solidFill>
+                <a:latin typeface="Arial" panose="020B0604020202020204" pitchFamily="34" charset="0"/>
+                <a:cs typeface="Arial" panose="020B0604020202020204" pitchFamily="34" charset="0"/>
+              </a:rPr>
+              <a:t>Márcio Rosa,</a:t>
+            </a:r>
+          </a:p>
+          <a:p>
+            <a:pPr algn="l"/>
+            <a:endParaRPr lang="pt-BR" sz="2400" dirty="0">
+              <a:solidFill>
+                <a:srgbClr val="255EA9"/>
+              </a:solidFill>
+              <a:latin typeface="Arial" panose="020B0604020202020204" pitchFamily="34" charset="0"/>
+              <a:cs typeface="Arial" panose="020B0604020202020204" pitchFamily="34" charset="0"/>
+            </a:endParaRPr>
+          </a:p>
+          <a:p>
+            <a:pPr algn="l"/>
+            <a:r>
+              <a:rPr lang="pt-BR" sz="2400" dirty="0">
+                <a:solidFill>
+                  <a:srgbClr val="255EA9"/>
+                </a:solidFill>
+                <a:latin typeface="Arial" panose="020B0604020202020204" pitchFamily="34" charset="0"/>
+                <a:cs typeface="Arial" panose="020B0604020202020204" pitchFamily="34" charset="0"/>
+              </a:rPr>
+              <a:t>10 anos de experiência na com Excel trabalhando diariamente gerando informações rápidas e com qualidade.</a:t>
+            </a:r>
+          </a:p>
+          <a:p>
+            <a:pPr algn="l"/>
+            <a:endParaRPr lang="pt-BR" sz="2400" dirty="0">
+              <a:solidFill>
+                <a:srgbClr val="255EA9"/>
+              </a:solidFill>
+              <a:latin typeface="Arial" panose="020B0604020202020204" pitchFamily="34" charset="0"/>
+              <a:cs typeface="Arial" panose="020B0604020202020204" pitchFamily="34" charset="0"/>
+            </a:endParaRPr>
+          </a:p>
+          <a:p>
+            <a:pPr algn="l"/>
+            <a:r>
+              <a:rPr lang="pt-BR" sz="2400" dirty="0">
+                <a:solidFill>
+                  <a:srgbClr val="255EA9"/>
+                </a:solidFill>
+                <a:latin typeface="Arial" panose="020B0604020202020204" pitchFamily="34" charset="0"/>
+                <a:cs typeface="Arial" panose="020B0604020202020204" pitchFamily="34" charset="0"/>
+              </a:rPr>
+              <a:t>Formado em Sistemas de Informação pela </a:t>
+            </a:r>
+            <a:r>
+              <a:rPr lang="pt-BR" sz="2400" dirty="0" err="1">
+                <a:solidFill>
+                  <a:srgbClr val="255EA9"/>
+                </a:solidFill>
+                <a:latin typeface="Arial" panose="020B0604020202020204" pitchFamily="34" charset="0"/>
+                <a:cs typeface="Arial" panose="020B0604020202020204" pitchFamily="34" charset="0"/>
+              </a:rPr>
+              <a:t>ESAMC</a:t>
+            </a:r>
+            <a:r>
+              <a:rPr lang="pt-BR" sz="2400" dirty="0">
+                <a:solidFill>
+                  <a:srgbClr val="255EA9"/>
+                </a:solidFill>
+                <a:latin typeface="Arial" panose="020B0604020202020204" pitchFamily="34" charset="0"/>
+                <a:cs typeface="Arial" panose="020B0604020202020204" pitchFamily="34" charset="0"/>
+              </a:rPr>
+              <a:t>, desenvolvi planilhas de valor agregado nos setores de PCP, administrativo e finanças, reduzindo tempo e otimizando tarefas repetitivas.</a:t>
+            </a:r>
+          </a:p>
+          <a:p>
+            <a:pPr algn="l"/>
+            <a:endParaRPr lang="pt-BR" sz="2400" dirty="0">
+              <a:solidFill>
+                <a:srgbClr val="255EA9"/>
+              </a:solidFill>
+              <a:latin typeface="Arial" panose="020B0604020202020204" pitchFamily="34" charset="0"/>
+              <a:cs typeface="Arial" panose="020B0604020202020204" pitchFamily="34" charset="0"/>
+            </a:endParaRPr>
+          </a:p>
+          <a:p>
+            <a:pPr algn="l"/>
+            <a:r>
+              <a:rPr lang="pt-BR" sz="2400" dirty="0">
+                <a:solidFill>
+                  <a:srgbClr val="255EA9"/>
+                </a:solidFill>
+                <a:latin typeface="Arial" panose="020B0604020202020204" pitchFamily="34" charset="0"/>
+                <a:cs typeface="Arial" panose="020B0604020202020204" pitchFamily="34" charset="0"/>
+              </a:rPr>
+              <a:t>Atuando com consultoria empresarial a 4 anos, durante 3 anos estou dividindo meus conhecimentos ensinando Excel de uma forma objetiva, pratica, ágil e com logica de programação para resolução de diversos desafios.</a:t>
+            </a:r>
+          </a:p>
+        </p:txBody>
+      </p:sp>
+    </p:spTree>
+    <p:extLst>
+      <p:ext uri="{BB962C8B-B14F-4D97-AF65-F5344CB8AC3E}">
+        <p14:creationId xmlns:p14="http://schemas.microsoft.com/office/powerpoint/2010/main" val="278266415"/>
+      </p:ext>
+    </p:extLst>
+  </p:cSld>
+  <p:clrMapOvr>
+    <a:masterClrMapping/>
+  </p:clrMapOvr>
+  <mc:AlternateContent xmlns:mc="http://schemas.openxmlformats.org/markup-compatibility/2006" xmlns:p159="http://schemas.microsoft.com/office/powerpoint/2015/09/main">
+    <mc:Choice Requires="p159">
+      <p:transition xmlns:p14="http://schemas.microsoft.com/office/powerpoint/2010/main" spd="slow" p14:dur="2000">
+        <p159:morph option="byObject"/>
+      </p:transition>
+    </mc:Choice>
+    <mc:Fallback xmlns="">
+      <p:transition spd="slow">
+        <p:fade/>
+      </p:transition>
+    </mc:Fallback>
+  </mc:AlternateContent>
 </p:sld>
 </file>
 

--- a/Turma Home Jan2018/1° Sabado/Aula 1/Apresentação Aula de Excel 1.pptx
+++ b/Turma Home Jan2018/1° Sabado/Aula 1/Apresentação Aula de Excel 1.pptx
@@ -5,7 +5,7 @@
     <p:sldMasterId id="2147483678" r:id="rId1"/>
   </p:sldMasterIdLst>
   <p:notesMasterIdLst>
-    <p:notesMasterId r:id="rId31"/>
+    <p:notesMasterId r:id="rId32"/>
   </p:notesMasterIdLst>
   <p:sldIdLst>
     <p:sldId id="256" r:id="rId2"/>
@@ -27,16 +27,17 @@
     <p:sldId id="281" r:id="rId18"/>
     <p:sldId id="283" r:id="rId19"/>
     <p:sldId id="284" r:id="rId20"/>
-    <p:sldId id="286" r:id="rId21"/>
-    <p:sldId id="285" r:id="rId22"/>
-    <p:sldId id="289" r:id="rId23"/>
-    <p:sldId id="291" r:id="rId24"/>
-    <p:sldId id="292" r:id="rId25"/>
-    <p:sldId id="290" r:id="rId26"/>
-    <p:sldId id="268" r:id="rId27"/>
-    <p:sldId id="288" r:id="rId28"/>
-    <p:sldId id="267" r:id="rId29"/>
-    <p:sldId id="260" r:id="rId30"/>
+    <p:sldId id="293" r:id="rId21"/>
+    <p:sldId id="286" r:id="rId22"/>
+    <p:sldId id="285" r:id="rId23"/>
+    <p:sldId id="289" r:id="rId24"/>
+    <p:sldId id="291" r:id="rId25"/>
+    <p:sldId id="292" r:id="rId26"/>
+    <p:sldId id="290" r:id="rId27"/>
+    <p:sldId id="268" r:id="rId28"/>
+    <p:sldId id="288" r:id="rId29"/>
+    <p:sldId id="267" r:id="rId30"/>
+    <p:sldId id="260" r:id="rId31"/>
   </p:sldIdLst>
   <p:sldSz cx="12192000" cy="6858000"/>
   <p:notesSz cx="6858000" cy="9144000"/>
@@ -7257,499 +7258,53 @@
       </p:grpSpPr>
       <p:sp>
         <p:nvSpPr>
-          <p:cNvPr id="6" name="Retângulo 5"/>
-          <p:cNvSpPr/>
-          <p:nvPr/>
+          <p:cNvPr id="2" name="Título 1">
+            <a:extLst>
+              <a:ext uri="{FF2B5EF4-FFF2-40B4-BE49-F238E27FC236}">
+                <a16:creationId xmlns:a16="http://schemas.microsoft.com/office/drawing/2014/main" id="{F49B063E-4DE5-4ABE-902E-FCDACD8A4118}"/>
+              </a:ext>
+            </a:extLst>
+          </p:cNvPr>
+          <p:cNvSpPr>
+            <a:spLocks noGrp="1"/>
+          </p:cNvSpPr>
+          <p:nvPr>
+            <p:ph type="title"/>
+          </p:nvPr>
         </p:nvSpPr>
-        <p:spPr>
-          <a:xfrm flipH="1">
-            <a:off x="-4763" y="165794"/>
-            <a:ext cx="12192000" cy="1309753"/>
-          </a:xfrm>
-          <a:prstGeom prst="rect">
-            <a:avLst/>
-          </a:prstGeom>
-          <a:solidFill>
-            <a:srgbClr val="DC474B"/>
-          </a:solidFill>
-          <a:ln>
-            <a:noFill/>
-          </a:ln>
-          <a:effectLst>
-            <a:glow>
-              <a:schemeClr val="accent1"/>
-            </a:glow>
-          </a:effectLst>
-        </p:spPr>
-        <p:style>
-          <a:lnRef idx="2">
-            <a:schemeClr val="accent1">
-              <a:shade val="50000"/>
-            </a:schemeClr>
-          </a:lnRef>
-          <a:fillRef idx="1">
-            <a:schemeClr val="accent1"/>
-          </a:fillRef>
-          <a:effectRef idx="0">
-            <a:schemeClr val="accent1"/>
-          </a:effectRef>
-          <a:fontRef idx="minor">
-            <a:schemeClr val="lt1"/>
-          </a:fontRef>
-        </p:style>
+        <p:spPr/>
         <p:txBody>
-          <a:bodyPr rtlCol="0" anchor="ctr"/>
+          <a:bodyPr/>
           <a:lstStyle/>
           <a:p>
-            <a:pPr algn="ctr"/>
             <a:endParaRPr lang="pt-BR"/>
           </a:p>
         </p:txBody>
       </p:sp>
       <p:sp>
         <p:nvSpPr>
-          <p:cNvPr id="2" name="Título 1"/>
+          <p:cNvPr id="3" name="Espaço Reservado para Conteúdo 2">
+            <a:extLst>
+              <a:ext uri="{FF2B5EF4-FFF2-40B4-BE49-F238E27FC236}">
+                <a16:creationId xmlns:a16="http://schemas.microsoft.com/office/drawing/2014/main" id="{C78C58E7-7772-4F75-B2D1-7A8700F9FE73}"/>
+              </a:ext>
+            </a:extLst>
+          </p:cNvPr>
           <p:cNvSpPr>
             <a:spLocks noGrp="1"/>
           </p:cNvSpPr>
           <p:nvPr>
-            <p:ph type="ctrTitle"/>
+            <p:ph idx="1"/>
           </p:nvPr>
         </p:nvSpPr>
-        <p:spPr>
-          <a:xfrm>
-            <a:off x="-4764" y="80449"/>
-            <a:ext cx="8290635" cy="1223237"/>
-          </a:xfrm>
-          <a:ln>
-            <a:noFill/>
-          </a:ln>
-          <a:effectLst>
-            <a:outerShdw blurRad="44450" dist="27940" dir="5400000" algn="ctr">
-              <a:schemeClr val="tx1">
-                <a:alpha val="32000"/>
-              </a:schemeClr>
-            </a:outerShdw>
-          </a:effectLst>
-          <a:scene3d>
-            <a:camera prst="orthographicFront">
-              <a:rot lat="0" lon="0" rev="0"/>
-            </a:camera>
-            <a:lightRig rig="balanced" dir="t">
-              <a:rot lat="0" lon="0" rev="8700000"/>
-            </a:lightRig>
-          </a:scene3d>
-          <a:sp3d>
-            <a:bevelT w="190500" h="38100"/>
-          </a:sp3d>
-        </p:spPr>
+        <p:spPr/>
         <p:txBody>
-          <a:bodyPr>
-            <a:noAutofit/>
-          </a:bodyPr>
+          <a:bodyPr/>
           <a:lstStyle/>
           <a:p>
-            <a:pPr algn="l"/>
-            <a:r>
-              <a:rPr lang="pt-BR" sz="6600" dirty="0">
-                <a:solidFill>
-                  <a:schemeClr val="bg1"/>
-                </a:solidFill>
-                <a:latin typeface="Arial" panose="020B0604020202020204" pitchFamily="34" charset="0"/>
-                <a:cs typeface="Arial" panose="020B0604020202020204" pitchFamily="34" charset="0"/>
-              </a:rPr>
-              <a:t>Agilidade</a:t>
-            </a:r>
-            <a:r>
-              <a:rPr lang="pt-BR" sz="8000" dirty="0">
-                <a:solidFill>
-                  <a:schemeClr val="bg1"/>
-                </a:solidFill>
-                <a:latin typeface="Arial" panose="020B0604020202020204" pitchFamily="34" charset="0"/>
-                <a:cs typeface="Arial" panose="020B0604020202020204" pitchFamily="34" charset="0"/>
-              </a:rPr>
-              <a:t>:</a:t>
-            </a:r>
-          </a:p>
-        </p:txBody>
-      </p:sp>
-      <p:sp>
-        <p:nvSpPr>
-          <p:cNvPr id="4" name="Retângulo 3"/>
-          <p:cNvSpPr/>
-          <p:nvPr/>
-        </p:nvSpPr>
-        <p:spPr>
-          <a:xfrm>
-            <a:off x="431409" y="1560892"/>
-            <a:ext cx="11146302" cy="4708981"/>
-          </a:xfrm>
-          <a:prstGeom prst="rect">
-            <a:avLst/>
-          </a:prstGeom>
-        </p:spPr>
-        <p:txBody>
-          <a:bodyPr wrap="square">
-            <a:spAutoFit/>
-          </a:bodyPr>
-          <a:lstStyle/>
-          <a:p>
-            <a:pPr marL="2286" indent="-285750" defTabSz="1218804" fontAlgn="auto">
-              <a:spcBef>
-                <a:spcPct val="0"/>
-              </a:spcBef>
-              <a:spcAft>
-                <a:spcPts val="0"/>
-              </a:spcAft>
-              <a:buFont typeface="Wingdings" panose="05000000000000000000" pitchFamily="2" charset="2"/>
-              <a:buChar char="Ø"/>
-              <a:defRPr/>
-            </a:pPr>
-            <a:r>
-              <a:rPr lang="pt-BR" sz="2000" dirty="0">
-                <a:solidFill>
-                  <a:srgbClr val="255EA9"/>
-                </a:solidFill>
-                <a:latin typeface="Arial" panose="020B0604020202020204" pitchFamily="34" charset="0"/>
-                <a:ea typeface="+mj-ea"/>
-                <a:cs typeface="Arial" panose="020B0604020202020204" pitchFamily="34" charset="0"/>
-              </a:rPr>
-              <a:t>Para selecionar toda a planilha: posicionar o cursor na primeira célula da planilha e pressionar </a:t>
-            </a:r>
-            <a:r>
-              <a:rPr lang="pt-BR" sz="2000" dirty="0" err="1">
-                <a:solidFill>
-                  <a:srgbClr val="255EA9"/>
-                </a:solidFill>
-                <a:latin typeface="Arial" panose="020B0604020202020204" pitchFamily="34" charset="0"/>
-                <a:ea typeface="+mj-ea"/>
-                <a:cs typeface="Arial" panose="020B0604020202020204" pitchFamily="34" charset="0"/>
-              </a:rPr>
-              <a:t>Control</a:t>
-            </a:r>
-            <a:r>
-              <a:rPr lang="pt-BR" sz="2000" dirty="0">
-                <a:solidFill>
-                  <a:srgbClr val="255EA9"/>
-                </a:solidFill>
-                <a:latin typeface="Arial" panose="020B0604020202020204" pitchFamily="34" charset="0"/>
-                <a:ea typeface="+mj-ea"/>
-                <a:cs typeface="Arial" panose="020B0604020202020204" pitchFamily="34" charset="0"/>
-              </a:rPr>
-              <a:t> Shift End. </a:t>
-            </a:r>
-          </a:p>
-          <a:p>
-            <a:pPr marL="2286" indent="-285750" defTabSz="1218804" fontAlgn="auto">
-              <a:spcBef>
-                <a:spcPct val="0"/>
-              </a:spcBef>
-              <a:spcAft>
-                <a:spcPts val="0"/>
-              </a:spcAft>
-              <a:buFont typeface="Wingdings" panose="05000000000000000000" pitchFamily="2" charset="2"/>
-              <a:buChar char="Ø"/>
-              <a:defRPr/>
-            </a:pPr>
-            <a:endParaRPr lang="pt-BR" sz="2000" dirty="0">
-              <a:solidFill>
-                <a:srgbClr val="255EA9"/>
-              </a:solidFill>
-              <a:latin typeface="Arial" panose="020B0604020202020204" pitchFamily="34" charset="0"/>
-              <a:ea typeface="+mj-ea"/>
-              <a:cs typeface="Arial" panose="020B0604020202020204" pitchFamily="34" charset="0"/>
-            </a:endParaRPr>
-          </a:p>
-          <a:p>
-            <a:pPr marL="2286" indent="-285750" defTabSz="1218804" fontAlgn="auto">
-              <a:spcBef>
-                <a:spcPct val="0"/>
-              </a:spcBef>
-              <a:spcAft>
-                <a:spcPts val="0"/>
-              </a:spcAft>
-              <a:buFont typeface="Wingdings" panose="05000000000000000000" pitchFamily="2" charset="2"/>
-              <a:buChar char="Ø"/>
-              <a:defRPr/>
-            </a:pPr>
-            <a:r>
-              <a:rPr lang="pt-BR" sz="2000" dirty="0">
-                <a:solidFill>
-                  <a:srgbClr val="255EA9"/>
-                </a:solidFill>
-                <a:latin typeface="Arial" panose="020B0604020202020204" pitchFamily="34" charset="0"/>
-                <a:ea typeface="+mj-ea"/>
-                <a:cs typeface="Arial" panose="020B0604020202020204" pitchFamily="34" charset="0"/>
-              </a:rPr>
-              <a:t>Para selecionar toda planilha estando o cursor posicionado em qualquer uma das células da respectiva planilha pressione </a:t>
-            </a:r>
-            <a:r>
-              <a:rPr lang="pt-BR" sz="2000" dirty="0" err="1">
-                <a:solidFill>
-                  <a:srgbClr val="255EA9"/>
-                </a:solidFill>
-                <a:latin typeface="Arial" panose="020B0604020202020204" pitchFamily="34" charset="0"/>
-                <a:ea typeface="+mj-ea"/>
-                <a:cs typeface="Arial" panose="020B0604020202020204" pitchFamily="34" charset="0"/>
-              </a:rPr>
-              <a:t>Control</a:t>
-            </a:r>
-            <a:r>
-              <a:rPr lang="pt-BR" sz="2000" dirty="0">
-                <a:solidFill>
-                  <a:srgbClr val="255EA9"/>
-                </a:solidFill>
-                <a:latin typeface="Arial" panose="020B0604020202020204" pitchFamily="34" charset="0"/>
-                <a:ea typeface="+mj-ea"/>
-                <a:cs typeface="Arial" panose="020B0604020202020204" pitchFamily="34" charset="0"/>
-              </a:rPr>
-              <a:t> Shift *. </a:t>
-            </a:r>
-          </a:p>
-          <a:p>
-            <a:pPr marL="2286" indent="-285750" defTabSz="1218804" fontAlgn="auto">
-              <a:spcBef>
-                <a:spcPct val="0"/>
-              </a:spcBef>
-              <a:spcAft>
-                <a:spcPts val="0"/>
-              </a:spcAft>
-              <a:buFont typeface="Wingdings" panose="05000000000000000000" pitchFamily="2" charset="2"/>
-              <a:buChar char="Ø"/>
-              <a:defRPr/>
-            </a:pPr>
-            <a:endParaRPr lang="pt-BR" sz="2000" dirty="0">
-              <a:solidFill>
-                <a:srgbClr val="255EA9"/>
-              </a:solidFill>
-              <a:latin typeface="Arial" panose="020B0604020202020204" pitchFamily="34" charset="0"/>
-              <a:ea typeface="+mj-ea"/>
-              <a:cs typeface="Arial" panose="020B0604020202020204" pitchFamily="34" charset="0"/>
-            </a:endParaRPr>
-          </a:p>
-          <a:p>
-            <a:pPr marL="2286" indent="-285750" defTabSz="1218804" fontAlgn="auto">
-              <a:spcBef>
-                <a:spcPct val="0"/>
-              </a:spcBef>
-              <a:spcAft>
-                <a:spcPts val="0"/>
-              </a:spcAft>
-              <a:buFont typeface="Wingdings" panose="05000000000000000000" pitchFamily="2" charset="2"/>
-              <a:buChar char="Ø"/>
-              <a:defRPr/>
-            </a:pPr>
-            <a:r>
-              <a:rPr lang="pt-BR" sz="2000" dirty="0">
-                <a:solidFill>
-                  <a:srgbClr val="255EA9"/>
-                </a:solidFill>
-                <a:latin typeface="Arial" panose="020B0604020202020204" pitchFamily="34" charset="0"/>
-                <a:ea typeface="+mj-ea"/>
-                <a:cs typeface="Arial" panose="020B0604020202020204" pitchFamily="34" charset="0"/>
-              </a:rPr>
-              <a:t>Para selecionar toda a coluna: basta posicionar o cursor na coluna desejada e teclar </a:t>
-            </a:r>
-            <a:r>
-              <a:rPr lang="pt-BR" sz="2000" dirty="0" err="1">
-                <a:solidFill>
-                  <a:srgbClr val="255EA9"/>
-                </a:solidFill>
-                <a:latin typeface="Arial" panose="020B0604020202020204" pitchFamily="34" charset="0"/>
-                <a:ea typeface="+mj-ea"/>
-                <a:cs typeface="Arial" panose="020B0604020202020204" pitchFamily="34" charset="0"/>
-              </a:rPr>
-              <a:t>Control</a:t>
-            </a:r>
-            <a:r>
-              <a:rPr lang="pt-BR" sz="2000" dirty="0">
-                <a:solidFill>
-                  <a:srgbClr val="255EA9"/>
-                </a:solidFill>
-                <a:latin typeface="Arial" panose="020B0604020202020204" pitchFamily="34" charset="0"/>
-                <a:ea typeface="+mj-ea"/>
-                <a:cs typeface="Arial" panose="020B0604020202020204" pitchFamily="34" charset="0"/>
-              </a:rPr>
-              <a:t> Barra de Espaços. </a:t>
-            </a:r>
-          </a:p>
-          <a:p>
-            <a:pPr marL="2286" indent="-285750" defTabSz="1218804" fontAlgn="auto">
-              <a:spcBef>
-                <a:spcPct val="0"/>
-              </a:spcBef>
-              <a:spcAft>
-                <a:spcPts val="0"/>
-              </a:spcAft>
-              <a:buFont typeface="Wingdings" panose="05000000000000000000" pitchFamily="2" charset="2"/>
-              <a:buChar char="Ø"/>
-              <a:defRPr/>
-            </a:pPr>
-            <a:endParaRPr lang="pt-BR" sz="2000" dirty="0">
-              <a:solidFill>
-                <a:srgbClr val="255EA9"/>
-              </a:solidFill>
-              <a:latin typeface="Arial" panose="020B0604020202020204" pitchFamily="34" charset="0"/>
-              <a:ea typeface="+mj-ea"/>
-              <a:cs typeface="Arial" panose="020B0604020202020204" pitchFamily="34" charset="0"/>
-            </a:endParaRPr>
-          </a:p>
-          <a:p>
-            <a:pPr marL="2286" indent="-285750" defTabSz="1218804" fontAlgn="auto">
-              <a:spcBef>
-                <a:spcPct val="0"/>
-              </a:spcBef>
-              <a:spcAft>
-                <a:spcPts val="0"/>
-              </a:spcAft>
-              <a:buFont typeface="Wingdings" panose="05000000000000000000" pitchFamily="2" charset="2"/>
-              <a:buChar char="Ø"/>
-              <a:defRPr/>
-            </a:pPr>
-            <a:r>
-              <a:rPr lang="pt-BR" sz="2000" dirty="0">
-                <a:solidFill>
-                  <a:srgbClr val="255EA9"/>
-                </a:solidFill>
-                <a:latin typeface="Arial" panose="020B0604020202020204" pitchFamily="34" charset="0"/>
-                <a:ea typeface="+mj-ea"/>
-                <a:cs typeface="Arial" panose="020B0604020202020204" pitchFamily="34" charset="0"/>
-              </a:rPr>
-              <a:t>Para selecionar toda linha: basta posicionar o cursor na linha desejada e teclar Shift Barra de Espaços. </a:t>
-            </a:r>
-          </a:p>
-          <a:p>
-            <a:pPr marL="2286" indent="-285750" defTabSz="1218804" fontAlgn="auto">
-              <a:spcBef>
-                <a:spcPct val="0"/>
-              </a:spcBef>
-              <a:spcAft>
-                <a:spcPts val="0"/>
-              </a:spcAft>
-              <a:buFont typeface="Wingdings" panose="05000000000000000000" pitchFamily="2" charset="2"/>
-              <a:buChar char="Ø"/>
-              <a:defRPr/>
-            </a:pPr>
-            <a:endParaRPr lang="pt-BR" sz="2000" dirty="0">
-              <a:solidFill>
-                <a:srgbClr val="255EA9"/>
-              </a:solidFill>
-              <a:latin typeface="Arial" panose="020B0604020202020204" pitchFamily="34" charset="0"/>
-              <a:ea typeface="+mj-ea"/>
-              <a:cs typeface="Arial" panose="020B0604020202020204" pitchFamily="34" charset="0"/>
-            </a:endParaRPr>
-          </a:p>
-          <a:p>
-            <a:pPr marL="2286" indent="-285750" defTabSz="1218804" fontAlgn="auto">
-              <a:spcBef>
-                <a:spcPct val="0"/>
-              </a:spcBef>
-              <a:spcAft>
-                <a:spcPts val="0"/>
-              </a:spcAft>
-              <a:buFont typeface="Wingdings" panose="05000000000000000000" pitchFamily="2" charset="2"/>
-              <a:buChar char="Ø"/>
-              <a:defRPr/>
-            </a:pPr>
-            <a:r>
-              <a:rPr lang="pt-BR" sz="2000" dirty="0">
-                <a:solidFill>
-                  <a:srgbClr val="255EA9"/>
-                </a:solidFill>
-                <a:latin typeface="Arial" panose="020B0604020202020204" pitchFamily="34" charset="0"/>
-                <a:ea typeface="+mj-ea"/>
-                <a:cs typeface="Arial" panose="020B0604020202020204" pitchFamily="34" charset="0"/>
-              </a:rPr>
-              <a:t>Para selecionar uma coluna da planilha: </a:t>
-            </a:r>
-            <a:r>
-              <a:rPr lang="pt-BR" sz="2000" dirty="0" err="1">
-                <a:solidFill>
-                  <a:srgbClr val="255EA9"/>
-                </a:solidFill>
-                <a:latin typeface="Arial" panose="020B0604020202020204" pitchFamily="34" charset="0"/>
-                <a:ea typeface="+mj-ea"/>
-                <a:cs typeface="Arial" panose="020B0604020202020204" pitchFamily="34" charset="0"/>
-              </a:rPr>
-              <a:t>CTRL</a:t>
-            </a:r>
-            <a:r>
-              <a:rPr lang="pt-BR" sz="2000" dirty="0">
-                <a:solidFill>
-                  <a:srgbClr val="255EA9"/>
-                </a:solidFill>
-                <a:latin typeface="Arial" panose="020B0604020202020204" pitchFamily="34" charset="0"/>
-                <a:ea typeface="+mj-ea"/>
-                <a:cs typeface="Arial" panose="020B0604020202020204" pitchFamily="34" charset="0"/>
-              </a:rPr>
-              <a:t> Shift Seta para baixo.</a:t>
-            </a:r>
-          </a:p>
-          <a:p>
-            <a:pPr marL="2286" indent="-285750" defTabSz="1218804" fontAlgn="auto">
-              <a:spcBef>
-                <a:spcPct val="0"/>
-              </a:spcBef>
-              <a:spcAft>
-                <a:spcPts val="0"/>
-              </a:spcAft>
-              <a:buFont typeface="Wingdings" panose="05000000000000000000" pitchFamily="2" charset="2"/>
-              <a:buChar char="Ø"/>
-              <a:defRPr/>
-            </a:pPr>
-            <a:endParaRPr lang="pt-BR" sz="2000" dirty="0">
-              <a:solidFill>
-                <a:srgbClr val="255EA9"/>
-              </a:solidFill>
-              <a:latin typeface="Arial" panose="020B0604020202020204" pitchFamily="34" charset="0"/>
-              <a:ea typeface="+mj-ea"/>
-              <a:cs typeface="Arial" panose="020B0604020202020204" pitchFamily="34" charset="0"/>
-            </a:endParaRPr>
-          </a:p>
-          <a:p>
-            <a:pPr marL="2286" indent="-285750" defTabSz="1218804" fontAlgn="auto">
-              <a:spcBef>
-                <a:spcPct val="0"/>
-              </a:spcBef>
-              <a:spcAft>
-                <a:spcPts val="0"/>
-              </a:spcAft>
-              <a:buFont typeface="Wingdings" panose="05000000000000000000" pitchFamily="2" charset="2"/>
-              <a:buChar char="Ø"/>
-              <a:defRPr/>
-            </a:pPr>
-            <a:r>
-              <a:rPr lang="pt-BR" sz="2000" dirty="0">
-                <a:solidFill>
-                  <a:srgbClr val="255EA9"/>
-                </a:solidFill>
-                <a:latin typeface="Arial" panose="020B0604020202020204" pitchFamily="34" charset="0"/>
-                <a:ea typeface="+mj-ea"/>
-                <a:cs typeface="Arial" panose="020B0604020202020204" pitchFamily="34" charset="0"/>
-              </a:rPr>
-              <a:t>Para selecionar uma linha da planilha: </a:t>
-            </a:r>
-            <a:r>
-              <a:rPr lang="pt-BR" sz="2000" dirty="0" err="1">
-                <a:solidFill>
-                  <a:srgbClr val="255EA9"/>
-                </a:solidFill>
-                <a:latin typeface="Arial" panose="020B0604020202020204" pitchFamily="34" charset="0"/>
-                <a:ea typeface="+mj-ea"/>
-                <a:cs typeface="Arial" panose="020B0604020202020204" pitchFamily="34" charset="0"/>
-              </a:rPr>
-              <a:t>CTRL</a:t>
-            </a:r>
-            <a:r>
-              <a:rPr lang="pt-BR" sz="2000" dirty="0">
-                <a:solidFill>
-                  <a:srgbClr val="255EA9"/>
-                </a:solidFill>
-                <a:latin typeface="Arial" panose="020B0604020202020204" pitchFamily="34" charset="0"/>
-                <a:ea typeface="+mj-ea"/>
-                <a:cs typeface="Arial" panose="020B0604020202020204" pitchFamily="34" charset="0"/>
-              </a:rPr>
-              <a:t> Shift Seta para direita .</a:t>
+            <a:r>
+              <a:rPr lang="pt-BR" dirty="0"/>
+              <a:t>https://support.office.com/pt-br/article/criar-ou-excluir-uma-lista-personalizada-para-a-classifica%C3%A7%C3%A3o-e-o-preenchimento-de-dados-d1cf624f-2d2b-44fa-814b-ba213ec2fd61</a:t>
             </a:r>
           </a:p>
         </p:txBody>
@@ -7757,7 +7312,7 @@
     </p:spTree>
     <p:extLst>
       <p:ext uri="{BB962C8B-B14F-4D97-AF65-F5344CB8AC3E}">
-        <p14:creationId xmlns:p14="http://schemas.microsoft.com/office/powerpoint/2010/main" val="4201699772"/>
+        <p14:creationId xmlns:p14="http://schemas.microsoft.com/office/powerpoint/2010/main" val="1835913800"/>
       </p:ext>
     </p:extLst>
   </p:cSld>
@@ -7914,6 +7469,547 @@
           </a:p>
         </p:txBody>
       </p:sp>
+      <p:sp>
+        <p:nvSpPr>
+          <p:cNvPr id="4" name="Retângulo 3"/>
+          <p:cNvSpPr/>
+          <p:nvPr/>
+        </p:nvSpPr>
+        <p:spPr>
+          <a:xfrm>
+            <a:off x="431409" y="1560892"/>
+            <a:ext cx="11146302" cy="4708981"/>
+          </a:xfrm>
+          <a:prstGeom prst="rect">
+            <a:avLst/>
+          </a:prstGeom>
+        </p:spPr>
+        <p:txBody>
+          <a:bodyPr wrap="square">
+            <a:spAutoFit/>
+          </a:bodyPr>
+          <a:lstStyle/>
+          <a:p>
+            <a:pPr marL="2286" indent="-285750" defTabSz="1218804" fontAlgn="auto">
+              <a:spcBef>
+                <a:spcPct val="0"/>
+              </a:spcBef>
+              <a:spcAft>
+                <a:spcPts val="0"/>
+              </a:spcAft>
+              <a:buFont typeface="Wingdings" panose="05000000000000000000" pitchFamily="2" charset="2"/>
+              <a:buChar char="Ø"/>
+              <a:defRPr/>
+            </a:pPr>
+            <a:r>
+              <a:rPr lang="pt-BR" sz="2000" dirty="0">
+                <a:solidFill>
+                  <a:srgbClr val="255EA9"/>
+                </a:solidFill>
+                <a:latin typeface="Arial" panose="020B0604020202020204" pitchFamily="34" charset="0"/>
+                <a:ea typeface="+mj-ea"/>
+                <a:cs typeface="Arial" panose="020B0604020202020204" pitchFamily="34" charset="0"/>
+              </a:rPr>
+              <a:t>Para selecionar toda a planilha: posicionar o cursor na primeira célula da planilha e pressionar </a:t>
+            </a:r>
+            <a:r>
+              <a:rPr lang="pt-BR" sz="2000" dirty="0" err="1">
+                <a:solidFill>
+                  <a:srgbClr val="255EA9"/>
+                </a:solidFill>
+                <a:latin typeface="Arial" panose="020B0604020202020204" pitchFamily="34" charset="0"/>
+                <a:ea typeface="+mj-ea"/>
+                <a:cs typeface="Arial" panose="020B0604020202020204" pitchFamily="34" charset="0"/>
+              </a:rPr>
+              <a:t>Control</a:t>
+            </a:r>
+            <a:r>
+              <a:rPr lang="pt-BR" sz="2000" dirty="0">
+                <a:solidFill>
+                  <a:srgbClr val="255EA9"/>
+                </a:solidFill>
+                <a:latin typeface="Arial" panose="020B0604020202020204" pitchFamily="34" charset="0"/>
+                <a:ea typeface="+mj-ea"/>
+                <a:cs typeface="Arial" panose="020B0604020202020204" pitchFamily="34" charset="0"/>
+              </a:rPr>
+              <a:t> Shift End. </a:t>
+            </a:r>
+          </a:p>
+          <a:p>
+            <a:pPr marL="2286" indent="-285750" defTabSz="1218804" fontAlgn="auto">
+              <a:spcBef>
+                <a:spcPct val="0"/>
+              </a:spcBef>
+              <a:spcAft>
+                <a:spcPts val="0"/>
+              </a:spcAft>
+              <a:buFont typeface="Wingdings" panose="05000000000000000000" pitchFamily="2" charset="2"/>
+              <a:buChar char="Ø"/>
+              <a:defRPr/>
+            </a:pPr>
+            <a:endParaRPr lang="pt-BR" sz="2000" dirty="0">
+              <a:solidFill>
+                <a:srgbClr val="255EA9"/>
+              </a:solidFill>
+              <a:latin typeface="Arial" panose="020B0604020202020204" pitchFamily="34" charset="0"/>
+              <a:ea typeface="+mj-ea"/>
+              <a:cs typeface="Arial" panose="020B0604020202020204" pitchFamily="34" charset="0"/>
+            </a:endParaRPr>
+          </a:p>
+          <a:p>
+            <a:pPr marL="2286" indent="-285750" defTabSz="1218804" fontAlgn="auto">
+              <a:spcBef>
+                <a:spcPct val="0"/>
+              </a:spcBef>
+              <a:spcAft>
+                <a:spcPts val="0"/>
+              </a:spcAft>
+              <a:buFont typeface="Wingdings" panose="05000000000000000000" pitchFamily="2" charset="2"/>
+              <a:buChar char="Ø"/>
+              <a:defRPr/>
+            </a:pPr>
+            <a:r>
+              <a:rPr lang="pt-BR" sz="2000" dirty="0">
+                <a:solidFill>
+                  <a:srgbClr val="255EA9"/>
+                </a:solidFill>
+                <a:latin typeface="Arial" panose="020B0604020202020204" pitchFamily="34" charset="0"/>
+                <a:ea typeface="+mj-ea"/>
+                <a:cs typeface="Arial" panose="020B0604020202020204" pitchFamily="34" charset="0"/>
+              </a:rPr>
+              <a:t>Para selecionar toda planilha estando o cursor posicionado em qualquer uma das células da respectiva planilha pressione </a:t>
+            </a:r>
+            <a:r>
+              <a:rPr lang="pt-BR" sz="2000" dirty="0" err="1">
+                <a:solidFill>
+                  <a:srgbClr val="255EA9"/>
+                </a:solidFill>
+                <a:latin typeface="Arial" panose="020B0604020202020204" pitchFamily="34" charset="0"/>
+                <a:ea typeface="+mj-ea"/>
+                <a:cs typeface="Arial" panose="020B0604020202020204" pitchFamily="34" charset="0"/>
+              </a:rPr>
+              <a:t>Control</a:t>
+            </a:r>
+            <a:r>
+              <a:rPr lang="pt-BR" sz="2000" dirty="0">
+                <a:solidFill>
+                  <a:srgbClr val="255EA9"/>
+                </a:solidFill>
+                <a:latin typeface="Arial" panose="020B0604020202020204" pitchFamily="34" charset="0"/>
+                <a:ea typeface="+mj-ea"/>
+                <a:cs typeface="Arial" panose="020B0604020202020204" pitchFamily="34" charset="0"/>
+              </a:rPr>
+              <a:t> Shift *. </a:t>
+            </a:r>
+          </a:p>
+          <a:p>
+            <a:pPr marL="2286" indent="-285750" defTabSz="1218804" fontAlgn="auto">
+              <a:spcBef>
+                <a:spcPct val="0"/>
+              </a:spcBef>
+              <a:spcAft>
+                <a:spcPts val="0"/>
+              </a:spcAft>
+              <a:buFont typeface="Wingdings" panose="05000000000000000000" pitchFamily="2" charset="2"/>
+              <a:buChar char="Ø"/>
+              <a:defRPr/>
+            </a:pPr>
+            <a:endParaRPr lang="pt-BR" sz="2000" dirty="0">
+              <a:solidFill>
+                <a:srgbClr val="255EA9"/>
+              </a:solidFill>
+              <a:latin typeface="Arial" panose="020B0604020202020204" pitchFamily="34" charset="0"/>
+              <a:ea typeface="+mj-ea"/>
+              <a:cs typeface="Arial" panose="020B0604020202020204" pitchFamily="34" charset="0"/>
+            </a:endParaRPr>
+          </a:p>
+          <a:p>
+            <a:pPr marL="2286" indent="-285750" defTabSz="1218804" fontAlgn="auto">
+              <a:spcBef>
+                <a:spcPct val="0"/>
+              </a:spcBef>
+              <a:spcAft>
+                <a:spcPts val="0"/>
+              </a:spcAft>
+              <a:buFont typeface="Wingdings" panose="05000000000000000000" pitchFamily="2" charset="2"/>
+              <a:buChar char="Ø"/>
+              <a:defRPr/>
+            </a:pPr>
+            <a:r>
+              <a:rPr lang="pt-BR" sz="2000" dirty="0">
+                <a:solidFill>
+                  <a:srgbClr val="255EA9"/>
+                </a:solidFill>
+                <a:latin typeface="Arial" panose="020B0604020202020204" pitchFamily="34" charset="0"/>
+                <a:ea typeface="+mj-ea"/>
+                <a:cs typeface="Arial" panose="020B0604020202020204" pitchFamily="34" charset="0"/>
+              </a:rPr>
+              <a:t>Para selecionar toda a coluna: basta posicionar o cursor na coluna desejada e teclar </a:t>
+            </a:r>
+            <a:r>
+              <a:rPr lang="pt-BR" sz="2000" dirty="0" err="1">
+                <a:solidFill>
+                  <a:srgbClr val="255EA9"/>
+                </a:solidFill>
+                <a:latin typeface="Arial" panose="020B0604020202020204" pitchFamily="34" charset="0"/>
+                <a:ea typeface="+mj-ea"/>
+                <a:cs typeface="Arial" panose="020B0604020202020204" pitchFamily="34" charset="0"/>
+              </a:rPr>
+              <a:t>Control</a:t>
+            </a:r>
+            <a:r>
+              <a:rPr lang="pt-BR" sz="2000" dirty="0">
+                <a:solidFill>
+                  <a:srgbClr val="255EA9"/>
+                </a:solidFill>
+                <a:latin typeface="Arial" panose="020B0604020202020204" pitchFamily="34" charset="0"/>
+                <a:ea typeface="+mj-ea"/>
+                <a:cs typeface="Arial" panose="020B0604020202020204" pitchFamily="34" charset="0"/>
+              </a:rPr>
+              <a:t> Barra de Espaços. </a:t>
+            </a:r>
+          </a:p>
+          <a:p>
+            <a:pPr marL="2286" indent="-285750" defTabSz="1218804" fontAlgn="auto">
+              <a:spcBef>
+                <a:spcPct val="0"/>
+              </a:spcBef>
+              <a:spcAft>
+                <a:spcPts val="0"/>
+              </a:spcAft>
+              <a:buFont typeface="Wingdings" panose="05000000000000000000" pitchFamily="2" charset="2"/>
+              <a:buChar char="Ø"/>
+              <a:defRPr/>
+            </a:pPr>
+            <a:endParaRPr lang="pt-BR" sz="2000" dirty="0">
+              <a:solidFill>
+                <a:srgbClr val="255EA9"/>
+              </a:solidFill>
+              <a:latin typeface="Arial" panose="020B0604020202020204" pitchFamily="34" charset="0"/>
+              <a:ea typeface="+mj-ea"/>
+              <a:cs typeface="Arial" panose="020B0604020202020204" pitchFamily="34" charset="0"/>
+            </a:endParaRPr>
+          </a:p>
+          <a:p>
+            <a:pPr marL="2286" indent="-285750" defTabSz="1218804" fontAlgn="auto">
+              <a:spcBef>
+                <a:spcPct val="0"/>
+              </a:spcBef>
+              <a:spcAft>
+                <a:spcPts val="0"/>
+              </a:spcAft>
+              <a:buFont typeface="Wingdings" panose="05000000000000000000" pitchFamily="2" charset="2"/>
+              <a:buChar char="Ø"/>
+              <a:defRPr/>
+            </a:pPr>
+            <a:r>
+              <a:rPr lang="pt-BR" sz="2000" dirty="0">
+                <a:solidFill>
+                  <a:srgbClr val="255EA9"/>
+                </a:solidFill>
+                <a:latin typeface="Arial" panose="020B0604020202020204" pitchFamily="34" charset="0"/>
+                <a:ea typeface="+mj-ea"/>
+                <a:cs typeface="Arial" panose="020B0604020202020204" pitchFamily="34" charset="0"/>
+              </a:rPr>
+              <a:t>Para selecionar toda linha: basta posicionar o cursor na linha desejada e teclar Shift Barra de Espaços. </a:t>
+            </a:r>
+          </a:p>
+          <a:p>
+            <a:pPr marL="2286" indent="-285750" defTabSz="1218804" fontAlgn="auto">
+              <a:spcBef>
+                <a:spcPct val="0"/>
+              </a:spcBef>
+              <a:spcAft>
+                <a:spcPts val="0"/>
+              </a:spcAft>
+              <a:buFont typeface="Wingdings" panose="05000000000000000000" pitchFamily="2" charset="2"/>
+              <a:buChar char="Ø"/>
+              <a:defRPr/>
+            </a:pPr>
+            <a:endParaRPr lang="pt-BR" sz="2000" dirty="0">
+              <a:solidFill>
+                <a:srgbClr val="255EA9"/>
+              </a:solidFill>
+              <a:latin typeface="Arial" panose="020B0604020202020204" pitchFamily="34" charset="0"/>
+              <a:ea typeface="+mj-ea"/>
+              <a:cs typeface="Arial" panose="020B0604020202020204" pitchFamily="34" charset="0"/>
+            </a:endParaRPr>
+          </a:p>
+          <a:p>
+            <a:pPr marL="2286" indent="-285750" defTabSz="1218804" fontAlgn="auto">
+              <a:spcBef>
+                <a:spcPct val="0"/>
+              </a:spcBef>
+              <a:spcAft>
+                <a:spcPts val="0"/>
+              </a:spcAft>
+              <a:buFont typeface="Wingdings" panose="05000000000000000000" pitchFamily="2" charset="2"/>
+              <a:buChar char="Ø"/>
+              <a:defRPr/>
+            </a:pPr>
+            <a:r>
+              <a:rPr lang="pt-BR" sz="2000" dirty="0">
+                <a:solidFill>
+                  <a:srgbClr val="255EA9"/>
+                </a:solidFill>
+                <a:latin typeface="Arial" panose="020B0604020202020204" pitchFamily="34" charset="0"/>
+                <a:ea typeface="+mj-ea"/>
+                <a:cs typeface="Arial" panose="020B0604020202020204" pitchFamily="34" charset="0"/>
+              </a:rPr>
+              <a:t>Para selecionar uma coluna da planilha: </a:t>
+            </a:r>
+            <a:r>
+              <a:rPr lang="pt-BR" sz="2000" dirty="0" err="1">
+                <a:solidFill>
+                  <a:srgbClr val="255EA9"/>
+                </a:solidFill>
+                <a:latin typeface="Arial" panose="020B0604020202020204" pitchFamily="34" charset="0"/>
+                <a:ea typeface="+mj-ea"/>
+                <a:cs typeface="Arial" panose="020B0604020202020204" pitchFamily="34" charset="0"/>
+              </a:rPr>
+              <a:t>CTRL</a:t>
+            </a:r>
+            <a:r>
+              <a:rPr lang="pt-BR" sz="2000" dirty="0">
+                <a:solidFill>
+                  <a:srgbClr val="255EA9"/>
+                </a:solidFill>
+                <a:latin typeface="Arial" panose="020B0604020202020204" pitchFamily="34" charset="0"/>
+                <a:ea typeface="+mj-ea"/>
+                <a:cs typeface="Arial" panose="020B0604020202020204" pitchFamily="34" charset="0"/>
+              </a:rPr>
+              <a:t> Shift Seta para baixo.</a:t>
+            </a:r>
+          </a:p>
+          <a:p>
+            <a:pPr marL="2286" indent="-285750" defTabSz="1218804" fontAlgn="auto">
+              <a:spcBef>
+                <a:spcPct val="0"/>
+              </a:spcBef>
+              <a:spcAft>
+                <a:spcPts val="0"/>
+              </a:spcAft>
+              <a:buFont typeface="Wingdings" panose="05000000000000000000" pitchFamily="2" charset="2"/>
+              <a:buChar char="Ø"/>
+              <a:defRPr/>
+            </a:pPr>
+            <a:endParaRPr lang="pt-BR" sz="2000" dirty="0">
+              <a:solidFill>
+                <a:srgbClr val="255EA9"/>
+              </a:solidFill>
+              <a:latin typeface="Arial" panose="020B0604020202020204" pitchFamily="34" charset="0"/>
+              <a:ea typeface="+mj-ea"/>
+              <a:cs typeface="Arial" panose="020B0604020202020204" pitchFamily="34" charset="0"/>
+            </a:endParaRPr>
+          </a:p>
+          <a:p>
+            <a:pPr marL="2286" indent="-285750" defTabSz="1218804" fontAlgn="auto">
+              <a:spcBef>
+                <a:spcPct val="0"/>
+              </a:spcBef>
+              <a:spcAft>
+                <a:spcPts val="0"/>
+              </a:spcAft>
+              <a:buFont typeface="Wingdings" panose="05000000000000000000" pitchFamily="2" charset="2"/>
+              <a:buChar char="Ø"/>
+              <a:defRPr/>
+            </a:pPr>
+            <a:r>
+              <a:rPr lang="pt-BR" sz="2000" dirty="0">
+                <a:solidFill>
+                  <a:srgbClr val="255EA9"/>
+                </a:solidFill>
+                <a:latin typeface="Arial" panose="020B0604020202020204" pitchFamily="34" charset="0"/>
+                <a:ea typeface="+mj-ea"/>
+                <a:cs typeface="Arial" panose="020B0604020202020204" pitchFamily="34" charset="0"/>
+              </a:rPr>
+              <a:t>Para selecionar uma linha da planilha: </a:t>
+            </a:r>
+            <a:r>
+              <a:rPr lang="pt-BR" sz="2000" dirty="0" err="1">
+                <a:solidFill>
+                  <a:srgbClr val="255EA9"/>
+                </a:solidFill>
+                <a:latin typeface="Arial" panose="020B0604020202020204" pitchFamily="34" charset="0"/>
+                <a:ea typeface="+mj-ea"/>
+                <a:cs typeface="Arial" panose="020B0604020202020204" pitchFamily="34" charset="0"/>
+              </a:rPr>
+              <a:t>CTRL</a:t>
+            </a:r>
+            <a:r>
+              <a:rPr lang="pt-BR" sz="2000" dirty="0">
+                <a:solidFill>
+                  <a:srgbClr val="255EA9"/>
+                </a:solidFill>
+                <a:latin typeface="Arial" panose="020B0604020202020204" pitchFamily="34" charset="0"/>
+                <a:ea typeface="+mj-ea"/>
+                <a:cs typeface="Arial" panose="020B0604020202020204" pitchFamily="34" charset="0"/>
+              </a:rPr>
+              <a:t> Shift Seta para direita .</a:t>
+            </a:r>
+          </a:p>
+        </p:txBody>
+      </p:sp>
+    </p:spTree>
+    <p:extLst>
+      <p:ext uri="{BB962C8B-B14F-4D97-AF65-F5344CB8AC3E}">
+        <p14:creationId xmlns:p14="http://schemas.microsoft.com/office/powerpoint/2010/main" val="4201699772"/>
+      </p:ext>
+    </p:extLst>
+  </p:cSld>
+  <p:clrMapOvr>
+    <a:masterClrMapping/>
+  </p:clrMapOvr>
+  <mc:AlternateContent xmlns:mc="http://schemas.openxmlformats.org/markup-compatibility/2006" xmlns:p159="http://schemas.microsoft.com/office/powerpoint/2015/09/main">
+    <mc:Choice Requires="p159">
+      <p:transition xmlns:p14="http://schemas.microsoft.com/office/powerpoint/2010/main" spd="slow" p14:dur="2000">
+        <p159:morph option="byObject"/>
+      </p:transition>
+    </mc:Choice>
+    <mc:Fallback xmlns="">
+      <p:transition spd="slow">
+        <p:fade/>
+      </p:transition>
+    </mc:Fallback>
+  </mc:AlternateContent>
+</p:sld>
+</file>
+
+<file path=ppt/slides/slide22.xml><?xml version="1.0" encoding="utf-8"?>
+<p:sld xmlns:a="http://schemas.openxmlformats.org/drawingml/2006/main" xmlns:r="http://schemas.openxmlformats.org/officeDocument/2006/relationships" xmlns:p="http://schemas.openxmlformats.org/presentationml/2006/main">
+  <p:cSld>
+    <p:spTree>
+      <p:nvGrpSpPr>
+        <p:cNvPr id="1" name=""/>
+        <p:cNvGrpSpPr/>
+        <p:nvPr/>
+      </p:nvGrpSpPr>
+      <p:grpSpPr>
+        <a:xfrm>
+          <a:off x="0" y="0"/>
+          <a:ext cx="0" cy="0"/>
+          <a:chOff x="0" y="0"/>
+          <a:chExt cx="0" cy="0"/>
+        </a:xfrm>
+      </p:grpSpPr>
+      <p:sp>
+        <p:nvSpPr>
+          <p:cNvPr id="6" name="Retângulo 5"/>
+          <p:cNvSpPr/>
+          <p:nvPr/>
+        </p:nvSpPr>
+        <p:spPr>
+          <a:xfrm flipH="1">
+            <a:off x="-4763" y="165794"/>
+            <a:ext cx="12192000" cy="1309753"/>
+          </a:xfrm>
+          <a:prstGeom prst="rect">
+            <a:avLst/>
+          </a:prstGeom>
+          <a:solidFill>
+            <a:srgbClr val="DC474B"/>
+          </a:solidFill>
+          <a:ln>
+            <a:noFill/>
+          </a:ln>
+          <a:effectLst>
+            <a:glow>
+              <a:schemeClr val="accent1"/>
+            </a:glow>
+          </a:effectLst>
+        </p:spPr>
+        <p:style>
+          <a:lnRef idx="2">
+            <a:schemeClr val="accent1">
+              <a:shade val="50000"/>
+            </a:schemeClr>
+          </a:lnRef>
+          <a:fillRef idx="1">
+            <a:schemeClr val="accent1"/>
+          </a:fillRef>
+          <a:effectRef idx="0">
+            <a:schemeClr val="accent1"/>
+          </a:effectRef>
+          <a:fontRef idx="minor">
+            <a:schemeClr val="lt1"/>
+          </a:fontRef>
+        </p:style>
+        <p:txBody>
+          <a:bodyPr rtlCol="0" anchor="ctr"/>
+          <a:lstStyle/>
+          <a:p>
+            <a:pPr algn="ctr"/>
+            <a:endParaRPr lang="pt-BR"/>
+          </a:p>
+        </p:txBody>
+      </p:sp>
+      <p:sp>
+        <p:nvSpPr>
+          <p:cNvPr id="2" name="Título 1"/>
+          <p:cNvSpPr>
+            <a:spLocks noGrp="1"/>
+          </p:cNvSpPr>
+          <p:nvPr>
+            <p:ph type="ctrTitle"/>
+          </p:nvPr>
+        </p:nvSpPr>
+        <p:spPr>
+          <a:xfrm>
+            <a:off x="-4764" y="80449"/>
+            <a:ext cx="8290635" cy="1223237"/>
+          </a:xfrm>
+          <a:ln>
+            <a:noFill/>
+          </a:ln>
+          <a:effectLst>
+            <a:outerShdw blurRad="44450" dist="27940" dir="5400000" algn="ctr">
+              <a:schemeClr val="tx1">
+                <a:alpha val="32000"/>
+              </a:schemeClr>
+            </a:outerShdw>
+          </a:effectLst>
+          <a:scene3d>
+            <a:camera prst="orthographicFront">
+              <a:rot lat="0" lon="0" rev="0"/>
+            </a:camera>
+            <a:lightRig rig="balanced" dir="t">
+              <a:rot lat="0" lon="0" rev="8700000"/>
+            </a:lightRig>
+          </a:scene3d>
+          <a:sp3d>
+            <a:bevelT w="190500" h="38100"/>
+          </a:sp3d>
+        </p:spPr>
+        <p:txBody>
+          <a:bodyPr>
+            <a:noAutofit/>
+          </a:bodyPr>
+          <a:lstStyle/>
+          <a:p>
+            <a:pPr algn="l"/>
+            <a:r>
+              <a:rPr lang="pt-BR" sz="6600" dirty="0">
+                <a:solidFill>
+                  <a:schemeClr val="bg1"/>
+                </a:solidFill>
+                <a:latin typeface="Arial" panose="020B0604020202020204" pitchFamily="34" charset="0"/>
+                <a:cs typeface="Arial" panose="020B0604020202020204" pitchFamily="34" charset="0"/>
+              </a:rPr>
+              <a:t>Agilidade</a:t>
+            </a:r>
+            <a:r>
+              <a:rPr lang="pt-BR" sz="8000" dirty="0">
+                <a:solidFill>
+                  <a:schemeClr val="bg1"/>
+                </a:solidFill>
+                <a:latin typeface="Arial" panose="020B0604020202020204" pitchFamily="34" charset="0"/>
+                <a:cs typeface="Arial" panose="020B0604020202020204" pitchFamily="34" charset="0"/>
+              </a:rPr>
+              <a:t>:</a:t>
+            </a:r>
+          </a:p>
+        </p:txBody>
+      </p:sp>
       <p:pic>
         <p:nvPicPr>
           <p:cNvPr id="7" name="Picture 7" descr="http://3.bp.blogspot.com/-iOqrmwjHraM/TqgdJ7EvIxI/AAAAAAAAEpg/yTJpVGoPos8/s400/4.jpg"/>
@@ -7965,7 +8061,7 @@
 </p:sld>
 </file>
 
-<file path=ppt/slides/slide22.xml><?xml version="1.0" encoding="utf-8"?>
+<file path=ppt/slides/slide23.xml><?xml version="1.0" encoding="utf-8"?>
 <p:sld xmlns:a="http://schemas.openxmlformats.org/drawingml/2006/main" xmlns:r="http://schemas.openxmlformats.org/officeDocument/2006/relationships" xmlns:p="http://schemas.openxmlformats.org/presentationml/2006/main">
   <p:cSld>
     <p:spTree>
@@ -8530,7 +8626,7 @@
 </p:sld>
 </file>
 
-<file path=ppt/slides/slide23.xml><?xml version="1.0" encoding="utf-8"?>
+<file path=ppt/slides/slide24.xml><?xml version="1.0" encoding="utf-8"?>
 <p:sld xmlns:a="http://schemas.openxmlformats.org/drawingml/2006/main" xmlns:r="http://schemas.openxmlformats.org/officeDocument/2006/relationships" xmlns:p="http://schemas.openxmlformats.org/presentationml/2006/main">
   <p:cSld>
     <p:spTree>
@@ -8781,7 +8877,7 @@
 </p:sld>
 </file>
 
-<file path=ppt/slides/slide24.xml><?xml version="1.0" encoding="utf-8"?>
+<file path=ppt/slides/slide25.xml><?xml version="1.0" encoding="utf-8"?>
 <p:sld xmlns:a="http://schemas.openxmlformats.org/drawingml/2006/main" xmlns:r="http://schemas.openxmlformats.org/officeDocument/2006/relationships" xmlns:p="http://schemas.openxmlformats.org/presentationml/2006/main">
   <p:cSld>
     <p:spTree>
@@ -9032,7 +9128,7 @@
 </p:sld>
 </file>
 
-<file path=ppt/slides/slide25.xml><?xml version="1.0" encoding="utf-8"?>
+<file path=ppt/slides/slide26.xml><?xml version="1.0" encoding="utf-8"?>
 <p:sld xmlns:a="http://schemas.openxmlformats.org/drawingml/2006/main" xmlns:r="http://schemas.openxmlformats.org/officeDocument/2006/relationships" xmlns:p="http://schemas.openxmlformats.org/presentationml/2006/main">
   <p:cSld>
     <p:spTree>
@@ -9301,7 +9397,7 @@
         </p:blipFill>
         <p:spPr>
           <a:xfrm>
-            <a:off x="2671182" y="165794"/>
+            <a:off x="3261238" y="0"/>
             <a:ext cx="6333970" cy="6685530"/>
           </a:xfrm>
           <a:prstGeom prst="rect">
@@ -9788,7 +9884,7 @@
 </p:sld>
 </file>
 
-<file path=ppt/slides/slide26.xml><?xml version="1.0" encoding="utf-8"?>
+<file path=ppt/slides/slide27.xml><?xml version="1.0" encoding="utf-8"?>
 <p:sld xmlns:a="http://schemas.openxmlformats.org/drawingml/2006/main" xmlns:r="http://schemas.openxmlformats.org/officeDocument/2006/relationships" xmlns:p="http://schemas.openxmlformats.org/presentationml/2006/main">
   <p:cSld>
     <p:spTree>
@@ -10206,7 +10302,7 @@
 </p:sld>
 </file>
 
-<file path=ppt/slides/slide27.xml><?xml version="1.0" encoding="utf-8"?>
+<file path=ppt/slides/slide28.xml><?xml version="1.0" encoding="utf-8"?>
 <p:sld xmlns:a="http://schemas.openxmlformats.org/drawingml/2006/main" xmlns:r="http://schemas.openxmlformats.org/officeDocument/2006/relationships" xmlns:p="http://schemas.openxmlformats.org/presentationml/2006/main">
   <p:cSld>
     <p:spTree>
@@ -11334,7 +11430,7 @@
 </p:sld>
 </file>
 
-<file path=ppt/slides/slide28.xml><?xml version="1.0" encoding="utf-8"?>
+<file path=ppt/slides/slide29.xml><?xml version="1.0" encoding="utf-8"?>
 <p:sld xmlns:a="http://schemas.openxmlformats.org/drawingml/2006/main" xmlns:r="http://schemas.openxmlformats.org/officeDocument/2006/relationships" xmlns:p="http://schemas.openxmlformats.org/presentationml/2006/main">
   <p:cSld>
     <p:spTree>
@@ -12722,7 +12818,328 @@
 </p:sld>
 </file>
 
-<file path=ppt/slides/slide29.xml><?xml version="1.0" encoding="utf-8"?>
+<file path=ppt/slides/slide3.xml><?xml version="1.0" encoding="utf-8"?>
+<p:sld xmlns:a="http://schemas.openxmlformats.org/drawingml/2006/main" xmlns:r="http://schemas.openxmlformats.org/officeDocument/2006/relationships" xmlns:p="http://schemas.openxmlformats.org/presentationml/2006/main">
+  <p:cSld>
+    <p:spTree>
+      <p:nvGrpSpPr>
+        <p:cNvPr id="1" name=""/>
+        <p:cNvGrpSpPr/>
+        <p:nvPr/>
+      </p:nvGrpSpPr>
+      <p:grpSpPr>
+        <a:xfrm>
+          <a:off x="0" y="0"/>
+          <a:ext cx="0" cy="0"/>
+          <a:chOff x="0" y="0"/>
+          <a:chExt cx="0" cy="0"/>
+        </a:xfrm>
+      </p:grpSpPr>
+      <p:sp>
+        <p:nvSpPr>
+          <p:cNvPr id="6" name="Retângulo 5"/>
+          <p:cNvSpPr/>
+          <p:nvPr/>
+        </p:nvSpPr>
+        <p:spPr>
+          <a:xfrm flipH="1">
+            <a:off x="-4763" y="165794"/>
+            <a:ext cx="12192000" cy="1309753"/>
+          </a:xfrm>
+          <a:prstGeom prst="rect">
+            <a:avLst/>
+          </a:prstGeom>
+          <a:solidFill>
+            <a:srgbClr val="DC474B"/>
+          </a:solidFill>
+          <a:ln>
+            <a:noFill/>
+          </a:ln>
+          <a:effectLst>
+            <a:glow>
+              <a:schemeClr val="accent1"/>
+            </a:glow>
+          </a:effectLst>
+        </p:spPr>
+        <p:style>
+          <a:lnRef idx="2">
+            <a:schemeClr val="accent1">
+              <a:shade val="50000"/>
+            </a:schemeClr>
+          </a:lnRef>
+          <a:fillRef idx="1">
+            <a:schemeClr val="accent1"/>
+          </a:fillRef>
+          <a:effectRef idx="0">
+            <a:schemeClr val="accent1"/>
+          </a:effectRef>
+          <a:fontRef idx="minor">
+            <a:schemeClr val="lt1"/>
+          </a:fontRef>
+        </p:style>
+        <p:txBody>
+          <a:bodyPr rtlCol="0" anchor="ctr"/>
+          <a:lstStyle/>
+          <a:p>
+            <a:pPr algn="ctr"/>
+            <a:endParaRPr lang="pt-BR"/>
+          </a:p>
+        </p:txBody>
+      </p:sp>
+      <p:sp>
+        <p:nvSpPr>
+          <p:cNvPr id="2" name="Título 1"/>
+          <p:cNvSpPr>
+            <a:spLocks noGrp="1"/>
+          </p:cNvSpPr>
+          <p:nvPr>
+            <p:ph type="ctrTitle"/>
+          </p:nvPr>
+        </p:nvSpPr>
+        <p:spPr>
+          <a:xfrm>
+            <a:off x="-4763" y="80449"/>
+            <a:ext cx="5378621" cy="1223237"/>
+          </a:xfrm>
+          <a:ln>
+            <a:noFill/>
+          </a:ln>
+          <a:effectLst>
+            <a:outerShdw blurRad="44450" dist="27940" dir="5400000" algn="ctr">
+              <a:schemeClr val="tx1">
+                <a:alpha val="32000"/>
+              </a:schemeClr>
+            </a:outerShdw>
+          </a:effectLst>
+          <a:scene3d>
+            <a:camera prst="orthographicFront">
+              <a:rot lat="0" lon="0" rev="0"/>
+            </a:camera>
+            <a:lightRig rig="balanced" dir="t">
+              <a:rot lat="0" lon="0" rev="8700000"/>
+            </a:lightRig>
+          </a:scene3d>
+          <a:sp3d>
+            <a:bevelT w="190500" h="38100"/>
+          </a:sp3d>
+        </p:spPr>
+        <p:txBody>
+          <a:bodyPr>
+            <a:noAutofit/>
+          </a:bodyPr>
+          <a:lstStyle/>
+          <a:p>
+            <a:r>
+              <a:rPr lang="pt-BR" sz="8000" dirty="0">
+                <a:solidFill>
+                  <a:schemeClr val="bg1"/>
+                </a:solidFill>
+                <a:latin typeface="Arial" panose="020B0604020202020204" pitchFamily="34" charset="0"/>
+                <a:cs typeface="Arial" panose="020B0604020202020204" pitchFamily="34" charset="0"/>
+              </a:rPr>
+              <a:t>Professor</a:t>
+            </a:r>
+            <a:r>
+              <a:rPr lang="pt-BR" sz="9600" dirty="0">
+                <a:solidFill>
+                  <a:schemeClr val="bg1"/>
+                </a:solidFill>
+                <a:latin typeface="Arial" panose="020B0604020202020204" pitchFamily="34" charset="0"/>
+                <a:cs typeface="Arial" panose="020B0604020202020204" pitchFamily="34" charset="0"/>
+              </a:rPr>
+              <a:t>:</a:t>
+            </a:r>
+          </a:p>
+        </p:txBody>
+      </p:sp>
+      <p:sp>
+        <p:nvSpPr>
+          <p:cNvPr id="7" name="Título 1"/>
+          <p:cNvSpPr txBox="1">
+            <a:spLocks/>
+          </p:cNvSpPr>
+          <p:nvPr/>
+        </p:nvSpPr>
+        <p:spPr>
+          <a:xfrm>
+            <a:off x="312635" y="1670815"/>
+            <a:ext cx="11363550" cy="4791109"/>
+          </a:xfrm>
+          <a:prstGeom prst="rect">
+            <a:avLst/>
+          </a:prstGeom>
+          <a:ln>
+            <a:noFill/>
+          </a:ln>
+          <a:effectLst>
+            <a:outerShdw blurRad="44450" dist="27940" dir="5400000" algn="ctr">
+              <a:srgbClr val="000000">
+                <a:alpha val="32000"/>
+              </a:srgbClr>
+            </a:outerShdw>
+          </a:effectLst>
+          <a:scene3d>
+            <a:camera prst="orthographicFront">
+              <a:rot lat="0" lon="0" rev="0"/>
+            </a:camera>
+            <a:lightRig rig="balanced" dir="t">
+              <a:rot lat="0" lon="0" rev="8700000"/>
+            </a:lightRig>
+          </a:scene3d>
+          <a:sp3d>
+            <a:bevelT w="190500" h="38100"/>
+          </a:sp3d>
+        </p:spPr>
+        <p:txBody>
+          <a:bodyPr vert="horz" lIns="91440" tIns="45720" rIns="91440" bIns="45720" rtlCol="0" anchor="ctr">
+            <a:noAutofit/>
+          </a:bodyPr>
+          <a:lstStyle>
+            <a:lvl1pPr algn="ctr" defTabSz="1218804" rtl="0" eaLnBrk="1" latinLnBrk="0" hangingPunct="1">
+              <a:spcBef>
+                <a:spcPct val="0"/>
+              </a:spcBef>
+              <a:buNone/>
+              <a:defRPr sz="5865" kern="1200">
+                <a:solidFill>
+                  <a:schemeClr val="tx1"/>
+                </a:solidFill>
+                <a:latin typeface="+mj-lt"/>
+                <a:ea typeface="+mj-ea"/>
+                <a:cs typeface="+mj-cs"/>
+              </a:defRPr>
+            </a:lvl1pPr>
+          </a:lstStyle>
+          <a:p>
+            <a:pPr algn="l"/>
+            <a:r>
+              <a:rPr lang="pt-BR" sz="2400" dirty="0">
+                <a:solidFill>
+                  <a:srgbClr val="255EA9"/>
+                </a:solidFill>
+                <a:latin typeface="Arial" panose="020B0604020202020204" pitchFamily="34" charset="0"/>
+                <a:cs typeface="Arial" panose="020B0604020202020204" pitchFamily="34" charset="0"/>
+              </a:rPr>
+              <a:t>Márcio Rosa,</a:t>
+            </a:r>
+          </a:p>
+          <a:p>
+            <a:pPr algn="l"/>
+            <a:endParaRPr lang="pt-BR" sz="2400" dirty="0">
+              <a:solidFill>
+                <a:srgbClr val="255EA9"/>
+              </a:solidFill>
+              <a:latin typeface="Arial" panose="020B0604020202020204" pitchFamily="34" charset="0"/>
+              <a:cs typeface="Arial" panose="020B0604020202020204" pitchFamily="34" charset="0"/>
+            </a:endParaRPr>
+          </a:p>
+          <a:p>
+            <a:pPr algn="l"/>
+            <a:r>
+              <a:rPr lang="pt-BR" sz="2400" dirty="0">
+                <a:solidFill>
+                  <a:srgbClr val="255EA9"/>
+                </a:solidFill>
+                <a:latin typeface="Arial" panose="020B0604020202020204" pitchFamily="34" charset="0"/>
+                <a:cs typeface="Arial" panose="020B0604020202020204" pitchFamily="34" charset="0"/>
+              </a:rPr>
+              <a:t>10 anos de experiência na com Excel trabalhando diariamente gerando informações rápidas e com qualidade.</a:t>
+            </a:r>
+          </a:p>
+          <a:p>
+            <a:pPr algn="l"/>
+            <a:endParaRPr lang="pt-BR" sz="2400" dirty="0">
+              <a:solidFill>
+                <a:srgbClr val="255EA9"/>
+              </a:solidFill>
+              <a:latin typeface="Arial" panose="020B0604020202020204" pitchFamily="34" charset="0"/>
+              <a:cs typeface="Arial" panose="020B0604020202020204" pitchFamily="34" charset="0"/>
+            </a:endParaRPr>
+          </a:p>
+          <a:p>
+            <a:pPr algn="l"/>
+            <a:r>
+              <a:rPr lang="pt-BR" sz="2400" dirty="0">
+                <a:solidFill>
+                  <a:srgbClr val="255EA9"/>
+                </a:solidFill>
+                <a:latin typeface="Arial" panose="020B0604020202020204" pitchFamily="34" charset="0"/>
+                <a:cs typeface="Arial" panose="020B0604020202020204" pitchFamily="34" charset="0"/>
+              </a:rPr>
+              <a:t>Formado em Sistemas de Informação pela </a:t>
+            </a:r>
+            <a:r>
+              <a:rPr lang="pt-BR" sz="2400" dirty="0" err="1">
+                <a:solidFill>
+                  <a:srgbClr val="255EA9"/>
+                </a:solidFill>
+                <a:latin typeface="Arial" panose="020B0604020202020204" pitchFamily="34" charset="0"/>
+                <a:cs typeface="Arial" panose="020B0604020202020204" pitchFamily="34" charset="0"/>
+              </a:rPr>
+              <a:t>ESAMC</a:t>
+            </a:r>
+            <a:r>
+              <a:rPr lang="pt-BR" sz="2400" dirty="0">
+                <a:solidFill>
+                  <a:srgbClr val="255EA9"/>
+                </a:solidFill>
+                <a:latin typeface="Arial" panose="020B0604020202020204" pitchFamily="34" charset="0"/>
+                <a:cs typeface="Arial" panose="020B0604020202020204" pitchFamily="34" charset="0"/>
+              </a:rPr>
+              <a:t>, desenvolvi planilhas de valor agregado nos setores de PCP, administrativo e finanças, reduzindo tempo e otimizando tarefas repetitivas.</a:t>
+            </a:r>
+          </a:p>
+          <a:p>
+            <a:pPr algn="l"/>
+            <a:endParaRPr lang="pt-BR" sz="2400" dirty="0">
+              <a:solidFill>
+                <a:srgbClr val="255EA9"/>
+              </a:solidFill>
+              <a:latin typeface="Arial" panose="020B0604020202020204" pitchFamily="34" charset="0"/>
+              <a:cs typeface="Arial" panose="020B0604020202020204" pitchFamily="34" charset="0"/>
+            </a:endParaRPr>
+          </a:p>
+          <a:p>
+            <a:pPr algn="l"/>
+            <a:r>
+              <a:rPr lang="pt-BR" sz="2400" dirty="0">
+                <a:solidFill>
+                  <a:srgbClr val="255EA9"/>
+                </a:solidFill>
+                <a:latin typeface="Arial" panose="020B0604020202020204" pitchFamily="34" charset="0"/>
+                <a:cs typeface="Arial" panose="020B0604020202020204" pitchFamily="34" charset="0"/>
+              </a:rPr>
+              <a:t>Atuando com consultoria empresarial a 4 anos, durante 3 anos estou dividindo meus conhecimentos ensinando Excel de uma forma objetiva, pratica, ágil e com logica de programação para resolução de diversos desafios.</a:t>
+            </a:r>
+          </a:p>
+        </p:txBody>
+      </p:sp>
+    </p:spTree>
+    <p:extLst>
+      <p:ext uri="{BB962C8B-B14F-4D97-AF65-F5344CB8AC3E}">
+        <p14:creationId xmlns:p14="http://schemas.microsoft.com/office/powerpoint/2010/main" val="278266415"/>
+      </p:ext>
+    </p:extLst>
+  </p:cSld>
+  <p:clrMapOvr>
+    <a:masterClrMapping/>
+  </p:clrMapOvr>
+  <mc:AlternateContent xmlns:mc="http://schemas.openxmlformats.org/markup-compatibility/2006" xmlns:p159="http://schemas.microsoft.com/office/powerpoint/2015/09/main">
+    <mc:Choice Requires="p159">
+      <p:transition xmlns:p14="http://schemas.microsoft.com/office/powerpoint/2010/main" spd="slow" p14:dur="2000">
+        <p159:morph option="byObject"/>
+      </p:transition>
+    </mc:Choice>
+    <mc:Fallback xmlns="">
+      <p:transition spd="slow">
+        <p:fade/>
+      </p:transition>
+    </mc:Fallback>
+  </mc:AlternateContent>
+</p:sld>
+</file>
+
+<file path=ppt/slides/slide30.xml><?xml version="1.0" encoding="utf-8"?>
 <p:sld xmlns:a="http://schemas.openxmlformats.org/drawingml/2006/main" xmlns:r="http://schemas.openxmlformats.org/officeDocument/2006/relationships" xmlns:p="http://schemas.openxmlformats.org/presentationml/2006/main">
   <p:cSld>
     <p:spTree>
@@ -13743,327 +14160,6 @@
       <p:bldP spid="12" grpId="1"/>
     </p:bldLst>
   </p:timing>
-</p:sld>
-</file>
-
-<file path=ppt/slides/slide3.xml><?xml version="1.0" encoding="utf-8"?>
-<p:sld xmlns:a="http://schemas.openxmlformats.org/drawingml/2006/main" xmlns:r="http://schemas.openxmlformats.org/officeDocument/2006/relationships" xmlns:p="http://schemas.openxmlformats.org/presentationml/2006/main">
-  <p:cSld>
-    <p:spTree>
-      <p:nvGrpSpPr>
-        <p:cNvPr id="1" name=""/>
-        <p:cNvGrpSpPr/>
-        <p:nvPr/>
-      </p:nvGrpSpPr>
-      <p:grpSpPr>
-        <a:xfrm>
-          <a:off x="0" y="0"/>
-          <a:ext cx="0" cy="0"/>
-          <a:chOff x="0" y="0"/>
-          <a:chExt cx="0" cy="0"/>
-        </a:xfrm>
-      </p:grpSpPr>
-      <p:sp>
-        <p:nvSpPr>
-          <p:cNvPr id="6" name="Retângulo 5"/>
-          <p:cNvSpPr/>
-          <p:nvPr/>
-        </p:nvSpPr>
-        <p:spPr>
-          <a:xfrm flipH="1">
-            <a:off x="-4763" y="165794"/>
-            <a:ext cx="12192000" cy="1309753"/>
-          </a:xfrm>
-          <a:prstGeom prst="rect">
-            <a:avLst/>
-          </a:prstGeom>
-          <a:solidFill>
-            <a:srgbClr val="DC474B"/>
-          </a:solidFill>
-          <a:ln>
-            <a:noFill/>
-          </a:ln>
-          <a:effectLst>
-            <a:glow>
-              <a:schemeClr val="accent1"/>
-            </a:glow>
-          </a:effectLst>
-        </p:spPr>
-        <p:style>
-          <a:lnRef idx="2">
-            <a:schemeClr val="accent1">
-              <a:shade val="50000"/>
-            </a:schemeClr>
-          </a:lnRef>
-          <a:fillRef idx="1">
-            <a:schemeClr val="accent1"/>
-          </a:fillRef>
-          <a:effectRef idx="0">
-            <a:schemeClr val="accent1"/>
-          </a:effectRef>
-          <a:fontRef idx="minor">
-            <a:schemeClr val="lt1"/>
-          </a:fontRef>
-        </p:style>
-        <p:txBody>
-          <a:bodyPr rtlCol="0" anchor="ctr"/>
-          <a:lstStyle/>
-          <a:p>
-            <a:pPr algn="ctr"/>
-            <a:endParaRPr lang="pt-BR"/>
-          </a:p>
-        </p:txBody>
-      </p:sp>
-      <p:sp>
-        <p:nvSpPr>
-          <p:cNvPr id="2" name="Título 1"/>
-          <p:cNvSpPr>
-            <a:spLocks noGrp="1"/>
-          </p:cNvSpPr>
-          <p:nvPr>
-            <p:ph type="ctrTitle"/>
-          </p:nvPr>
-        </p:nvSpPr>
-        <p:spPr>
-          <a:xfrm>
-            <a:off x="-4763" y="80449"/>
-            <a:ext cx="5378621" cy="1223237"/>
-          </a:xfrm>
-          <a:ln>
-            <a:noFill/>
-          </a:ln>
-          <a:effectLst>
-            <a:outerShdw blurRad="44450" dist="27940" dir="5400000" algn="ctr">
-              <a:schemeClr val="tx1">
-                <a:alpha val="32000"/>
-              </a:schemeClr>
-            </a:outerShdw>
-          </a:effectLst>
-          <a:scene3d>
-            <a:camera prst="orthographicFront">
-              <a:rot lat="0" lon="0" rev="0"/>
-            </a:camera>
-            <a:lightRig rig="balanced" dir="t">
-              <a:rot lat="0" lon="0" rev="8700000"/>
-            </a:lightRig>
-          </a:scene3d>
-          <a:sp3d>
-            <a:bevelT w="190500" h="38100"/>
-          </a:sp3d>
-        </p:spPr>
-        <p:txBody>
-          <a:bodyPr>
-            <a:noAutofit/>
-          </a:bodyPr>
-          <a:lstStyle/>
-          <a:p>
-            <a:r>
-              <a:rPr lang="pt-BR" sz="8000" dirty="0">
-                <a:solidFill>
-                  <a:schemeClr val="bg1"/>
-                </a:solidFill>
-                <a:latin typeface="Arial" panose="020B0604020202020204" pitchFamily="34" charset="0"/>
-                <a:cs typeface="Arial" panose="020B0604020202020204" pitchFamily="34" charset="0"/>
-              </a:rPr>
-              <a:t>Professor</a:t>
-            </a:r>
-            <a:r>
-              <a:rPr lang="pt-BR" sz="9600" dirty="0">
-                <a:solidFill>
-                  <a:schemeClr val="bg1"/>
-                </a:solidFill>
-                <a:latin typeface="Arial" panose="020B0604020202020204" pitchFamily="34" charset="0"/>
-                <a:cs typeface="Arial" panose="020B0604020202020204" pitchFamily="34" charset="0"/>
-              </a:rPr>
-              <a:t>:</a:t>
-            </a:r>
-          </a:p>
-        </p:txBody>
-      </p:sp>
-      <p:sp>
-        <p:nvSpPr>
-          <p:cNvPr id="7" name="Título 1"/>
-          <p:cNvSpPr txBox="1">
-            <a:spLocks/>
-          </p:cNvSpPr>
-          <p:nvPr/>
-        </p:nvSpPr>
-        <p:spPr>
-          <a:xfrm>
-            <a:off x="312635" y="1670815"/>
-            <a:ext cx="11363550" cy="4791109"/>
-          </a:xfrm>
-          <a:prstGeom prst="rect">
-            <a:avLst/>
-          </a:prstGeom>
-          <a:ln>
-            <a:noFill/>
-          </a:ln>
-          <a:effectLst>
-            <a:outerShdw blurRad="44450" dist="27940" dir="5400000" algn="ctr">
-              <a:srgbClr val="000000">
-                <a:alpha val="32000"/>
-              </a:srgbClr>
-            </a:outerShdw>
-          </a:effectLst>
-          <a:scene3d>
-            <a:camera prst="orthographicFront">
-              <a:rot lat="0" lon="0" rev="0"/>
-            </a:camera>
-            <a:lightRig rig="balanced" dir="t">
-              <a:rot lat="0" lon="0" rev="8700000"/>
-            </a:lightRig>
-          </a:scene3d>
-          <a:sp3d>
-            <a:bevelT w="190500" h="38100"/>
-          </a:sp3d>
-        </p:spPr>
-        <p:txBody>
-          <a:bodyPr vert="horz" lIns="91440" tIns="45720" rIns="91440" bIns="45720" rtlCol="0" anchor="ctr">
-            <a:noAutofit/>
-          </a:bodyPr>
-          <a:lstStyle>
-            <a:lvl1pPr algn="ctr" defTabSz="1218804" rtl="0" eaLnBrk="1" latinLnBrk="0" hangingPunct="1">
-              <a:spcBef>
-                <a:spcPct val="0"/>
-              </a:spcBef>
-              <a:buNone/>
-              <a:defRPr sz="5865" kern="1200">
-                <a:solidFill>
-                  <a:schemeClr val="tx1"/>
-                </a:solidFill>
-                <a:latin typeface="+mj-lt"/>
-                <a:ea typeface="+mj-ea"/>
-                <a:cs typeface="+mj-cs"/>
-              </a:defRPr>
-            </a:lvl1pPr>
-          </a:lstStyle>
-          <a:p>
-            <a:pPr algn="l"/>
-            <a:r>
-              <a:rPr lang="pt-BR" sz="2400" dirty="0">
-                <a:solidFill>
-                  <a:srgbClr val="255EA9"/>
-                </a:solidFill>
-                <a:latin typeface="Arial" panose="020B0604020202020204" pitchFamily="34" charset="0"/>
-                <a:cs typeface="Arial" panose="020B0604020202020204" pitchFamily="34" charset="0"/>
-              </a:rPr>
-              <a:t>Márcio Rosa,</a:t>
-            </a:r>
-          </a:p>
-          <a:p>
-            <a:pPr algn="l"/>
-            <a:endParaRPr lang="pt-BR" sz="2400" dirty="0">
-              <a:solidFill>
-                <a:srgbClr val="255EA9"/>
-              </a:solidFill>
-              <a:latin typeface="Arial" panose="020B0604020202020204" pitchFamily="34" charset="0"/>
-              <a:cs typeface="Arial" panose="020B0604020202020204" pitchFamily="34" charset="0"/>
-            </a:endParaRPr>
-          </a:p>
-          <a:p>
-            <a:pPr algn="l"/>
-            <a:r>
-              <a:rPr lang="pt-BR" sz="2400" dirty="0">
-                <a:solidFill>
-                  <a:srgbClr val="255EA9"/>
-                </a:solidFill>
-                <a:latin typeface="Arial" panose="020B0604020202020204" pitchFamily="34" charset="0"/>
-                <a:cs typeface="Arial" panose="020B0604020202020204" pitchFamily="34" charset="0"/>
-              </a:rPr>
-              <a:t>10 anos de experiência na com Excel trabalhando diariamente gerando informações rápidas e com qualidade.</a:t>
-            </a:r>
-          </a:p>
-          <a:p>
-            <a:pPr algn="l"/>
-            <a:endParaRPr lang="pt-BR" sz="2400" dirty="0">
-              <a:solidFill>
-                <a:srgbClr val="255EA9"/>
-              </a:solidFill>
-              <a:latin typeface="Arial" panose="020B0604020202020204" pitchFamily="34" charset="0"/>
-              <a:cs typeface="Arial" panose="020B0604020202020204" pitchFamily="34" charset="0"/>
-            </a:endParaRPr>
-          </a:p>
-          <a:p>
-            <a:pPr algn="l"/>
-            <a:r>
-              <a:rPr lang="pt-BR" sz="2400" dirty="0">
-                <a:solidFill>
-                  <a:srgbClr val="255EA9"/>
-                </a:solidFill>
-                <a:latin typeface="Arial" panose="020B0604020202020204" pitchFamily="34" charset="0"/>
-                <a:cs typeface="Arial" panose="020B0604020202020204" pitchFamily="34" charset="0"/>
-              </a:rPr>
-              <a:t>Formado em Sistemas de Informação pela </a:t>
-            </a:r>
-            <a:r>
-              <a:rPr lang="pt-BR" sz="2400" dirty="0" err="1">
-                <a:solidFill>
-                  <a:srgbClr val="255EA9"/>
-                </a:solidFill>
-                <a:latin typeface="Arial" panose="020B0604020202020204" pitchFamily="34" charset="0"/>
-                <a:cs typeface="Arial" panose="020B0604020202020204" pitchFamily="34" charset="0"/>
-              </a:rPr>
-              <a:t>ESAMC</a:t>
-            </a:r>
-            <a:r>
-              <a:rPr lang="pt-BR" sz="2400" dirty="0">
-                <a:solidFill>
-                  <a:srgbClr val="255EA9"/>
-                </a:solidFill>
-                <a:latin typeface="Arial" panose="020B0604020202020204" pitchFamily="34" charset="0"/>
-                <a:cs typeface="Arial" panose="020B0604020202020204" pitchFamily="34" charset="0"/>
-              </a:rPr>
-              <a:t>, desenvolvi planilhas de valor agregado nos setores de PCP, administrativo e finanças, reduzindo tempo e otimizando tarefas repetitivas.</a:t>
-            </a:r>
-          </a:p>
-          <a:p>
-            <a:pPr algn="l"/>
-            <a:endParaRPr lang="pt-BR" sz="2400" dirty="0">
-              <a:solidFill>
-                <a:srgbClr val="255EA9"/>
-              </a:solidFill>
-              <a:latin typeface="Arial" panose="020B0604020202020204" pitchFamily="34" charset="0"/>
-              <a:cs typeface="Arial" panose="020B0604020202020204" pitchFamily="34" charset="0"/>
-            </a:endParaRPr>
-          </a:p>
-          <a:p>
-            <a:pPr algn="l"/>
-            <a:r>
-              <a:rPr lang="pt-BR" sz="2400" dirty="0">
-                <a:solidFill>
-                  <a:srgbClr val="255EA9"/>
-                </a:solidFill>
-                <a:latin typeface="Arial" panose="020B0604020202020204" pitchFamily="34" charset="0"/>
-                <a:cs typeface="Arial" panose="020B0604020202020204" pitchFamily="34" charset="0"/>
-              </a:rPr>
-              <a:t>Atuando com consultoria empresarial a 4 anos, durante 3 anos estou dividindo meus conhecimentos ensinando Excel de uma forma objetiva, pratica, ágil e com logica de programação para resolução de diversos desafios.</a:t>
-            </a:r>
-          </a:p>
-        </p:txBody>
-      </p:sp>
-    </p:spTree>
-    <p:extLst>
-      <p:ext uri="{BB962C8B-B14F-4D97-AF65-F5344CB8AC3E}">
-        <p14:creationId xmlns:p14="http://schemas.microsoft.com/office/powerpoint/2010/main" val="278266415"/>
-      </p:ext>
-    </p:extLst>
-  </p:cSld>
-  <p:clrMapOvr>
-    <a:masterClrMapping/>
-  </p:clrMapOvr>
-  <mc:AlternateContent xmlns:mc="http://schemas.openxmlformats.org/markup-compatibility/2006" xmlns:p159="http://schemas.microsoft.com/office/powerpoint/2015/09/main">
-    <mc:Choice Requires="p159">
-      <p:transition xmlns:p14="http://schemas.microsoft.com/office/powerpoint/2010/main" spd="slow" p14:dur="2000">
-        <p159:morph option="byObject"/>
-      </p:transition>
-    </mc:Choice>
-    <mc:Fallback xmlns="">
-      <p:transition spd="slow">
-        <p:fade/>
-      </p:transition>
-    </mc:Fallback>
-  </mc:AlternateContent>
 </p:sld>
 </file>
 
